--- a/2_Slides_Literature/2_Basics of Political Psychology/2-Methoden und Theorien der politischen Psychologie.pptx
+++ b/2_Slides_Literature/2_Basics of Political Psychology/2-Methoden und Theorien der politischen Psychologie.pptx
@@ -5,10 +5,10 @@
     <p:sldMasterId id="2147483678" r:id="rId1"/>
   </p:sldMasterIdLst>
   <p:notesMasterIdLst>
-    <p:notesMasterId r:id="rId26"/>
+    <p:notesMasterId r:id="rId30"/>
   </p:notesMasterIdLst>
   <p:handoutMasterIdLst>
-    <p:handoutMasterId r:id="rId27"/>
+    <p:handoutMasterId r:id="rId31"/>
   </p:handoutMasterIdLst>
   <p:sldIdLst>
     <p:sldId id="256" r:id="rId2"/>
@@ -31,10 +31,14 @@
     <p:sldId id="275" r:id="rId19"/>
     <p:sldId id="277" r:id="rId20"/>
     <p:sldId id="278" r:id="rId21"/>
-    <p:sldId id="280" r:id="rId22"/>
-    <p:sldId id="279" r:id="rId23"/>
-    <p:sldId id="262" r:id="rId24"/>
-    <p:sldId id="281" r:id="rId25"/>
+    <p:sldId id="285" r:id="rId22"/>
+    <p:sldId id="280" r:id="rId23"/>
+    <p:sldId id="279" r:id="rId24"/>
+    <p:sldId id="262" r:id="rId25"/>
+    <p:sldId id="281" r:id="rId26"/>
+    <p:sldId id="401" r:id="rId27"/>
+    <p:sldId id="416" r:id="rId28"/>
+    <p:sldId id="393" r:id="rId29"/>
   </p:sldIdLst>
   <p:sldSz cx="9144000" cy="5143500" type="screen16x9"/>
   <p:notesSz cx="6819900" cy="9918700"/>
@@ -200,7 +204,7 @@
 <file path=ppt/revisionInfo.xml><?xml version="1.0" encoding="utf-8"?>
 <p1510:revInfo xmlns:a="http://schemas.openxmlformats.org/drawingml/2006/main" xmlns:r="http://schemas.openxmlformats.org/officeDocument/2006/relationships" xmlns:p1510="http://schemas.microsoft.com/office/powerpoint/2015/10/main">
   <p1510:revLst>
-    <p1510:client id="{A850E4B7-99CD-44F4-B4C5-5379AEBC3A31}" v="127" dt="2022-05-02T14:12:18.681"/>
+    <p1510:client id="{E94AFAF3-9327-44B5-A633-24733238964D}" v="92" dt="2023-04-14T07:52:15.874"/>
   </p1510:revLst>
 </p1510:revInfo>
 </file>
@@ -2746,7 +2750,7 @@
           <pc:sldLayoutMkLst>
             <pc:docMk/>
             <pc:sldMasterMk cId="0" sldId="2147483678"/>
-            <pc:sldLayoutMk cId="0" sldId="2147483695"/>
+            <pc:sldLayoutMk cId="280571401" sldId="2147483695"/>
           </pc:sldLayoutMkLst>
         </pc:sldLayoutChg>
         <pc:sldLayoutChg chg="del">
@@ -4929,6 +4933,197 @@
         <pc:sldMkLst>
           <pc:docMk/>
           <pc:sldMk cId="2715604998" sldId="281"/>
+        </pc:sldMkLst>
+      </pc:sldChg>
+    </pc:docChg>
+  </pc:docChgLst>
+  <pc:docChgLst>
+    <pc:chgData name="C C" userId="58c016da926720ee" providerId="LiveId" clId="{E94AFAF3-9327-44B5-A633-24733238964D}"/>
+    <pc:docChg chg="custSel addSld delSld modSld sldOrd">
+      <pc:chgData name="C C" userId="58c016da926720ee" providerId="LiveId" clId="{E94AFAF3-9327-44B5-A633-24733238964D}" dt="2023-04-14T07:52:15.873" v="542"/>
+      <pc:docMkLst>
+        <pc:docMk/>
+      </pc:docMkLst>
+      <pc:sldChg chg="addSp delSp modSp mod">
+        <pc:chgData name="C C" userId="58c016da926720ee" providerId="LiveId" clId="{E94AFAF3-9327-44B5-A633-24733238964D}" dt="2023-04-14T07:44:02.916" v="499" actId="478"/>
+        <pc:sldMkLst>
+          <pc:docMk/>
+          <pc:sldMk cId="3515141526" sldId="262"/>
+        </pc:sldMkLst>
+        <pc:spChg chg="add mod">
+          <ac:chgData name="C C" userId="58c016da926720ee" providerId="LiveId" clId="{E94AFAF3-9327-44B5-A633-24733238964D}" dt="2023-04-14T07:44:02.916" v="499" actId="478"/>
+          <ac:spMkLst>
+            <pc:docMk/>
+            <pc:sldMk cId="3515141526" sldId="262"/>
+            <ac:spMk id="5" creationId="{DBA7B89F-38B8-431E-E7B4-FE69D218D397}"/>
+          </ac:spMkLst>
+        </pc:spChg>
+        <pc:picChg chg="del">
+          <ac:chgData name="C C" userId="58c016da926720ee" providerId="LiveId" clId="{E94AFAF3-9327-44B5-A633-24733238964D}" dt="2023-04-14T07:44:02.916" v="499" actId="478"/>
+          <ac:picMkLst>
+            <pc:docMk/>
+            <pc:sldMk cId="3515141526" sldId="262"/>
+            <ac:picMk id="10" creationId="{59185352-D51E-4AEB-875F-C203288AAEA8}"/>
+          </ac:picMkLst>
+        </pc:picChg>
+      </pc:sldChg>
+      <pc:sldChg chg="modSp mod">
+        <pc:chgData name="C C" userId="58c016da926720ee" providerId="LiveId" clId="{E94AFAF3-9327-44B5-A633-24733238964D}" dt="2023-04-14T07:39:33.825" v="35" actId="20577"/>
+        <pc:sldMkLst>
+          <pc:docMk/>
+          <pc:sldMk cId="2073477038" sldId="277"/>
+        </pc:sldMkLst>
+        <pc:spChg chg="mod">
+          <ac:chgData name="C C" userId="58c016da926720ee" providerId="LiveId" clId="{E94AFAF3-9327-44B5-A633-24733238964D}" dt="2023-04-14T07:39:33.825" v="35" actId="20577"/>
+          <ac:spMkLst>
+            <pc:docMk/>
+            <pc:sldMk cId="2073477038" sldId="277"/>
+            <ac:spMk id="2" creationId="{C9DC46A7-B86A-4403-BBB4-5383DC25C581}"/>
+          </ac:spMkLst>
+        </pc:spChg>
+      </pc:sldChg>
+      <pc:sldChg chg="modSp mod">
+        <pc:chgData name="C C" userId="58c016da926720ee" providerId="LiveId" clId="{E94AFAF3-9327-44B5-A633-24733238964D}" dt="2023-04-14T07:39:27.617" v="25" actId="20577"/>
+        <pc:sldMkLst>
+          <pc:docMk/>
+          <pc:sldMk cId="911192258" sldId="278"/>
+        </pc:sldMkLst>
+        <pc:spChg chg="mod">
+          <ac:chgData name="C C" userId="58c016da926720ee" providerId="LiveId" clId="{E94AFAF3-9327-44B5-A633-24733238964D}" dt="2023-04-14T07:39:27.617" v="25" actId="20577"/>
+          <ac:spMkLst>
+            <pc:docMk/>
+            <pc:sldMk cId="911192258" sldId="278"/>
+            <ac:spMk id="5" creationId="{385008BE-1668-4B22-A439-090A62E70F9B}"/>
+          </ac:spMkLst>
+        </pc:spChg>
+      </pc:sldChg>
+      <pc:sldChg chg="modSp mod">
+        <pc:chgData name="C C" userId="58c016da926720ee" providerId="LiveId" clId="{E94AFAF3-9327-44B5-A633-24733238964D}" dt="2023-04-14T07:43:44.829" v="498" actId="20577"/>
+        <pc:sldMkLst>
+          <pc:docMk/>
+          <pc:sldMk cId="2106003604" sldId="281"/>
+        </pc:sldMkLst>
+        <pc:graphicFrameChg chg="modGraphic">
+          <ac:chgData name="C C" userId="58c016da926720ee" providerId="LiveId" clId="{E94AFAF3-9327-44B5-A633-24733238964D}" dt="2023-04-14T07:43:44.829" v="498" actId="20577"/>
+          <ac:graphicFrameMkLst>
+            <pc:docMk/>
+            <pc:sldMk cId="2106003604" sldId="281"/>
+            <ac:graphicFrameMk id="5" creationId="{699C6084-5148-4AC2-A172-C137D767035C}"/>
+          </ac:graphicFrameMkLst>
+        </pc:graphicFrameChg>
+      </pc:sldChg>
+      <pc:sldChg chg="modSp new del mod">
+        <pc:chgData name="C C" userId="58c016da926720ee" providerId="LiveId" clId="{E94AFAF3-9327-44B5-A633-24733238964D}" dt="2023-04-14T07:39:57.406" v="71" actId="47"/>
+        <pc:sldMkLst>
+          <pc:docMk/>
+          <pc:sldMk cId="3203536707" sldId="283"/>
+        </pc:sldMkLst>
+        <pc:spChg chg="mod">
+          <ac:chgData name="C C" userId="58c016da926720ee" providerId="LiveId" clId="{E94AFAF3-9327-44B5-A633-24733238964D}" dt="2023-04-14T07:39:04.362" v="3" actId="20577"/>
+          <ac:spMkLst>
+            <pc:docMk/>
+            <pc:sldMk cId="3203536707" sldId="283"/>
+            <ac:spMk id="2" creationId="{0300FB61-B755-0058-ED91-17773CC935E4}"/>
+          </ac:spMkLst>
+        </pc:spChg>
+      </pc:sldChg>
+      <pc:sldChg chg="addSp delSp modSp add del mod ord delAnim modAnim">
+        <pc:chgData name="C C" userId="58c016da926720ee" providerId="LiveId" clId="{E94AFAF3-9327-44B5-A633-24733238964D}" dt="2023-04-14T07:41:07.660" v="161" actId="47"/>
+        <pc:sldMkLst>
+          <pc:docMk/>
+          <pc:sldMk cId="895943528" sldId="284"/>
+        </pc:sldMkLst>
+        <pc:spChg chg="mod">
+          <ac:chgData name="C C" userId="58c016da926720ee" providerId="LiveId" clId="{E94AFAF3-9327-44B5-A633-24733238964D}" dt="2023-04-14T07:39:43.053" v="67" actId="20577"/>
+          <ac:spMkLst>
+            <pc:docMk/>
+            <pc:sldMk cId="895943528" sldId="284"/>
+            <ac:spMk id="2" creationId="{C9DC46A7-B86A-4403-BBB4-5383DC25C581}"/>
+          </ac:spMkLst>
+        </pc:spChg>
+        <pc:spChg chg="del mod">
+          <ac:chgData name="C C" userId="58c016da926720ee" providerId="LiveId" clId="{E94AFAF3-9327-44B5-A633-24733238964D}" dt="2023-04-14T07:41:04.478" v="160" actId="478"/>
+          <ac:spMkLst>
+            <pc:docMk/>
+            <pc:sldMk cId="895943528" sldId="284"/>
+            <ac:spMk id="3" creationId="{E0789754-DB61-49BB-8E9D-96ACFA633A8F}"/>
+          </ac:spMkLst>
+        </pc:spChg>
+        <pc:spChg chg="add del mod">
+          <ac:chgData name="C C" userId="58c016da926720ee" providerId="LiveId" clId="{E94AFAF3-9327-44B5-A633-24733238964D}" dt="2023-04-14T07:39:50.302" v="69" actId="478"/>
+          <ac:spMkLst>
+            <pc:docMk/>
+            <pc:sldMk cId="895943528" sldId="284"/>
+            <ac:spMk id="6" creationId="{F02EAA81-2112-E1BD-B904-DAEE8DFF5728}"/>
+          </ac:spMkLst>
+        </pc:spChg>
+        <pc:spChg chg="add mod">
+          <ac:chgData name="C C" userId="58c016da926720ee" providerId="LiveId" clId="{E94AFAF3-9327-44B5-A633-24733238964D}" dt="2023-04-14T07:41:04.478" v="160" actId="478"/>
+          <ac:spMkLst>
+            <pc:docMk/>
+            <pc:sldMk cId="895943528" sldId="284"/>
+            <ac:spMk id="8" creationId="{E4C0ED8F-0446-89FD-893F-E713C0EA4807}"/>
+          </ac:spMkLst>
+        </pc:spChg>
+        <pc:picChg chg="del">
+          <ac:chgData name="C C" userId="58c016da926720ee" providerId="LiveId" clId="{E94AFAF3-9327-44B5-A633-24733238964D}" dt="2023-04-14T07:39:47.720" v="68" actId="478"/>
+          <ac:picMkLst>
+            <pc:docMk/>
+            <pc:sldMk cId="895943528" sldId="284"/>
+            <ac:picMk id="5" creationId="{F548DD8E-D2F0-4C93-8DDE-56B550B29649}"/>
+          </ac:picMkLst>
+        </pc:picChg>
+      </pc:sldChg>
+      <pc:sldChg chg="addSp modSp add mod">
+        <pc:chgData name="C C" userId="58c016da926720ee" providerId="LiveId" clId="{E94AFAF3-9327-44B5-A633-24733238964D}" dt="2023-04-14T07:49:45.372" v="540" actId="1076"/>
+        <pc:sldMkLst>
+          <pc:docMk/>
+          <pc:sldMk cId="3891049118" sldId="285"/>
+        </pc:sldMkLst>
+        <pc:spChg chg="mod">
+          <ac:chgData name="C C" userId="58c016da926720ee" providerId="LiveId" clId="{E94AFAF3-9327-44B5-A633-24733238964D}" dt="2023-04-14T07:41:14.329" v="193" actId="20577"/>
+          <ac:spMkLst>
+            <pc:docMk/>
+            <pc:sldMk cId="3891049118" sldId="285"/>
+            <ac:spMk id="5" creationId="{385008BE-1668-4B22-A439-090A62E70F9B}"/>
+          </ac:spMkLst>
+        </pc:spChg>
+        <pc:spChg chg="mod">
+          <ac:chgData name="C C" userId="58c016da926720ee" providerId="LiveId" clId="{E94AFAF3-9327-44B5-A633-24733238964D}" dt="2023-04-14T07:49:38.552" v="537" actId="14100"/>
+          <ac:spMkLst>
+            <pc:docMk/>
+            <pc:sldMk cId="3891049118" sldId="285"/>
+            <ac:spMk id="7" creationId="{20C1611D-16DD-48E3-8356-718FF42382B4}"/>
+          </ac:spMkLst>
+        </pc:spChg>
+        <pc:picChg chg="add mod">
+          <ac:chgData name="C C" userId="58c016da926720ee" providerId="LiveId" clId="{E94AFAF3-9327-44B5-A633-24733238964D}" dt="2023-04-14T07:49:45.372" v="540" actId="1076"/>
+          <ac:picMkLst>
+            <pc:docMk/>
+            <pc:sldMk cId="3891049118" sldId="285"/>
+            <ac:picMk id="1026" creationId="{F4E3C064-B307-C2D8-3435-810E5F638D73}"/>
+          </ac:picMkLst>
+        </pc:picChg>
+      </pc:sldChg>
+      <pc:sldChg chg="add">
+        <pc:chgData name="C C" userId="58c016da926720ee" providerId="LiveId" clId="{E94AFAF3-9327-44B5-A633-24733238964D}" dt="2023-04-14T07:52:15.873" v="542"/>
+        <pc:sldMkLst>
+          <pc:docMk/>
+          <pc:sldMk cId="3393580242" sldId="393"/>
+        </pc:sldMkLst>
+      </pc:sldChg>
+      <pc:sldChg chg="add">
+        <pc:chgData name="C C" userId="58c016da926720ee" providerId="LiveId" clId="{E94AFAF3-9327-44B5-A633-24733238964D}" dt="2023-04-14T07:52:03.431" v="541"/>
+        <pc:sldMkLst>
+          <pc:docMk/>
+          <pc:sldMk cId="937996676" sldId="401"/>
+        </pc:sldMkLst>
+      </pc:sldChg>
+      <pc:sldChg chg="add">
+        <pc:chgData name="C C" userId="58c016da926720ee" providerId="LiveId" clId="{E94AFAF3-9327-44B5-A633-24733238964D}" dt="2023-04-14T07:52:03.431" v="541"/>
+        <pc:sldMkLst>
+          <pc:docMk/>
+          <pc:sldMk cId="1978773447" sldId="416"/>
         </pc:sldMkLst>
       </pc:sldChg>
     </pc:docChg>
@@ -7973,6 +8168,139 @@
 </p:sldLayout>
 </file>
 
+<file path=ppt/slideLayouts/slideLayout7.xml><?xml version="1.0" encoding="utf-8"?>
+<p:sldLayout xmlns:a="http://schemas.openxmlformats.org/drawingml/2006/main" xmlns:r="http://schemas.openxmlformats.org/officeDocument/2006/relationships" xmlns:p="http://schemas.openxmlformats.org/presentationml/2006/main" type="obj">
+  <p:cSld name="Titel und Inhalt">
+    <p:spTree>
+      <p:nvGrpSpPr>
+        <p:cNvPr id="1" name=""/>
+        <p:cNvGrpSpPr/>
+        <p:nvPr/>
+      </p:nvGrpSpPr>
+      <p:grpSpPr>
+        <a:xfrm>
+          <a:off x="0" y="0"/>
+          <a:ext cx="0" cy="0"/>
+          <a:chOff x="0" y="0"/>
+          <a:chExt cx="0" cy="0"/>
+        </a:xfrm>
+      </p:grpSpPr>
+      <p:sp>
+        <p:nvSpPr>
+          <p:cNvPr id="2" name="Titel 1"/>
+          <p:cNvSpPr>
+            <a:spLocks noGrp="1"/>
+          </p:cNvSpPr>
+          <p:nvPr>
+            <p:ph type="title"/>
+          </p:nvPr>
+        </p:nvSpPr>
+        <p:spPr/>
+        <p:txBody>
+          <a:bodyPr/>
+          <a:lstStyle/>
+          <a:p>
+            <a:r>
+              <a:rPr lang="de-DE"/>
+              <a:t>Titelmasterformat durch Klicken bearbeiten</a:t>
+            </a:r>
+          </a:p>
+        </p:txBody>
+      </p:sp>
+      <p:sp>
+        <p:nvSpPr>
+          <p:cNvPr id="3" name="Inhaltsplatzhalter 2"/>
+          <p:cNvSpPr>
+            <a:spLocks noGrp="1"/>
+          </p:cNvSpPr>
+          <p:nvPr>
+            <p:ph idx="1"/>
+          </p:nvPr>
+        </p:nvSpPr>
+        <p:spPr/>
+        <p:txBody>
+          <a:bodyPr/>
+          <a:lstStyle/>
+          <a:p>
+            <a:pPr lvl="0"/>
+            <a:r>
+              <a:rPr lang="de-DE"/>
+              <a:t>Textmasterformat bearbeiten</a:t>
+            </a:r>
+          </a:p>
+          <a:p>
+            <a:pPr lvl="1"/>
+            <a:r>
+              <a:rPr lang="de-DE"/>
+              <a:t>Zweite Ebene</a:t>
+            </a:r>
+          </a:p>
+          <a:p>
+            <a:pPr lvl="2"/>
+            <a:r>
+              <a:rPr lang="de-DE"/>
+              <a:t>Dritte Ebene</a:t>
+            </a:r>
+          </a:p>
+          <a:p>
+            <a:pPr lvl="3"/>
+            <a:r>
+              <a:rPr lang="de-DE"/>
+              <a:t>Vierte Ebene</a:t>
+            </a:r>
+          </a:p>
+          <a:p>
+            <a:pPr lvl="4"/>
+            <a:r>
+              <a:rPr lang="de-DE"/>
+              <a:t>Fünfte Ebene</a:t>
+            </a:r>
+          </a:p>
+        </p:txBody>
+      </p:sp>
+      <p:sp>
+        <p:nvSpPr>
+          <p:cNvPr id="4" name="Rectangle 8"/>
+          <p:cNvSpPr>
+            <a:spLocks noGrp="1" noChangeArrowheads="1"/>
+          </p:cNvSpPr>
+          <p:nvPr>
+            <p:ph type="ftr" sz="quarter" idx="10"/>
+          </p:nvPr>
+        </p:nvSpPr>
+        <p:spPr/>
+        <p:txBody>
+          <a:bodyPr/>
+          <a:lstStyle>
+            <a:lvl1pPr>
+              <a:defRPr/>
+            </a:lvl1pPr>
+          </a:lstStyle>
+          <a:p>
+            <a:pPr>
+              <a:defRPr/>
+            </a:pPr>
+            <a:r>
+              <a:rPr lang="de-DE"/>
+              <a:t>Titel, Datum</a:t>
+            </a:r>
+          </a:p>
+        </p:txBody>
+      </p:sp>
+    </p:spTree>
+    <p:extLst>
+      <p:ext uri="{BB962C8B-B14F-4D97-AF65-F5344CB8AC3E}">
+        <p14:creationId xmlns:p14="http://schemas.microsoft.com/office/powerpoint/2010/main" val="1651845141"/>
+      </p:ext>
+    </p:extLst>
+  </p:cSld>
+  <p:clrMapOvr>
+    <a:masterClrMapping/>
+  </p:clrMapOvr>
+  <p:transition spd="slow"/>
+</p:sldLayout>
+</file>
+
 <file path=ppt/slideMasters/slideMaster1.xml><?xml version="1.0" encoding="utf-8"?>
 <p:sldMaster xmlns:a="http://schemas.openxmlformats.org/drawingml/2006/main" xmlns:r="http://schemas.openxmlformats.org/officeDocument/2006/relationships" xmlns:p="http://schemas.openxmlformats.org/presentationml/2006/main" preserve="1">
   <p:cSld>
@@ -8145,7 +8473,7 @@
           <p:nvPr userDrawn="1"/>
         </p:nvPicPr>
         <p:blipFill>
-          <a:blip r:embed="rId8" cstate="print"/>
+          <a:blip r:embed="rId9" cstate="print"/>
           <a:srcRect/>
           <a:stretch>
             <a:fillRect/>
@@ -8224,6 +8552,7 @@
     <p:sldLayoutId id="2147483691" r:id="rId4"/>
     <p:sldLayoutId id="2147483692" r:id="rId5"/>
     <p:sldLayoutId id="2147483695" r:id="rId6"/>
+    <p:sldLayoutId id="2147483696" r:id="rId7"/>
   </p:sldLayoutIdLst>
   <p:transition spd="slow"/>
   <p:hf sldNum="0" hdr="0" dt="0"/>
@@ -10906,8 +11235,12 @@
           <a:lstStyle/>
           <a:p>
             <a:r>
+              <a:rPr lang="en-US" dirty="0" err="1"/>
+              <a:t>Daten</a:t>
+            </a:r>
+            <a:r>
               <a:rPr lang="en-US" dirty="0"/>
-              <a:t>BUA Project Background</a:t>
+              <a:t> 1: BUA Project</a:t>
             </a:r>
           </a:p>
         </p:txBody>
@@ -11436,7 +11769,7 @@
           <a:p>
             <a:r>
               <a:rPr lang="de-DE" dirty="0"/>
-              <a:t>Eckdaten</a:t>
+              <a:t>Daten 1: BUA</a:t>
             </a:r>
           </a:p>
         </p:txBody>
@@ -11576,6 +11909,242 @@
 </file>
 
 <file path=ppt/slides/slide21.xml><?xml version="1.0" encoding="utf-8"?>
+<p:sld xmlns:a="http://schemas.openxmlformats.org/drawingml/2006/main" xmlns:r="http://schemas.openxmlformats.org/officeDocument/2006/relationships" xmlns:p="http://schemas.openxmlformats.org/presentationml/2006/main">
+  <p:cSld>
+    <p:spTree>
+      <p:nvGrpSpPr>
+        <p:cNvPr id="1" name=""/>
+        <p:cNvGrpSpPr/>
+        <p:nvPr/>
+      </p:nvGrpSpPr>
+      <p:grpSpPr>
+        <a:xfrm>
+          <a:off x="0" y="0"/>
+          <a:ext cx="0" cy="0"/>
+          <a:chOff x="0" y="0"/>
+          <a:chExt cx="0" cy="0"/>
+        </a:xfrm>
+      </p:grpSpPr>
+      <p:sp>
+        <p:nvSpPr>
+          <p:cNvPr id="5" name="Title 4">
+            <a:extLst>
+              <a:ext uri="{FF2B5EF4-FFF2-40B4-BE49-F238E27FC236}">
+                <a16:creationId xmlns:a16="http://schemas.microsoft.com/office/drawing/2014/main" id="{385008BE-1668-4B22-A439-090A62E70F9B}"/>
+              </a:ext>
+            </a:extLst>
+          </p:cNvPr>
+          <p:cNvSpPr>
+            <a:spLocks noGrp="1"/>
+          </p:cNvSpPr>
+          <p:nvPr>
+            <p:ph type="title"/>
+          </p:nvPr>
+        </p:nvSpPr>
+        <p:spPr/>
+        <p:txBody>
+          <a:bodyPr/>
+          <a:lstStyle/>
+          <a:p>
+            <a:r>
+              <a:rPr lang="de-DE" dirty="0"/>
+              <a:t>Daten 2: European </a:t>
+            </a:r>
+            <a:r>
+              <a:rPr lang="de-DE" dirty="0" err="1"/>
+              <a:t>Social</a:t>
+            </a:r>
+            <a:r>
+              <a:rPr lang="de-DE" dirty="0"/>
+              <a:t> Survey</a:t>
+            </a:r>
+          </a:p>
+        </p:txBody>
+      </p:sp>
+      <p:sp>
+        <p:nvSpPr>
+          <p:cNvPr id="7" name="Content Placeholder 6">
+            <a:extLst>
+              <a:ext uri="{FF2B5EF4-FFF2-40B4-BE49-F238E27FC236}">
+                <a16:creationId xmlns:a16="http://schemas.microsoft.com/office/drawing/2014/main" id="{20C1611D-16DD-48E3-8356-718FF42382B4}"/>
+              </a:ext>
+            </a:extLst>
+          </p:cNvPr>
+          <p:cNvSpPr>
+            <a:spLocks noGrp="1"/>
+          </p:cNvSpPr>
+          <p:nvPr>
+            <p:ph sz="quarter" idx="12"/>
+          </p:nvPr>
+        </p:nvSpPr>
+        <p:spPr/>
+        <p:txBody>
+          <a:bodyPr/>
+          <a:lstStyle/>
+          <a:p>
+            <a:pPr marL="342900" indent="-342900">
+              <a:buFont typeface="Arial" panose="020B0604020202020204" pitchFamily="34" charset="0"/>
+              <a:buChar char="•"/>
+            </a:pPr>
+            <a:r>
+              <a:rPr lang="de-DE" dirty="0"/>
+              <a:t>Erhebungszeitraum</a:t>
+            </a:r>
+          </a:p>
+          <a:p>
+            <a:pPr marL="698500" lvl="1" indent="-342900"/>
+            <a:r>
+              <a:rPr lang="de-DE" sz="1800" dirty="0"/>
+              <a:t>Welle 1: 2002 </a:t>
+            </a:r>
+          </a:p>
+          <a:p>
+            <a:pPr marL="698500" lvl="1" indent="-342900"/>
+            <a:r>
+              <a:rPr lang="de-DE" sz="1800" dirty="0"/>
+              <a:t>Welle 10: 2020 </a:t>
+            </a:r>
+          </a:p>
+          <a:p>
+            <a:pPr marL="698500" lvl="1" indent="-342900"/>
+            <a:r>
+              <a:rPr lang="de-DE" sz="1800" dirty="0"/>
+              <a:t>Erhebung alle zwei Jahre</a:t>
+            </a:r>
+          </a:p>
+          <a:p>
+            <a:pPr marL="342900" indent="-342900">
+              <a:buFont typeface="Arial" panose="020B0604020202020204" pitchFamily="34" charset="0"/>
+              <a:buChar char="•"/>
+            </a:pPr>
+            <a:r>
+              <a:rPr lang="de-DE" dirty="0"/>
+              <a:t>Konzepte im Fragebogen</a:t>
+            </a:r>
+          </a:p>
+          <a:p>
+            <a:pPr marL="698500" lvl="1" indent="-342900"/>
+            <a:r>
+              <a:rPr lang="de-DE" sz="1800" dirty="0"/>
+              <a:t>Sozialpolitische &amp; Politikwissenschaftliche Standarditems</a:t>
+            </a:r>
+          </a:p>
+          <a:p>
+            <a:pPr marL="698500" lvl="1" indent="-342900"/>
+            <a:r>
+              <a:rPr lang="de-DE" sz="1800" dirty="0"/>
+              <a:t>Werte, Ideologie und Parteienaffinität </a:t>
+            </a:r>
+          </a:p>
+          <a:p>
+            <a:pPr marL="698500" lvl="1" indent="-342900"/>
+            <a:r>
+              <a:rPr lang="de-DE" sz="1800" dirty="0"/>
+              <a:t>Gruppenzugehörigkeit und Gruppenwahrnehmungen </a:t>
+            </a:r>
+          </a:p>
+          <a:p>
+            <a:pPr marL="698500" lvl="1" indent="-342900"/>
+            <a:r>
+              <a:rPr lang="de-DE" sz="1800" dirty="0"/>
+              <a:t>Rotierende Wellen zu unterschiedlichen Themen </a:t>
+            </a:r>
+          </a:p>
+          <a:p>
+            <a:pPr marL="342900" indent="-342900">
+              <a:buFont typeface="Arial" panose="020B0604020202020204" pitchFamily="34" charset="0"/>
+              <a:buChar char="•"/>
+            </a:pPr>
+            <a:r>
+              <a:rPr lang="de-DE" dirty="0"/>
+              <a:t>Stratifiziertes Random Sample,  Querschnittsdaten</a:t>
+            </a:r>
+          </a:p>
+          <a:p>
+            <a:pPr marL="342900" indent="-342900">
+              <a:buFont typeface="Arial" panose="020B0604020202020204" pitchFamily="34" charset="0"/>
+              <a:buChar char="•"/>
+            </a:pPr>
+            <a:r>
+              <a:rPr lang="de-DE" dirty="0"/>
+              <a:t>Sehr hohe Datenqualität </a:t>
+            </a:r>
+          </a:p>
+          <a:p>
+            <a:pPr marL="698500" lvl="1" indent="-342900"/>
+            <a:endParaRPr lang="de-DE" dirty="0"/>
+          </a:p>
+          <a:p>
+            <a:pPr marL="342900" indent="-342900">
+              <a:buFont typeface="Arial" panose="020B0604020202020204" pitchFamily="34" charset="0"/>
+              <a:buChar char="•"/>
+            </a:pPr>
+            <a:endParaRPr lang="de-DE" dirty="0"/>
+          </a:p>
+        </p:txBody>
+      </p:sp>
+      <p:pic>
+        <p:nvPicPr>
+          <p:cNvPr id="1026" name="Picture 2" descr="European Social Survey | SSHOPENCLOUD">
+            <a:extLst>
+              <a:ext uri="{FF2B5EF4-FFF2-40B4-BE49-F238E27FC236}">
+                <a16:creationId xmlns:a16="http://schemas.microsoft.com/office/drawing/2014/main" id="{F4E3C064-B307-C2D8-3435-810E5F638D73}"/>
+              </a:ext>
+            </a:extLst>
+          </p:cNvPr>
+          <p:cNvPicPr>
+            <a:picLocks noChangeAspect="1" noChangeArrowheads="1"/>
+          </p:cNvPicPr>
+          <p:nvPr/>
+        </p:nvPicPr>
+        <p:blipFill>
+          <a:blip r:embed="rId2">
+            <a:extLst>
+              <a:ext uri="{28A0092B-C50C-407E-A947-70E740481C1C}">
+                <a14:useLocalDpi xmlns:a14="http://schemas.microsoft.com/office/drawing/2010/main" val="0"/>
+              </a:ext>
+            </a:extLst>
+          </a:blip>
+          <a:srcRect/>
+          <a:stretch>
+            <a:fillRect/>
+          </a:stretch>
+        </p:blipFill>
+        <p:spPr bwMode="auto">
+          <a:xfrm>
+            <a:off x="4766045" y="76815"/>
+            <a:ext cx="4673675" cy="3115783"/>
+          </a:xfrm>
+          <a:prstGeom prst="rect">
+            <a:avLst/>
+          </a:prstGeom>
+          <a:noFill/>
+          <a:extLst>
+            <a:ext uri="{909E8E84-426E-40DD-AFC4-6F175D3DCCD1}">
+              <a14:hiddenFill xmlns:a14="http://schemas.microsoft.com/office/drawing/2010/main">
+                <a:solidFill>
+                  <a:srgbClr val="FFFFFF"/>
+                </a:solidFill>
+              </a14:hiddenFill>
+            </a:ext>
+          </a:extLst>
+        </p:spPr>
+      </p:pic>
+    </p:spTree>
+    <p:extLst>
+      <p:ext uri="{BB962C8B-B14F-4D97-AF65-F5344CB8AC3E}">
+        <p14:creationId xmlns:p14="http://schemas.microsoft.com/office/powerpoint/2010/main" val="3891049118"/>
+      </p:ext>
+    </p:extLst>
+  </p:cSld>
+  <p:clrMapOvr>
+    <a:masterClrMapping/>
+  </p:clrMapOvr>
+  <p:transition spd="slow"/>
+</p:sld>
+</file>
+
+<file path=ppt/slides/slide22.xml><?xml version="1.0" encoding="utf-8"?>
 <p:sld xmlns:a="http://schemas.openxmlformats.org/drawingml/2006/main" xmlns:r="http://schemas.openxmlformats.org/officeDocument/2006/relationships" xmlns:p="http://schemas.openxmlformats.org/presentationml/2006/main">
   <p:cSld>
     <p:spTree>
@@ -11667,7 +12236,7 @@
 </p:sld>
 </file>
 
-<file path=ppt/slides/slide22.xml><?xml version="1.0" encoding="utf-8"?>
+<file path=ppt/slides/slide23.xml><?xml version="1.0" encoding="utf-8"?>
 <p:sld xmlns:a="http://schemas.openxmlformats.org/drawingml/2006/main" xmlns:r="http://schemas.openxmlformats.org/officeDocument/2006/relationships" xmlns:p="http://schemas.openxmlformats.org/presentationml/2006/main">
   <p:cSld>
     <p:spTree>
@@ -11887,7 +12456,7 @@
 </p:sld>
 </file>
 
-<file path=ppt/slides/slide23.xml><?xml version="1.0" encoding="utf-8"?>
+<file path=ppt/slides/slide24.xml><?xml version="1.0" encoding="utf-8"?>
 <p:sld xmlns:a="http://schemas.openxmlformats.org/drawingml/2006/main" xmlns:r="http://schemas.openxmlformats.org/officeDocument/2006/relationships" xmlns:p="http://schemas.openxmlformats.org/presentationml/2006/main">
   <p:cSld>
     <p:spTree>
@@ -11932,35 +12501,6 @@
           </a:p>
         </p:txBody>
       </p:sp>
-      <p:pic>
-        <p:nvPicPr>
-          <p:cNvPr id="10" name="Content Placeholder 9">
-            <a:extLst>
-              <a:ext uri="{FF2B5EF4-FFF2-40B4-BE49-F238E27FC236}">
-                <a16:creationId xmlns:a16="http://schemas.microsoft.com/office/drawing/2014/main" id="{59185352-D51E-4AEB-875F-C203288AAEA8}"/>
-              </a:ext>
-            </a:extLst>
-          </p:cNvPr>
-          <p:cNvPicPr>
-            <a:picLocks noGrp="1" noChangeAspect="1"/>
-          </p:cNvPicPr>
-          <p:nvPr>
-            <p:ph sz="quarter" idx="11"/>
-          </p:nvPr>
-        </p:nvPicPr>
-        <p:blipFill>
-          <a:blip r:embed="rId2"/>
-          <a:stretch>
-            <a:fillRect/>
-          </a:stretch>
-        </p:blipFill>
-        <p:spPr>
-          <a:xfrm>
-            <a:off x="5010332" y="736600"/>
-            <a:ext cx="3460385" cy="4238625"/>
-          </a:xfrm>
-        </p:spPr>
-      </p:pic>
       <p:sp>
         <p:nvSpPr>
           <p:cNvPr id="4" name="Content Placeholder 3">
@@ -12036,6 +12576,31 @@
           </a:p>
         </p:txBody>
       </p:sp>
+      <p:sp>
+        <p:nvSpPr>
+          <p:cNvPr id="5" name="Content Placeholder 4">
+            <a:extLst>
+              <a:ext uri="{FF2B5EF4-FFF2-40B4-BE49-F238E27FC236}">
+                <a16:creationId xmlns:a16="http://schemas.microsoft.com/office/drawing/2014/main" id="{DBA7B89F-38B8-431E-E7B4-FE69D218D397}"/>
+              </a:ext>
+            </a:extLst>
+          </p:cNvPr>
+          <p:cNvSpPr>
+            <a:spLocks noGrp="1"/>
+          </p:cNvSpPr>
+          <p:nvPr>
+            <p:ph sz="quarter" idx="11"/>
+          </p:nvPr>
+        </p:nvSpPr>
+        <p:spPr/>
+        <p:txBody>
+          <a:bodyPr/>
+          <a:lstStyle/>
+          <a:p>
+            <a:endParaRPr lang="en-US"/>
+          </a:p>
+        </p:txBody>
+      </p:sp>
     </p:spTree>
     <p:extLst>
       <p:ext uri="{BB962C8B-B14F-4D97-AF65-F5344CB8AC3E}">
@@ -12050,7 +12615,7 @@
 </p:sld>
 </file>
 
-<file path=ppt/slides/slide24.xml><?xml version="1.0" encoding="utf-8"?>
+<file path=ppt/slides/slide25.xml><?xml version="1.0" encoding="utf-8"?>
 <p:sld xmlns:a="http://schemas.openxmlformats.org/drawingml/2006/main" xmlns:r="http://schemas.openxmlformats.org/officeDocument/2006/relationships" xmlns:p="http://schemas.openxmlformats.org/presentationml/2006/main">
   <p:cSld>
     <p:spTree>
@@ -12110,14 +12675,14 @@
           <p:nvPr>
             <p:extLst>
               <p:ext uri="{D42A27DB-BD31-4B8C-83A1-F6EECF244321}">
-                <p14:modId xmlns:p14="http://schemas.microsoft.com/office/powerpoint/2010/main" val="1411860579"/>
+                <p14:modId xmlns:p14="http://schemas.microsoft.com/office/powerpoint/2010/main" val="1107419309"/>
               </p:ext>
             </p:extLst>
           </p:nvPr>
         </p:nvGraphicFramePr>
         <p:xfrm>
           <a:off x="217711" y="1322486"/>
-          <a:ext cx="8708578" cy="3263022"/>
+          <a:ext cx="8708578" cy="2939128"/>
         </p:xfrm>
         <a:graphic>
           <a:graphicData uri="http://schemas.openxmlformats.org/drawingml/2006/table">
@@ -12811,13 +13376,168 @@
                           <a:spcPts val="0"/>
                         </a:spcAft>
                       </a:pPr>
-                      <a:endParaRPr lang="de-DE" sz="1400" dirty="0">
+                      <a:endParaRPr lang="en-US" sz="1400" dirty="0">
                         <a:solidFill>
                           <a:schemeClr val="tx1"/>
                         </a:solidFill>
                         <a:effectLst/>
+                        <a:latin typeface="Times New Roman" panose="02020603050405020304" pitchFamily="18" charset="0"/>
+                        <a:ea typeface="Times New Roman" panose="02020603050405020304" pitchFamily="18" charset="0"/>
+                        <a:cs typeface="Times New Roman" panose="02020603050405020304" pitchFamily="18" charset="0"/>
                       </a:endParaRPr>
                     </a:p>
+                  </a:txBody>
+                  <a:tcPr marL="68580" marR="68580" marT="0" marB="0" anchor="ctr"/>
+                </a:tc>
+                <a:tc>
+                  <a:txBody>
+                    <a:bodyPr/>
+                    <a:lstStyle/>
+                    <a:p>
+                      <a:pPr marL="0" marR="0" algn="ctr">
+                        <a:spcBef>
+                          <a:spcPts val="0"/>
+                        </a:spcBef>
+                        <a:spcAft>
+                          <a:spcPts val="0"/>
+                        </a:spcAft>
+                      </a:pPr>
+                      <a:endParaRPr lang="en-US" sz="1600" dirty="0">
+                        <a:effectLst/>
+                        <a:latin typeface="+mj-lt"/>
+                        <a:ea typeface="Times New Roman" panose="02020603050405020304" pitchFamily="18" charset="0"/>
+                        <a:cs typeface="Times New Roman" panose="02020603050405020304" pitchFamily="18" charset="0"/>
+                      </a:endParaRPr>
+                    </a:p>
+                  </a:txBody>
+                  <a:tcPr marL="68580" marR="68580" marT="0" marB="0" anchor="ctr"/>
+                </a:tc>
+                <a:tc>
+                  <a:txBody>
+                    <a:bodyPr/>
+                    <a:lstStyle/>
+                    <a:p>
+                      <a:pPr marL="0" marR="0" algn="ctr">
+                        <a:spcBef>
+                          <a:spcPts val="0"/>
+                        </a:spcBef>
+                        <a:spcAft>
+                          <a:spcPts val="0"/>
+                        </a:spcAft>
+                      </a:pPr>
+                      <a:endParaRPr lang="en-US" sz="1600" dirty="0">
+                        <a:effectLst/>
+                        <a:latin typeface="+mj-lt"/>
+                        <a:ea typeface="Times New Roman" panose="02020603050405020304" pitchFamily="18" charset="0"/>
+                        <a:cs typeface="Times New Roman" panose="02020603050405020304" pitchFamily="18" charset="0"/>
+                      </a:endParaRPr>
+                    </a:p>
+                  </a:txBody>
+                  <a:tcPr marL="68580" marR="68580" marT="0" marB="0" anchor="ctr"/>
+                </a:tc>
+                <a:tc>
+                  <a:txBody>
+                    <a:bodyPr/>
+                    <a:lstStyle/>
+                    <a:p>
+                      <a:pPr marL="0" marR="0" algn="ctr">
+                        <a:spcBef>
+                          <a:spcPts val="0"/>
+                        </a:spcBef>
+                        <a:spcAft>
+                          <a:spcPts val="0"/>
+                        </a:spcAft>
+                      </a:pPr>
+                      <a:endParaRPr lang="en-US" sz="1600" dirty="0">
+                        <a:effectLst/>
+                        <a:latin typeface="+mj-lt"/>
+                        <a:ea typeface="Times New Roman" panose="02020603050405020304" pitchFamily="18" charset="0"/>
+                        <a:cs typeface="Times New Roman" panose="02020603050405020304" pitchFamily="18" charset="0"/>
+                      </a:endParaRPr>
+                    </a:p>
+                  </a:txBody>
+                  <a:tcPr marL="68580" marR="68580" marT="0" marB="0" anchor="ctr"/>
+                </a:tc>
+                <a:tc>
+                  <a:txBody>
+                    <a:bodyPr/>
+                    <a:lstStyle/>
+                    <a:p>
+                      <a:pPr marL="0" marR="0" algn="ctr">
+                        <a:spcBef>
+                          <a:spcPts val="0"/>
+                        </a:spcBef>
+                        <a:spcAft>
+                          <a:spcPts val="0"/>
+                        </a:spcAft>
+                      </a:pPr>
+                      <a:endParaRPr lang="en-US" sz="1600" dirty="0">
+                        <a:effectLst/>
+                        <a:latin typeface="+mj-lt"/>
+                        <a:ea typeface="Times New Roman" panose="02020603050405020304" pitchFamily="18" charset="0"/>
+                        <a:cs typeface="Times New Roman" panose="02020603050405020304" pitchFamily="18" charset="0"/>
+                      </a:endParaRPr>
+                    </a:p>
+                  </a:txBody>
+                  <a:tcPr marL="68580" marR="68580" marT="0" marB="0" anchor="ctr"/>
+                </a:tc>
+                <a:tc>
+                  <a:txBody>
+                    <a:bodyPr/>
+                    <a:lstStyle/>
+                    <a:p>
+                      <a:pPr marL="0" marR="0" algn="ctr">
+                        <a:spcBef>
+                          <a:spcPts val="0"/>
+                        </a:spcBef>
+                        <a:spcAft>
+                          <a:spcPts val="0"/>
+                        </a:spcAft>
+                      </a:pPr>
+                      <a:endParaRPr lang="en-US" sz="1600" dirty="0">
+                        <a:effectLst/>
+                        <a:latin typeface="+mj-lt"/>
+                        <a:ea typeface="Times New Roman" panose="02020603050405020304" pitchFamily="18" charset="0"/>
+                        <a:cs typeface="Times New Roman" panose="02020603050405020304" pitchFamily="18" charset="0"/>
+                      </a:endParaRPr>
+                    </a:p>
+                  </a:txBody>
+                  <a:tcPr marL="68580" marR="68580" marT="0" marB="0" anchor="ctr"/>
+                </a:tc>
+                <a:tc>
+                  <a:txBody>
+                    <a:bodyPr/>
+                    <a:lstStyle/>
+                    <a:p>
+                      <a:pPr marL="0" marR="0" algn="ctr">
+                        <a:spcBef>
+                          <a:spcPts val="0"/>
+                        </a:spcBef>
+                        <a:spcAft>
+                          <a:spcPts val="0"/>
+                        </a:spcAft>
+                      </a:pPr>
+                      <a:endParaRPr lang="en-US" sz="1600" dirty="0">
+                        <a:effectLst/>
+                        <a:latin typeface="+mj-lt"/>
+                        <a:ea typeface="Times New Roman" panose="02020603050405020304" pitchFamily="18" charset="0"/>
+                        <a:cs typeface="Times New Roman" panose="02020603050405020304" pitchFamily="18" charset="0"/>
+                      </a:endParaRPr>
+                    </a:p>
+                  </a:txBody>
+                  <a:tcPr marL="68580" marR="68580" marT="0" marB="0" anchor="ctr"/>
+                </a:tc>
+                <a:extLst>
+                  <a:ext uri="{0D108BD9-81ED-4DB2-BD59-A6C34878D82A}">
+                    <a16:rowId xmlns:a16="http://schemas.microsoft.com/office/drawing/2014/main" val="4199074025"/>
+                  </a:ext>
+                </a:extLst>
+              </a:tr>
+              <a:tr h="948558">
+                <a:tc>
+                  <a:txBody>
+                    <a:bodyPr/>
+                    <a:lstStyle/>
                     <a:p>
                       <a:pPr marL="0" marR="0">
                         <a:spcBef>
@@ -12834,26 +13554,7 @@
                           </a:solidFill>
                           <a:effectLst/>
                         </a:rPr>
-                        <a:t>Politische Teilhabe</a:t>
-                      </a:r>
-                    </a:p>
-                    <a:p>
-                      <a:pPr marL="0" marR="0">
-                        <a:spcBef>
-                          <a:spcPts val="0"/>
-                        </a:spcBef>
-                        <a:spcAft>
-                          <a:spcPts val="0"/>
-                        </a:spcAft>
-                      </a:pPr>
-                      <a:r>
-                        <a:rPr lang="de-DE" sz="1400" dirty="0">
-                          <a:solidFill>
-                            <a:schemeClr val="tx1"/>
-                          </a:solidFill>
-                          <a:effectLst/>
-                        </a:rPr>
-                        <a:t>  </a:t>
+                        <a:t>Vorurteile, Rassismus &amp; gruppenbezogene Menschenfeindlichkeit</a:t>
                       </a:r>
                       <a:endParaRPr lang="en-US" sz="1400" dirty="0">
                         <a:solidFill>
@@ -12882,13 +13583,13 @@
                         </a:spcAft>
                       </a:pPr>
                       <a:r>
-                        <a:rPr lang="de-DE" sz="1600">
+                        <a:rPr lang="de-DE" sz="1600" dirty="0">
                           <a:effectLst/>
                           <a:latin typeface="+mj-lt"/>
                         </a:rPr>
                         <a:t>1-B</a:t>
                       </a:r>
-                      <a:endParaRPr lang="en-US" sz="1600">
+                      <a:endParaRPr lang="en-US" sz="1600" dirty="0">
                         <a:effectLst/>
                         <a:latin typeface="+mj-lt"/>
                         <a:ea typeface="Times New Roman" panose="02020603050405020304" pitchFamily="18" charset="0"/>
@@ -12912,13 +13613,13 @@
                         </a:spcAft>
                       </a:pPr>
                       <a:r>
-                        <a:rPr lang="de-DE" sz="1600">
+                        <a:rPr lang="de-DE" sz="1600" dirty="0">
                           <a:effectLst/>
                           <a:latin typeface="+mj-lt"/>
                         </a:rPr>
                         <a:t>2-B</a:t>
                       </a:r>
-                      <a:endParaRPr lang="en-US" sz="1600">
+                      <a:endParaRPr lang="en-US" sz="1600" dirty="0">
                         <a:effectLst/>
                         <a:latin typeface="+mj-lt"/>
                         <a:ea typeface="Times New Roman" panose="02020603050405020304" pitchFamily="18" charset="0"/>
@@ -12942,13 +13643,13 @@
                         </a:spcAft>
                       </a:pPr>
                       <a:r>
-                        <a:rPr lang="de-DE" sz="1600">
+                        <a:rPr lang="de-DE" sz="1600" dirty="0">
                           <a:effectLst/>
                           <a:latin typeface="+mj-lt"/>
                         </a:rPr>
                         <a:t>3-B</a:t>
                       </a:r>
-                      <a:endParaRPr lang="en-US" sz="1600">
+                      <a:endParaRPr lang="en-US" sz="1600" dirty="0">
                         <a:effectLst/>
                         <a:latin typeface="+mj-lt"/>
                         <a:ea typeface="Times New Roman" panose="02020603050405020304" pitchFamily="18" charset="0"/>
@@ -13038,216 +13739,6 @@
                 </a:tc>
                 <a:extLst>
                   <a:ext uri="{0D108BD9-81ED-4DB2-BD59-A6C34878D82A}">
-                    <a16:rowId xmlns:a16="http://schemas.microsoft.com/office/drawing/2014/main" val="4199074025"/>
-                  </a:ext>
-                </a:extLst>
-              </a:tr>
-              <a:tr h="948558">
-                <a:tc>
-                  <a:txBody>
-                    <a:bodyPr/>
-                    <a:lstStyle/>
-                    <a:p>
-                      <a:pPr marL="0" marR="0">
-                        <a:spcBef>
-                          <a:spcPts val="0"/>
-                        </a:spcBef>
-                        <a:spcAft>
-                          <a:spcPts val="0"/>
-                        </a:spcAft>
-                      </a:pPr>
-                      <a:r>
-                        <a:rPr lang="de-DE" sz="1400" dirty="0">
-                          <a:solidFill>
-                            <a:schemeClr val="tx1"/>
-                          </a:solidFill>
-                          <a:effectLst/>
-                        </a:rPr>
-                        <a:t>Vorurteile, Rassismus &amp; gruppenbezogene Menschenfeindlichkeit</a:t>
-                      </a:r>
-                      <a:endParaRPr lang="en-US" sz="1400" dirty="0">
-                        <a:solidFill>
-                          <a:schemeClr val="tx1"/>
-                        </a:solidFill>
-                        <a:effectLst/>
-                        <a:latin typeface="Times New Roman" panose="02020603050405020304" pitchFamily="18" charset="0"/>
-                        <a:ea typeface="Times New Roman" panose="02020603050405020304" pitchFamily="18" charset="0"/>
-                        <a:cs typeface="Times New Roman" panose="02020603050405020304" pitchFamily="18" charset="0"/>
-                      </a:endParaRPr>
-                    </a:p>
-                  </a:txBody>
-                  <a:tcPr marL="68580" marR="68580" marT="0" marB="0" anchor="ctr"/>
-                </a:tc>
-                <a:tc>
-                  <a:txBody>
-                    <a:bodyPr/>
-                    <a:lstStyle/>
-                    <a:p>
-                      <a:pPr marL="0" marR="0" algn="ctr">
-                        <a:spcBef>
-                          <a:spcPts val="0"/>
-                        </a:spcBef>
-                        <a:spcAft>
-                          <a:spcPts val="0"/>
-                        </a:spcAft>
-                      </a:pPr>
-                      <a:r>
-                        <a:rPr lang="de-DE" sz="1600">
-                          <a:effectLst/>
-                          <a:latin typeface="+mj-lt"/>
-                        </a:rPr>
-                        <a:t>1-C</a:t>
-                      </a:r>
-                      <a:endParaRPr lang="en-US" sz="1600">
-                        <a:effectLst/>
-                        <a:latin typeface="+mj-lt"/>
-                        <a:ea typeface="Times New Roman" panose="02020603050405020304" pitchFamily="18" charset="0"/>
-                        <a:cs typeface="Times New Roman" panose="02020603050405020304" pitchFamily="18" charset="0"/>
-                      </a:endParaRPr>
-                    </a:p>
-                  </a:txBody>
-                  <a:tcPr marL="68580" marR="68580" marT="0" marB="0" anchor="ctr"/>
-                </a:tc>
-                <a:tc>
-                  <a:txBody>
-                    <a:bodyPr/>
-                    <a:lstStyle/>
-                    <a:p>
-                      <a:pPr marL="0" marR="0" algn="ctr">
-                        <a:spcBef>
-                          <a:spcPts val="0"/>
-                        </a:spcBef>
-                        <a:spcAft>
-                          <a:spcPts val="0"/>
-                        </a:spcAft>
-                      </a:pPr>
-                      <a:r>
-                        <a:rPr lang="de-DE" sz="1600" dirty="0">
-                          <a:effectLst/>
-                          <a:latin typeface="+mj-lt"/>
-                        </a:rPr>
-                        <a:t>2-C</a:t>
-                      </a:r>
-                      <a:endParaRPr lang="en-US" sz="1600" dirty="0">
-                        <a:effectLst/>
-                        <a:latin typeface="+mj-lt"/>
-                        <a:ea typeface="Times New Roman" panose="02020603050405020304" pitchFamily="18" charset="0"/>
-                        <a:cs typeface="Times New Roman" panose="02020603050405020304" pitchFamily="18" charset="0"/>
-                      </a:endParaRPr>
-                    </a:p>
-                  </a:txBody>
-                  <a:tcPr marL="68580" marR="68580" marT="0" marB="0" anchor="ctr"/>
-                </a:tc>
-                <a:tc>
-                  <a:txBody>
-                    <a:bodyPr/>
-                    <a:lstStyle/>
-                    <a:p>
-                      <a:pPr marL="0" marR="0" algn="ctr">
-                        <a:spcBef>
-                          <a:spcPts val="0"/>
-                        </a:spcBef>
-                        <a:spcAft>
-                          <a:spcPts val="0"/>
-                        </a:spcAft>
-                      </a:pPr>
-                      <a:r>
-                        <a:rPr lang="de-DE" sz="1600" dirty="0">
-                          <a:effectLst/>
-                          <a:latin typeface="+mj-lt"/>
-                        </a:rPr>
-                        <a:t>3-C</a:t>
-                      </a:r>
-                      <a:endParaRPr lang="en-US" sz="1600" dirty="0">
-                        <a:effectLst/>
-                        <a:latin typeface="+mj-lt"/>
-                        <a:ea typeface="Times New Roman" panose="02020603050405020304" pitchFamily="18" charset="0"/>
-                        <a:cs typeface="Times New Roman" panose="02020603050405020304" pitchFamily="18" charset="0"/>
-                      </a:endParaRPr>
-                    </a:p>
-                  </a:txBody>
-                  <a:tcPr marL="68580" marR="68580" marT="0" marB="0" anchor="ctr"/>
-                </a:tc>
-                <a:tc>
-                  <a:txBody>
-                    <a:bodyPr/>
-                    <a:lstStyle/>
-                    <a:p>
-                      <a:pPr marL="0" marR="0" algn="ctr">
-                        <a:spcBef>
-                          <a:spcPts val="0"/>
-                        </a:spcBef>
-                        <a:spcAft>
-                          <a:spcPts val="0"/>
-                        </a:spcAft>
-                      </a:pPr>
-                      <a:r>
-                        <a:rPr lang="en-US" sz="1600" dirty="0">
-                          <a:effectLst/>
-                          <a:latin typeface="+mj-lt"/>
-                          <a:ea typeface="Times New Roman" panose="02020603050405020304" pitchFamily="18" charset="0"/>
-                          <a:cs typeface="Times New Roman" panose="02020603050405020304" pitchFamily="18" charset="0"/>
-                        </a:rPr>
-                        <a:t>4-C</a:t>
-                      </a:r>
-                    </a:p>
-                  </a:txBody>
-                  <a:tcPr marL="68580" marR="68580" marT="0" marB="0" anchor="ctr"/>
-                </a:tc>
-                <a:tc>
-                  <a:txBody>
-                    <a:bodyPr/>
-                    <a:lstStyle/>
-                    <a:p>
-                      <a:pPr marL="0" marR="0" algn="ctr">
-                        <a:spcBef>
-                          <a:spcPts val="0"/>
-                        </a:spcBef>
-                        <a:spcAft>
-                          <a:spcPts val="0"/>
-                        </a:spcAft>
-                      </a:pPr>
-                      <a:r>
-                        <a:rPr lang="en-US" sz="1600" dirty="0">
-                          <a:effectLst/>
-                          <a:latin typeface="+mj-lt"/>
-                          <a:ea typeface="Times New Roman" panose="02020603050405020304" pitchFamily="18" charset="0"/>
-                          <a:cs typeface="Times New Roman" panose="02020603050405020304" pitchFamily="18" charset="0"/>
-                        </a:rPr>
-                        <a:t>5-C</a:t>
-                      </a:r>
-                    </a:p>
-                  </a:txBody>
-                  <a:tcPr marL="68580" marR="68580" marT="0" marB="0" anchor="ctr"/>
-                </a:tc>
-                <a:tc>
-                  <a:txBody>
-                    <a:bodyPr/>
-                    <a:lstStyle/>
-                    <a:p>
-                      <a:pPr marL="0" marR="0" algn="ctr">
-                        <a:spcBef>
-                          <a:spcPts val="0"/>
-                        </a:spcBef>
-                        <a:spcAft>
-                          <a:spcPts val="0"/>
-                        </a:spcAft>
-                      </a:pPr>
-                      <a:r>
-                        <a:rPr lang="en-US" sz="1600" dirty="0">
-                          <a:effectLst/>
-                          <a:latin typeface="+mj-lt"/>
-                          <a:ea typeface="Times New Roman" panose="02020603050405020304" pitchFamily="18" charset="0"/>
-                          <a:cs typeface="Times New Roman" panose="02020603050405020304" pitchFamily="18" charset="0"/>
-                        </a:rPr>
-                        <a:t>6-C</a:t>
-                      </a:r>
-                    </a:p>
-                  </a:txBody>
-                  <a:tcPr marL="68580" marR="68580" marT="0" marB="0" anchor="ctr"/>
-                </a:tc>
-                <a:extLst>
-                  <a:ext uri="{0D108BD9-81ED-4DB2-BD59-A6C34878D82A}">
                     <a16:rowId xmlns:a16="http://schemas.microsoft.com/office/drawing/2014/main" val="1067210418"/>
                   </a:ext>
                 </a:extLst>
@@ -13260,6 +13751,561 @@
     <p:extLst>
       <p:ext uri="{BB962C8B-B14F-4D97-AF65-F5344CB8AC3E}">
         <p14:creationId xmlns:p14="http://schemas.microsoft.com/office/powerpoint/2010/main" val="2106003604"/>
+      </p:ext>
+    </p:extLst>
+  </p:cSld>
+  <p:clrMapOvr>
+    <a:masterClrMapping/>
+  </p:clrMapOvr>
+  <p:transition spd="slow"/>
+</p:sld>
+</file>
+
+<file path=ppt/slides/slide26.xml><?xml version="1.0" encoding="utf-8"?>
+<p:sld xmlns:a="http://schemas.openxmlformats.org/drawingml/2006/main" xmlns:r="http://schemas.openxmlformats.org/officeDocument/2006/relationships" xmlns:p="http://schemas.openxmlformats.org/presentationml/2006/main">
+  <p:cSld>
+    <p:spTree>
+      <p:nvGrpSpPr>
+        <p:cNvPr id="1" name=""/>
+        <p:cNvGrpSpPr/>
+        <p:nvPr/>
+      </p:nvGrpSpPr>
+      <p:grpSpPr>
+        <a:xfrm>
+          <a:off x="0" y="0"/>
+          <a:ext cx="0" cy="0"/>
+          <a:chOff x="0" y="0"/>
+          <a:chExt cx="0" cy="0"/>
+        </a:xfrm>
+      </p:grpSpPr>
+      <p:sp>
+        <p:nvSpPr>
+          <p:cNvPr id="2" name="Title 1">
+            <a:extLst>
+              <a:ext uri="{FF2B5EF4-FFF2-40B4-BE49-F238E27FC236}">
+                <a16:creationId xmlns:a16="http://schemas.microsoft.com/office/drawing/2014/main" id="{FBF40628-DDF3-4ADD-8558-AB058301EB29}"/>
+              </a:ext>
+            </a:extLst>
+          </p:cNvPr>
+          <p:cNvSpPr>
+            <a:spLocks noGrp="1"/>
+          </p:cNvSpPr>
+          <p:nvPr>
+            <p:ph type="title"/>
+          </p:nvPr>
+        </p:nvSpPr>
+        <p:spPr/>
+        <p:txBody>
+          <a:bodyPr/>
+          <a:lstStyle/>
+          <a:p>
+            <a:r>
+              <a:rPr lang="en-US" dirty="0" err="1"/>
+              <a:t>Vorstellung</a:t>
+            </a:r>
+            <a:r>
+              <a:rPr lang="en-US" dirty="0"/>
+              <a:t> II: </a:t>
+            </a:r>
+            <a:r>
+              <a:rPr lang="en-US" dirty="0" err="1"/>
+              <a:t>Eigene</a:t>
+            </a:r>
+            <a:r>
+              <a:rPr lang="en-US" dirty="0"/>
+              <a:t> </a:t>
+            </a:r>
+            <a:r>
+              <a:rPr lang="en-US" dirty="0" err="1"/>
+              <a:t>Forschung</a:t>
+            </a:r>
+            <a:r>
+              <a:rPr lang="en-US" dirty="0"/>
+              <a:t> </a:t>
+            </a:r>
+            <a:endParaRPr lang="de-DE" dirty="0"/>
+          </a:p>
+        </p:txBody>
+      </p:sp>
+      <p:sp>
+        <p:nvSpPr>
+          <p:cNvPr id="3" name="Content Placeholder 2">
+            <a:extLst>
+              <a:ext uri="{FF2B5EF4-FFF2-40B4-BE49-F238E27FC236}">
+                <a16:creationId xmlns:a16="http://schemas.microsoft.com/office/drawing/2014/main" id="{1F105AE2-F173-4F10-B415-4027EAE2F22D}"/>
+              </a:ext>
+            </a:extLst>
+          </p:cNvPr>
+          <p:cNvSpPr>
+            <a:spLocks noGrp="1"/>
+          </p:cNvSpPr>
+          <p:nvPr>
+            <p:ph idx="1"/>
+          </p:nvPr>
+        </p:nvSpPr>
+        <p:spPr/>
+        <p:txBody>
+          <a:bodyPr/>
+          <a:lstStyle/>
+          <a:p>
+            <a:pPr marL="285750" indent="-285750">
+              <a:buFont typeface="Arial" panose="020B0604020202020204" pitchFamily="34" charset="0"/>
+              <a:buChar char="•"/>
+            </a:pPr>
+            <a:r>
+              <a:rPr lang="de-DE" sz="2400" dirty="0"/>
+              <a:t>Effekte von wirtschaftlicher und sozialer Unsicherheit auf politische Wahrnehmungen und Verhalten </a:t>
+            </a:r>
+          </a:p>
+          <a:p>
+            <a:pPr marL="285750" indent="-285750">
+              <a:buFont typeface="Arial" panose="020B0604020202020204" pitchFamily="34" charset="0"/>
+              <a:buChar char="•"/>
+            </a:pPr>
+            <a:r>
+              <a:rPr lang="de-DE" sz="2400" dirty="0"/>
+              <a:t>Interaktion mit institutionellen Rahmenbedingungen </a:t>
+            </a:r>
+          </a:p>
+          <a:p>
+            <a:pPr marL="641350" lvl="1" indent="-285750">
+              <a:buFont typeface="Arial" panose="020B0604020202020204" pitchFamily="34" charset="0"/>
+              <a:buChar char="•"/>
+            </a:pPr>
+            <a:r>
+              <a:rPr lang="de-DE" sz="2400" dirty="0"/>
+              <a:t>Vertrauen </a:t>
+            </a:r>
+          </a:p>
+          <a:p>
+            <a:pPr marL="641350" lvl="1" indent="-285750">
+              <a:buFont typeface="Arial" panose="020B0604020202020204" pitchFamily="34" charset="0"/>
+              <a:buChar char="•"/>
+            </a:pPr>
+            <a:r>
+              <a:rPr lang="de-DE" sz="2400" dirty="0"/>
+              <a:t>Politische Selbstwirksamkeit </a:t>
+            </a:r>
+          </a:p>
+          <a:p>
+            <a:pPr marL="641350" lvl="1" indent="-285750">
+              <a:buFont typeface="Arial" panose="020B0604020202020204" pitchFamily="34" charset="0"/>
+              <a:buChar char="•"/>
+            </a:pPr>
+            <a:r>
+              <a:rPr lang="de-DE" sz="2400" dirty="0"/>
+              <a:t>Anti-Eliten Politik </a:t>
+            </a:r>
+          </a:p>
+          <a:p>
+            <a:pPr marL="641350" lvl="1" indent="-285750">
+              <a:buFont typeface="Arial" panose="020B0604020202020204" pitchFamily="34" charset="0"/>
+              <a:buChar char="•"/>
+            </a:pPr>
+            <a:r>
+              <a:rPr lang="de-DE" sz="2400" dirty="0"/>
+              <a:t>Sozialstaatliche Maßnahmen </a:t>
+            </a:r>
+          </a:p>
+          <a:p>
+            <a:pPr marL="641350" lvl="1" indent="-285750">
+              <a:buFont typeface="Arial" panose="020B0604020202020204" pitchFamily="34" charset="0"/>
+              <a:buChar char="•"/>
+            </a:pPr>
+            <a:r>
+              <a:rPr lang="de-DE" sz="2400" dirty="0"/>
+              <a:t>Emotionen und Politische Psychologie  </a:t>
+            </a:r>
+          </a:p>
+          <a:p>
+            <a:pPr marL="641350" lvl="1" indent="-285750">
+              <a:buFont typeface="Arial" panose="020B0604020202020204" pitchFamily="34" charset="0"/>
+              <a:buChar char="•"/>
+            </a:pPr>
+            <a:r>
+              <a:rPr lang="de-DE" sz="2400" dirty="0"/>
+              <a:t>Rassismus und Gruppenbezogene Menschenfeindlichkeit</a:t>
+            </a:r>
+          </a:p>
+          <a:p>
+            <a:pPr marL="285750" indent="-285750">
+              <a:buFont typeface="Arial" panose="020B0604020202020204" pitchFamily="34" charset="0"/>
+              <a:buChar char="•"/>
+            </a:pPr>
+            <a:endParaRPr lang="de-DE" sz="2400" dirty="0"/>
+          </a:p>
+          <a:p>
+            <a:pPr marL="285750" indent="-285750">
+              <a:buFont typeface="Arial" panose="020B0604020202020204" pitchFamily="34" charset="0"/>
+              <a:buChar char="•"/>
+            </a:pPr>
+            <a:endParaRPr lang="de-DE" sz="2400" dirty="0"/>
+          </a:p>
+          <a:p>
+            <a:endParaRPr lang="de-DE" sz="2400" dirty="0"/>
+          </a:p>
+        </p:txBody>
+      </p:sp>
+    </p:spTree>
+    <p:extLst>
+      <p:ext uri="{BB962C8B-B14F-4D97-AF65-F5344CB8AC3E}">
+        <p14:creationId xmlns:p14="http://schemas.microsoft.com/office/powerpoint/2010/main" val="937996676"/>
+      </p:ext>
+    </p:extLst>
+  </p:cSld>
+  <p:clrMapOvr>
+    <a:masterClrMapping/>
+  </p:clrMapOvr>
+  <p:transition spd="slow"/>
+</p:sld>
+</file>
+
+<file path=ppt/slides/slide27.xml><?xml version="1.0" encoding="utf-8"?>
+<p:sld xmlns:a="http://schemas.openxmlformats.org/drawingml/2006/main" xmlns:r="http://schemas.openxmlformats.org/officeDocument/2006/relationships" xmlns:p="http://schemas.openxmlformats.org/presentationml/2006/main">
+  <p:cSld>
+    <p:spTree>
+      <p:nvGrpSpPr>
+        <p:cNvPr id="1" name=""/>
+        <p:cNvGrpSpPr/>
+        <p:nvPr/>
+      </p:nvGrpSpPr>
+      <p:grpSpPr>
+        <a:xfrm>
+          <a:off x="0" y="0"/>
+          <a:ext cx="0" cy="0"/>
+          <a:chOff x="0" y="0"/>
+          <a:chExt cx="0" cy="0"/>
+        </a:xfrm>
+      </p:grpSpPr>
+      <p:sp>
+        <p:nvSpPr>
+          <p:cNvPr id="2" name="Title 1">
+            <a:extLst>
+              <a:ext uri="{FF2B5EF4-FFF2-40B4-BE49-F238E27FC236}">
+                <a16:creationId xmlns:a16="http://schemas.microsoft.com/office/drawing/2014/main" id="{D799B1F5-8B8C-4A47-84AF-4ED4738769E4}"/>
+              </a:ext>
+            </a:extLst>
+          </p:cNvPr>
+          <p:cNvSpPr>
+            <a:spLocks noGrp="1"/>
+          </p:cNvSpPr>
+          <p:nvPr>
+            <p:ph type="title"/>
+          </p:nvPr>
+        </p:nvSpPr>
+        <p:spPr/>
+        <p:txBody>
+          <a:bodyPr/>
+          <a:lstStyle/>
+          <a:p>
+            <a:r>
+              <a:rPr lang="en-US" dirty="0" err="1"/>
+              <a:t>Wer</a:t>
+            </a:r>
+            <a:r>
+              <a:rPr lang="en-US" dirty="0"/>
+              <a:t> </a:t>
+            </a:r>
+            <a:r>
+              <a:rPr lang="en-US" dirty="0" err="1"/>
+              <a:t>seid</a:t>
+            </a:r>
+            <a:r>
+              <a:rPr lang="en-US" dirty="0"/>
+              <a:t> </a:t>
+            </a:r>
+            <a:r>
+              <a:rPr lang="en-US" dirty="0" err="1"/>
+              <a:t>ihr</a:t>
+            </a:r>
+            <a:r>
+              <a:rPr lang="en-US" dirty="0"/>
+              <a:t>? </a:t>
+            </a:r>
+            <a:endParaRPr lang="de-DE" dirty="0"/>
+          </a:p>
+        </p:txBody>
+      </p:sp>
+      <p:sp>
+        <p:nvSpPr>
+          <p:cNvPr id="3" name="Content Placeholder 2">
+            <a:extLst>
+              <a:ext uri="{FF2B5EF4-FFF2-40B4-BE49-F238E27FC236}">
+                <a16:creationId xmlns:a16="http://schemas.microsoft.com/office/drawing/2014/main" id="{5C07815A-E060-4191-9240-AD4D87886E72}"/>
+              </a:ext>
+            </a:extLst>
+          </p:cNvPr>
+          <p:cNvSpPr>
+            <a:spLocks noGrp="1"/>
+          </p:cNvSpPr>
+          <p:nvPr>
+            <p:ph idx="1"/>
+          </p:nvPr>
+        </p:nvSpPr>
+        <p:spPr/>
+        <p:txBody>
+          <a:bodyPr/>
+          <a:lstStyle/>
+          <a:p>
+            <a:r>
+              <a:rPr lang="de-DE" sz="2000" dirty="0"/>
+              <a:t>Warum haben Sie diesen Kurs ausgewählt?</a:t>
+            </a:r>
+          </a:p>
+          <a:p>
+            <a:r>
+              <a:rPr lang="de-DE" sz="2000" dirty="0"/>
+              <a:t>	Hintergrund in Psychologie </a:t>
+            </a:r>
+          </a:p>
+          <a:p>
+            <a:r>
+              <a:rPr lang="de-DE" sz="2000" dirty="0"/>
+              <a:t>	Hintergrund in Politikwissenschaften </a:t>
+            </a:r>
+          </a:p>
+          <a:p>
+            <a:r>
+              <a:rPr lang="de-DE" sz="2000" dirty="0"/>
+              <a:t>Empirische Forschung:</a:t>
+            </a:r>
+          </a:p>
+          <a:p>
+            <a:pPr lvl="1">
+              <a:buFont typeface="Arial" panose="020B0604020202020204" pitchFamily="34" charset="0"/>
+              <a:buChar char="•"/>
+            </a:pPr>
+            <a:r>
+              <a:rPr lang="de-DE" sz="2000" dirty="0"/>
+              <a:t>Wie würden Sie Ihre Kenntnisse im Bereich quantitative Methoden der empirischen Sozialforschung bewerten (0 – 10)? </a:t>
+            </a:r>
+          </a:p>
+          <a:p>
+            <a:pPr lvl="1">
+              <a:buFont typeface="Arial" panose="020B0604020202020204" pitchFamily="34" charset="0"/>
+              <a:buChar char="•"/>
+            </a:pPr>
+            <a:r>
+              <a:rPr lang="de-DE" sz="2000" dirty="0"/>
+              <a:t>Und Ihre Kenntnisse in R? (0 – 10) </a:t>
+            </a:r>
+          </a:p>
+          <a:p>
+            <a:pPr lvl="1">
+              <a:buFont typeface="Arial" panose="020B0604020202020204" pitchFamily="34" charset="0"/>
+              <a:buChar char="•"/>
+            </a:pPr>
+            <a:r>
+              <a:rPr lang="de-DE" sz="2000" dirty="0"/>
+              <a:t>Welche Methoden haben Sie in Ihrer BA-Arbeit benutzt?</a:t>
+            </a:r>
+          </a:p>
+          <a:p>
+            <a:endParaRPr lang="de-DE" sz="2000" dirty="0"/>
+          </a:p>
+        </p:txBody>
+      </p:sp>
+    </p:spTree>
+    <p:extLst>
+      <p:ext uri="{BB962C8B-B14F-4D97-AF65-F5344CB8AC3E}">
+        <p14:creationId xmlns:p14="http://schemas.microsoft.com/office/powerpoint/2010/main" val="1978773447"/>
+      </p:ext>
+    </p:extLst>
+  </p:cSld>
+  <p:clrMapOvr>
+    <a:masterClrMapping/>
+  </p:clrMapOvr>
+  <p:transition spd="slow"/>
+</p:sld>
+</file>
+
+<file path=ppt/slides/slide28.xml><?xml version="1.0" encoding="utf-8"?>
+<p:sld xmlns:a="http://schemas.openxmlformats.org/drawingml/2006/main" xmlns:r="http://schemas.openxmlformats.org/officeDocument/2006/relationships" xmlns:p="http://schemas.openxmlformats.org/presentationml/2006/main">
+  <p:cSld>
+    <p:spTree>
+      <p:nvGrpSpPr>
+        <p:cNvPr id="1" name=""/>
+        <p:cNvGrpSpPr/>
+        <p:nvPr/>
+      </p:nvGrpSpPr>
+      <p:grpSpPr>
+        <a:xfrm>
+          <a:off x="0" y="0"/>
+          <a:ext cx="0" cy="0"/>
+          <a:chOff x="0" y="0"/>
+          <a:chExt cx="0" cy="0"/>
+        </a:xfrm>
+      </p:grpSpPr>
+      <p:sp>
+        <p:nvSpPr>
+          <p:cNvPr id="2" name="Title 1"/>
+          <p:cNvSpPr>
+            <a:spLocks noGrp="1"/>
+          </p:cNvSpPr>
+          <p:nvPr>
+            <p:ph type="title"/>
+          </p:nvPr>
+        </p:nvSpPr>
+        <p:spPr/>
+        <p:txBody>
+          <a:bodyPr/>
+          <a:lstStyle/>
+          <a:p>
+            <a:r>
+              <a:rPr lang="de-DE" dirty="0"/>
+              <a:t>Vorstellung</a:t>
+            </a:r>
+          </a:p>
+        </p:txBody>
+      </p:sp>
+      <p:sp>
+        <p:nvSpPr>
+          <p:cNvPr id="3" name="Content Placeholder 2"/>
+          <p:cNvSpPr>
+            <a:spLocks noGrp="1"/>
+          </p:cNvSpPr>
+          <p:nvPr>
+            <p:ph idx="1"/>
+          </p:nvPr>
+        </p:nvSpPr>
+        <p:spPr>
+          <a:xfrm>
+            <a:off x="250825" y="1214438"/>
+            <a:ext cx="6556375" cy="3646487"/>
+          </a:xfrm>
+        </p:spPr>
+        <p:txBody>
+          <a:bodyPr/>
+          <a:lstStyle/>
+          <a:p>
+            <a:pPr marL="285750" indent="-285750">
+              <a:buFont typeface="Arial" panose="020B0604020202020204" pitchFamily="34" charset="0"/>
+              <a:buChar char="•"/>
+            </a:pPr>
+            <a:r>
+              <a:rPr lang="de-DE" sz="2400" dirty="0">
+                <a:hlinkClick r:id="rId2"/>
+              </a:rPr>
+              <a:t>FU Link</a:t>
+            </a:r>
+            <a:r>
+              <a:rPr lang="de-DE" sz="2400" dirty="0"/>
+              <a:t> </a:t>
+            </a:r>
+          </a:p>
+          <a:p>
+            <a:pPr marL="285750" indent="-285750">
+              <a:buFont typeface="Arial" panose="020B0604020202020204" pitchFamily="34" charset="0"/>
+              <a:buChar char="•"/>
+            </a:pPr>
+            <a:endParaRPr lang="de-DE" sz="2400" dirty="0"/>
+          </a:p>
+          <a:p>
+            <a:pPr marL="285750" indent="-285750">
+              <a:buFont typeface="Arial" panose="020B0604020202020204" pitchFamily="34" charset="0"/>
+              <a:buChar char="•"/>
+            </a:pPr>
+            <a:r>
+              <a:rPr lang="de-DE" sz="2400" dirty="0"/>
+              <a:t>Sprechstunde: Dienstag 12-14 Uhr </a:t>
+            </a:r>
+            <a:r>
+              <a:rPr lang="en-US" sz="2400" dirty="0" err="1"/>
+              <a:t>Ihnestraße</a:t>
+            </a:r>
+            <a:r>
+              <a:rPr lang="en-US" sz="2400" dirty="0"/>
+              <a:t> </a:t>
+            </a:r>
+            <a:r>
+              <a:rPr lang="de-DE" sz="2400" dirty="0"/>
+              <a:t> 22 – Webex</a:t>
+            </a:r>
+          </a:p>
+          <a:p>
+            <a:pPr marL="285750" indent="-285750">
+              <a:buFont typeface="Arial" panose="020B0604020202020204" pitchFamily="34" charset="0"/>
+              <a:buChar char="•"/>
+            </a:pPr>
+            <a:endParaRPr lang="de-DE" sz="2400" dirty="0"/>
+          </a:p>
+          <a:p>
+            <a:pPr marL="641350" lvl="1" indent="-285750">
+              <a:buFont typeface="Arial" panose="020B0604020202020204" pitchFamily="34" charset="0"/>
+              <a:buChar char="•"/>
+            </a:pPr>
+            <a:r>
+              <a:rPr lang="de-DE" sz="2400" dirty="0"/>
+              <a:t>Bitte vorher einen Termin vereinbaren  </a:t>
+            </a:r>
+            <a:r>
+              <a:rPr lang="de-DE" sz="2400" dirty="0">
+                <a:sym typeface="Wingdings" panose="05000000000000000000" pitchFamily="2" charset="2"/>
+              </a:rPr>
+              <a:t> FU Webseite</a:t>
+            </a:r>
+            <a:endParaRPr lang="de-DE" sz="2400" dirty="0"/>
+          </a:p>
+          <a:p>
+            <a:pPr marL="641350" lvl="1" indent="-285750">
+              <a:buFont typeface="Arial" panose="020B0604020202020204" pitchFamily="34" charset="0"/>
+              <a:buChar char="•"/>
+            </a:pPr>
+            <a:r>
+              <a:rPr lang="de-DE" sz="2400" dirty="0"/>
+              <a:t>Substantive Fragen in der Sprechstunde </a:t>
+            </a:r>
+          </a:p>
+          <a:p>
+            <a:pPr marL="285750" indent="-285750">
+              <a:buFont typeface="Arial" panose="020B0604020202020204" pitchFamily="34" charset="0"/>
+              <a:buChar char="•"/>
+            </a:pPr>
+            <a:endParaRPr lang="de-DE" dirty="0"/>
+          </a:p>
+          <a:p>
+            <a:pPr marL="285750" indent="-285750">
+              <a:buFont typeface="Arial" panose="020B0604020202020204" pitchFamily="34" charset="0"/>
+              <a:buChar char="•"/>
+            </a:pPr>
+            <a:endParaRPr lang="de-DE" dirty="0"/>
+          </a:p>
+        </p:txBody>
+      </p:sp>
+      <p:pic>
+        <p:nvPicPr>
+          <p:cNvPr id="5" name="Picture 4"/>
+          <p:cNvPicPr>
+            <a:picLocks noChangeAspect="1"/>
+          </p:cNvPicPr>
+          <p:nvPr/>
+        </p:nvPicPr>
+        <p:blipFill>
+          <a:blip r:embed="rId3" cstate="print">
+            <a:extLst>
+              <a:ext uri="{28A0092B-C50C-407E-A947-70E740481C1C}">
+                <a14:useLocalDpi xmlns:a14="http://schemas.microsoft.com/office/drawing/2010/main" val="0"/>
+              </a:ext>
+            </a:extLst>
+          </a:blip>
+          <a:stretch>
+            <a:fillRect/>
+          </a:stretch>
+        </p:blipFill>
+        <p:spPr>
+          <a:xfrm>
+            <a:off x="6960044" y="1031875"/>
+            <a:ext cx="1933131" cy="2878453"/>
+          </a:xfrm>
+          <a:prstGeom prst="rect">
+            <a:avLst/>
+          </a:prstGeom>
+        </p:spPr>
+      </p:pic>
+    </p:spTree>
+    <p:extLst>
+      <p:ext uri="{BB962C8B-B14F-4D97-AF65-F5344CB8AC3E}">
+        <p14:creationId xmlns:p14="http://schemas.microsoft.com/office/powerpoint/2010/main" val="3393580242"/>
       </p:ext>
     </p:extLst>
   </p:cSld>

--- a/2_Slides_Literature/2_Basics of Political Psychology/2-Methoden und Theorien der politischen Psychologie.pptx
+++ b/2_Slides_Literature/2_Basics of Political Psychology/2-Methoden und Theorien der politischen Psychologie.pptx
@@ -5,40 +5,32 @@
     <p:sldMasterId id="2147483678" r:id="rId1"/>
   </p:sldMasterIdLst>
   <p:notesMasterIdLst>
-    <p:notesMasterId r:id="rId30"/>
+    <p:notesMasterId r:id="rId22"/>
   </p:notesMasterIdLst>
   <p:handoutMasterIdLst>
-    <p:handoutMasterId r:id="rId31"/>
+    <p:handoutMasterId r:id="rId23"/>
   </p:handoutMasterIdLst>
   <p:sldIdLst>
     <p:sldId id="256" r:id="rId2"/>
     <p:sldId id="257" r:id="rId3"/>
-    <p:sldId id="259" r:id="rId4"/>
-    <p:sldId id="258" r:id="rId5"/>
-    <p:sldId id="260" r:id="rId6"/>
-    <p:sldId id="261" r:id="rId7"/>
-    <p:sldId id="264" r:id="rId8"/>
-    <p:sldId id="265" r:id="rId9"/>
-    <p:sldId id="266" r:id="rId10"/>
-    <p:sldId id="267" r:id="rId11"/>
-    <p:sldId id="282" r:id="rId12"/>
-    <p:sldId id="269" r:id="rId13"/>
-    <p:sldId id="271" r:id="rId14"/>
-    <p:sldId id="272" r:id="rId15"/>
-    <p:sldId id="268" r:id="rId16"/>
-    <p:sldId id="273" r:id="rId17"/>
-    <p:sldId id="270" r:id="rId18"/>
-    <p:sldId id="275" r:id="rId19"/>
-    <p:sldId id="277" r:id="rId20"/>
-    <p:sldId id="278" r:id="rId21"/>
-    <p:sldId id="285" r:id="rId22"/>
-    <p:sldId id="280" r:id="rId23"/>
-    <p:sldId id="279" r:id="rId24"/>
-    <p:sldId id="262" r:id="rId25"/>
-    <p:sldId id="281" r:id="rId26"/>
-    <p:sldId id="401" r:id="rId27"/>
-    <p:sldId id="416" r:id="rId28"/>
-    <p:sldId id="393" r:id="rId29"/>
+    <p:sldId id="261" r:id="rId4"/>
+    <p:sldId id="264" r:id="rId5"/>
+    <p:sldId id="265" r:id="rId6"/>
+    <p:sldId id="266" r:id="rId7"/>
+    <p:sldId id="267" r:id="rId8"/>
+    <p:sldId id="282" r:id="rId9"/>
+    <p:sldId id="269" r:id="rId10"/>
+    <p:sldId id="271" r:id="rId11"/>
+    <p:sldId id="272" r:id="rId12"/>
+    <p:sldId id="268" r:id="rId13"/>
+    <p:sldId id="273" r:id="rId14"/>
+    <p:sldId id="270" r:id="rId15"/>
+    <p:sldId id="275" r:id="rId16"/>
+    <p:sldId id="277" r:id="rId17"/>
+    <p:sldId id="278" r:id="rId18"/>
+    <p:sldId id="285" r:id="rId19"/>
+    <p:sldId id="286" r:id="rId20"/>
+    <p:sldId id="287" r:id="rId21"/>
   </p:sldIdLst>
   <p:sldSz cx="9144000" cy="5143500" type="screen16x9"/>
   <p:notesSz cx="6819900" cy="9918700"/>
@@ -204,7 +196,7 @@
 <file path=ppt/revisionInfo.xml><?xml version="1.0" encoding="utf-8"?>
 <p1510:revInfo xmlns:a="http://schemas.openxmlformats.org/drawingml/2006/main" xmlns:r="http://schemas.openxmlformats.org/officeDocument/2006/relationships" xmlns:p1510="http://schemas.microsoft.com/office/powerpoint/2015/10/main">
   <p1510:revLst>
-    <p1510:client id="{E94AFAF3-9327-44B5-A633-24733238964D}" v="92" dt="2023-04-14T07:52:15.874"/>
+    <p1510:client id="{E94AFAF3-9327-44B5-A633-24733238964D}" v="93" dt="2023-04-24T08:42:37.625"/>
   </p1510:revLst>
 </p1510:revInfo>
 </file>
@@ -2758,7 +2750,7 @@
           <pc:sldLayoutMkLst>
             <pc:docMk/>
             <pc:sldMasterMk cId="0" sldId="2147483678"/>
-            <pc:sldLayoutMk cId="0" sldId="2147483696"/>
+            <pc:sldLayoutMk cId="1651845141" sldId="2147483696"/>
           </pc:sldLayoutMkLst>
         </pc:sldLayoutChg>
         <pc:sldLayoutChg chg="del">
@@ -4940,12 +4932,63 @@
   <pc:docChgLst>
     <pc:chgData name="C C" userId="58c016da926720ee" providerId="LiveId" clId="{E94AFAF3-9327-44B5-A633-24733238964D}"/>
     <pc:docChg chg="custSel addSld delSld modSld sldOrd">
-      <pc:chgData name="C C" userId="58c016da926720ee" providerId="LiveId" clId="{E94AFAF3-9327-44B5-A633-24733238964D}" dt="2023-04-14T07:52:15.873" v="542"/>
+      <pc:chgData name="C C" userId="58c016da926720ee" providerId="LiveId" clId="{E94AFAF3-9327-44B5-A633-24733238964D}" dt="2023-04-24T09:32:02.667" v="1368" actId="20577"/>
       <pc:docMkLst>
         <pc:docMk/>
       </pc:docMkLst>
-      <pc:sldChg chg="addSp delSp modSp mod">
-        <pc:chgData name="C C" userId="58c016da926720ee" providerId="LiveId" clId="{E94AFAF3-9327-44B5-A633-24733238964D}" dt="2023-04-14T07:44:02.916" v="499" actId="478"/>
+      <pc:sldChg chg="modSp mod">
+        <pc:chgData name="C C" userId="58c016da926720ee" providerId="LiveId" clId="{E94AFAF3-9327-44B5-A633-24733238964D}" dt="2023-04-24T08:42:10.455" v="597" actId="20577"/>
+        <pc:sldMkLst>
+          <pc:docMk/>
+          <pc:sldMk cId="3533300035" sldId="257"/>
+        </pc:sldMkLst>
+        <pc:spChg chg="mod">
+          <ac:chgData name="C C" userId="58c016da926720ee" providerId="LiveId" clId="{E94AFAF3-9327-44B5-A633-24733238964D}" dt="2023-04-24T08:42:10.455" v="597" actId="20577"/>
+          <ac:spMkLst>
+            <pc:docMk/>
+            <pc:sldMk cId="3533300035" sldId="257"/>
+            <ac:spMk id="5" creationId="{5B5A2214-0261-4489-8A63-55817E9128D8}"/>
+          </ac:spMkLst>
+        </pc:spChg>
+      </pc:sldChg>
+      <pc:sldChg chg="del">
+        <pc:chgData name="C C" userId="58c016da926720ee" providerId="LiveId" clId="{E94AFAF3-9327-44B5-A633-24733238964D}" dt="2023-04-24T08:40:35.003" v="544" actId="47"/>
+        <pc:sldMkLst>
+          <pc:docMk/>
+          <pc:sldMk cId="3082542229" sldId="258"/>
+        </pc:sldMkLst>
+      </pc:sldChg>
+      <pc:sldChg chg="del">
+        <pc:chgData name="C C" userId="58c016da926720ee" providerId="LiveId" clId="{E94AFAF3-9327-44B5-A633-24733238964D}" dt="2023-04-24T08:40:35.003" v="544" actId="47"/>
+        <pc:sldMkLst>
+          <pc:docMk/>
+          <pc:sldMk cId="4222777969" sldId="259"/>
+        </pc:sldMkLst>
+      </pc:sldChg>
+      <pc:sldChg chg="del">
+        <pc:chgData name="C C" userId="58c016da926720ee" providerId="LiveId" clId="{E94AFAF3-9327-44B5-A633-24733238964D}" dt="2023-04-24T08:40:35.003" v="544" actId="47"/>
+        <pc:sldMkLst>
+          <pc:docMk/>
+          <pc:sldMk cId="2218351494" sldId="260"/>
+        </pc:sldMkLst>
+      </pc:sldChg>
+      <pc:sldChg chg="modSp mod">
+        <pc:chgData name="C C" userId="58c016da926720ee" providerId="LiveId" clId="{E94AFAF3-9327-44B5-A633-24733238964D}" dt="2023-04-24T08:42:28.259" v="599" actId="20577"/>
+        <pc:sldMkLst>
+          <pc:docMk/>
+          <pc:sldMk cId="70233881" sldId="261"/>
+        </pc:sldMkLst>
+        <pc:spChg chg="mod">
+          <ac:chgData name="C C" userId="58c016da926720ee" providerId="LiveId" clId="{E94AFAF3-9327-44B5-A633-24733238964D}" dt="2023-04-24T08:42:28.259" v="599" actId="20577"/>
+          <ac:spMkLst>
+            <pc:docMk/>
+            <pc:sldMk cId="70233881" sldId="261"/>
+            <ac:spMk id="5" creationId="{1A506B88-F6D4-490E-BADC-CA7CC016BB20}"/>
+          </ac:spMkLst>
+        </pc:spChg>
+      </pc:sldChg>
+      <pc:sldChg chg="addSp delSp modSp del mod">
+        <pc:chgData name="C C" userId="58c016da926720ee" providerId="LiveId" clId="{E94AFAF3-9327-44B5-A633-24733238964D}" dt="2023-04-24T08:40:26.790" v="543" actId="47"/>
         <pc:sldMkLst>
           <pc:docMk/>
           <pc:sldMk cId="3515141526" sldId="262"/>
@@ -4968,6 +5011,21 @@
         </pc:picChg>
       </pc:sldChg>
       <pc:sldChg chg="modSp mod">
+        <pc:chgData name="C C" userId="58c016da926720ee" providerId="LiveId" clId="{E94AFAF3-9327-44B5-A633-24733238964D}" dt="2023-04-24T08:42:31.360" v="601" actId="20577"/>
+        <pc:sldMkLst>
+          <pc:docMk/>
+          <pc:sldMk cId="2584648678" sldId="275"/>
+        </pc:sldMkLst>
+        <pc:spChg chg="mod">
+          <ac:chgData name="C C" userId="58c016da926720ee" providerId="LiveId" clId="{E94AFAF3-9327-44B5-A633-24733238964D}" dt="2023-04-24T08:42:31.360" v="601" actId="20577"/>
+          <ac:spMkLst>
+            <pc:docMk/>
+            <pc:sldMk cId="2584648678" sldId="275"/>
+            <ac:spMk id="5" creationId="{1A506B88-F6D4-490E-BADC-CA7CC016BB20}"/>
+          </ac:spMkLst>
+        </pc:spChg>
+      </pc:sldChg>
+      <pc:sldChg chg="modSp mod">
         <pc:chgData name="C C" userId="58c016da926720ee" providerId="LiveId" clId="{E94AFAF3-9327-44B5-A633-24733238964D}" dt="2023-04-14T07:39:33.825" v="35" actId="20577"/>
         <pc:sldMkLst>
           <pc:docMk/>
@@ -4997,8 +5055,22 @@
           </ac:spMkLst>
         </pc:spChg>
       </pc:sldChg>
-      <pc:sldChg chg="modSp mod">
-        <pc:chgData name="C C" userId="58c016da926720ee" providerId="LiveId" clId="{E94AFAF3-9327-44B5-A633-24733238964D}" dt="2023-04-14T07:43:44.829" v="498" actId="20577"/>
+      <pc:sldChg chg="del">
+        <pc:chgData name="C C" userId="58c016da926720ee" providerId="LiveId" clId="{E94AFAF3-9327-44B5-A633-24733238964D}" dt="2023-04-24T08:40:26.790" v="543" actId="47"/>
+        <pc:sldMkLst>
+          <pc:docMk/>
+          <pc:sldMk cId="4111408764" sldId="279"/>
+        </pc:sldMkLst>
+      </pc:sldChg>
+      <pc:sldChg chg="del">
+        <pc:chgData name="C C" userId="58c016da926720ee" providerId="LiveId" clId="{E94AFAF3-9327-44B5-A633-24733238964D}" dt="2023-04-24T08:40:26.790" v="543" actId="47"/>
+        <pc:sldMkLst>
+          <pc:docMk/>
+          <pc:sldMk cId="3225576366" sldId="280"/>
+        </pc:sldMkLst>
+      </pc:sldChg>
+      <pc:sldChg chg="modSp del mod">
+        <pc:chgData name="C C" userId="58c016da926720ee" providerId="LiveId" clId="{E94AFAF3-9327-44B5-A633-24733238964D}" dt="2023-04-24T08:40:26.790" v="543" actId="47"/>
         <pc:sldMkLst>
           <pc:docMk/>
           <pc:sldMk cId="2106003604" sldId="281"/>
@@ -5105,27 +5177,104 @@
           </ac:picMkLst>
         </pc:picChg>
       </pc:sldChg>
-      <pc:sldChg chg="add">
-        <pc:chgData name="C C" userId="58c016da926720ee" providerId="LiveId" clId="{E94AFAF3-9327-44B5-A633-24733238964D}" dt="2023-04-14T07:52:15.873" v="542"/>
+      <pc:sldChg chg="modSp add mod">
+        <pc:chgData name="C C" userId="58c016da926720ee" providerId="LiveId" clId="{E94AFAF3-9327-44B5-A633-24733238964D}" dt="2023-04-24T09:06:28.817" v="645" actId="20577"/>
+        <pc:sldMkLst>
+          <pc:docMk/>
+          <pc:sldMk cId="3331043239" sldId="286"/>
+        </pc:sldMkLst>
+        <pc:spChg chg="mod">
+          <ac:chgData name="C C" userId="58c016da926720ee" providerId="LiveId" clId="{E94AFAF3-9327-44B5-A633-24733238964D}" dt="2023-04-24T08:42:40.688" v="604" actId="20577"/>
+          <ac:spMkLst>
+            <pc:docMk/>
+            <pc:sldMk cId="3331043239" sldId="286"/>
+            <ac:spMk id="5" creationId="{1A506B88-F6D4-490E-BADC-CA7CC016BB20}"/>
+          </ac:spMkLst>
+        </pc:spChg>
+        <pc:spChg chg="mod">
+          <ac:chgData name="C C" userId="58c016da926720ee" providerId="LiveId" clId="{E94AFAF3-9327-44B5-A633-24733238964D}" dt="2023-04-24T09:06:28.817" v="645" actId="20577"/>
+          <ac:spMkLst>
+            <pc:docMk/>
+            <pc:sldMk cId="3331043239" sldId="286"/>
+            <ac:spMk id="6" creationId="{F42F9AC0-898F-4A0C-9F64-EA7A800337AF}"/>
+          </ac:spMkLst>
+        </pc:spChg>
+      </pc:sldChg>
+      <pc:sldChg chg="addSp delSp modSp new mod modClrScheme chgLayout">
+        <pc:chgData name="C C" userId="58c016da926720ee" providerId="LiveId" clId="{E94AFAF3-9327-44B5-A633-24733238964D}" dt="2023-04-24T09:32:02.667" v="1368" actId="20577"/>
+        <pc:sldMkLst>
+          <pc:docMk/>
+          <pc:sldMk cId="3797166054" sldId="287"/>
+        </pc:sldMkLst>
+        <pc:spChg chg="del mod ord">
+          <ac:chgData name="C C" userId="58c016da926720ee" providerId="LiveId" clId="{E94AFAF3-9327-44B5-A633-24733238964D}" dt="2023-04-24T09:06:35.159" v="647" actId="700"/>
+          <ac:spMkLst>
+            <pc:docMk/>
+            <pc:sldMk cId="3797166054" sldId="287"/>
+            <ac:spMk id="2" creationId="{5EE0D83C-D65E-E8E8-9B64-E05C2638BA48}"/>
+          </ac:spMkLst>
+        </pc:spChg>
+        <pc:spChg chg="del mod ord">
+          <ac:chgData name="C C" userId="58c016da926720ee" providerId="LiveId" clId="{E94AFAF3-9327-44B5-A633-24733238964D}" dt="2023-04-24T09:06:35.159" v="647" actId="700"/>
+          <ac:spMkLst>
+            <pc:docMk/>
+            <pc:sldMk cId="3797166054" sldId="287"/>
+            <ac:spMk id="3" creationId="{37DABF45-C4D1-35BE-88B4-EC720FFD47A7}"/>
+          </ac:spMkLst>
+        </pc:spChg>
+        <pc:spChg chg="add mod ord">
+          <ac:chgData name="C C" userId="58c016da926720ee" providerId="LiveId" clId="{E94AFAF3-9327-44B5-A633-24733238964D}" dt="2023-04-24T09:17:06.366" v="692" actId="20577"/>
+          <ac:spMkLst>
+            <pc:docMk/>
+            <pc:sldMk cId="3797166054" sldId="287"/>
+            <ac:spMk id="4" creationId="{279995FF-B8FE-4E74-7DAB-B71202194A0C}"/>
+          </ac:spMkLst>
+        </pc:spChg>
+        <pc:spChg chg="add mod ord">
+          <ac:chgData name="C C" userId="58c016da926720ee" providerId="LiveId" clId="{E94AFAF3-9327-44B5-A633-24733238964D}" dt="2023-04-24T09:32:02.667" v="1368" actId="20577"/>
+          <ac:spMkLst>
+            <pc:docMk/>
+            <pc:sldMk cId="3797166054" sldId="287"/>
+            <ac:spMk id="5" creationId="{A4978C0C-9E79-AB06-2931-5C75E13C11CB}"/>
+          </ac:spMkLst>
+        </pc:spChg>
+      </pc:sldChg>
+      <pc:sldChg chg="add del">
+        <pc:chgData name="C C" userId="58c016da926720ee" providerId="LiveId" clId="{E94AFAF3-9327-44B5-A633-24733238964D}" dt="2023-04-24T08:40:26.790" v="543" actId="47"/>
         <pc:sldMkLst>
           <pc:docMk/>
           <pc:sldMk cId="3393580242" sldId="393"/>
         </pc:sldMkLst>
       </pc:sldChg>
-      <pc:sldChg chg="add">
-        <pc:chgData name="C C" userId="58c016da926720ee" providerId="LiveId" clId="{E94AFAF3-9327-44B5-A633-24733238964D}" dt="2023-04-14T07:52:03.431" v="541"/>
+      <pc:sldChg chg="add del">
+        <pc:chgData name="C C" userId="58c016da926720ee" providerId="LiveId" clId="{E94AFAF3-9327-44B5-A633-24733238964D}" dt="2023-04-24T08:40:26.790" v="543" actId="47"/>
         <pc:sldMkLst>
           <pc:docMk/>
           <pc:sldMk cId="937996676" sldId="401"/>
         </pc:sldMkLst>
       </pc:sldChg>
-      <pc:sldChg chg="add">
-        <pc:chgData name="C C" userId="58c016da926720ee" providerId="LiveId" clId="{E94AFAF3-9327-44B5-A633-24733238964D}" dt="2023-04-14T07:52:03.431" v="541"/>
+      <pc:sldChg chg="add del">
+        <pc:chgData name="C C" userId="58c016da926720ee" providerId="LiveId" clId="{E94AFAF3-9327-44B5-A633-24733238964D}" dt="2023-04-24T08:40:26.790" v="543" actId="47"/>
         <pc:sldMkLst>
           <pc:docMk/>
           <pc:sldMk cId="1978773447" sldId="416"/>
         </pc:sldMkLst>
       </pc:sldChg>
+      <pc:sldMasterChg chg="delSldLayout">
+        <pc:chgData name="C C" userId="58c016da926720ee" providerId="LiveId" clId="{E94AFAF3-9327-44B5-A633-24733238964D}" dt="2023-04-24T08:40:26.790" v="543" actId="47"/>
+        <pc:sldMasterMkLst>
+          <pc:docMk/>
+          <pc:sldMasterMk cId="0" sldId="2147483678"/>
+        </pc:sldMasterMkLst>
+        <pc:sldLayoutChg chg="del">
+          <pc:chgData name="C C" userId="58c016da926720ee" providerId="LiveId" clId="{E94AFAF3-9327-44B5-A633-24733238964D}" dt="2023-04-24T08:40:26.790" v="543" actId="47"/>
+          <pc:sldLayoutMkLst>
+            <pc:docMk/>
+            <pc:sldMasterMk cId="0" sldId="2147483678"/>
+            <pc:sldLayoutMk cId="1651845141" sldId="2147483696"/>
+          </pc:sldLayoutMkLst>
+        </pc:sldLayoutChg>
+      </pc:sldMasterChg>
     </pc:docChg>
   </pc:docChgLst>
   <pc:docChgLst>
@@ -5911,6 +6060,74 @@
           <a:bodyPr/>
           <a:lstStyle/>
           <a:p>
+            <a:r>
+              <a:rPr lang="de-DE" dirty="0"/>
+              <a:t>https://www.cambridge.org/core/journals/perspectives-on-politics/article/what-is-political-psychology/F972E433C6F07B9A8BDF7AF3447A3939</a:t>
+            </a:r>
+          </a:p>
+          <a:p>
+            <a:endParaRPr lang="de-DE" dirty="0"/>
+          </a:p>
+          <a:p>
+            <a:r>
+              <a:rPr lang="en-US" b="0" i="0" dirty="0">
+                <a:solidFill>
+                  <a:srgbClr val="181817"/>
+                </a:solidFill>
+                <a:effectLst/>
+                <a:latin typeface="noto sans" panose="020B0502040504020204" pitchFamily="34" charset="0"/>
+              </a:rPr>
+              <a:t>Monroe, K., Chiu, W., Martin, A., &amp; Portman, B. (2009). What Is Political Psychology? </a:t>
+            </a:r>
+            <a:r>
+              <a:rPr lang="en-US" b="0" i="1" dirty="0">
+                <a:solidFill>
+                  <a:srgbClr val="181817"/>
+                </a:solidFill>
+                <a:effectLst/>
+                <a:latin typeface="noto sans" panose="020B0502040504020204" pitchFamily="34" charset="0"/>
+              </a:rPr>
+              <a:t>Perspectives on Politics,</a:t>
+            </a:r>
+            <a:r>
+              <a:rPr lang="en-US" b="0" i="0" dirty="0">
+                <a:solidFill>
+                  <a:srgbClr val="181817"/>
+                </a:solidFill>
+                <a:effectLst/>
+                <a:latin typeface="noto sans" panose="020B0502040504020204" pitchFamily="34" charset="0"/>
+              </a:rPr>
+              <a:t> </a:t>
+            </a:r>
+            <a:r>
+              <a:rPr lang="en-US" b="0" i="1" dirty="0">
+                <a:solidFill>
+                  <a:srgbClr val="181817"/>
+                </a:solidFill>
+                <a:effectLst/>
+                <a:latin typeface="noto sans" panose="020B0502040504020204" pitchFamily="34" charset="0"/>
+              </a:rPr>
+              <a:t>7</a:t>
+            </a:r>
+            <a:r>
+              <a:rPr lang="en-US" b="0" i="0" dirty="0">
+                <a:solidFill>
+                  <a:srgbClr val="181817"/>
+                </a:solidFill>
+                <a:effectLst/>
+                <a:latin typeface="noto sans" panose="020B0502040504020204" pitchFamily="34" charset="0"/>
+              </a:rPr>
+              <a:t>(4), 859-882. doi:10.1017/S153759270999185X</a:t>
+            </a:r>
+            <a:endParaRPr lang="de-DE" b="0" i="0" dirty="0">
+              <a:solidFill>
+                <a:srgbClr val="181817"/>
+              </a:solidFill>
+              <a:effectLst/>
+              <a:latin typeface="noto sans" panose="020B0502040504020204" pitchFamily="34" charset="0"/>
+            </a:endParaRPr>
+          </a:p>
+          <a:p>
             <a:endParaRPr lang="de-DE" dirty="0"/>
           </a:p>
         </p:txBody>
@@ -5938,7 +6155,7 @@
               <a:pPr>
                 <a:defRPr/>
               </a:pPr>
-              <a:t>4</a:t>
+              <a:t>5</a:t>
             </a:fld>
             <a:endParaRPr lang="de-DE" dirty="0"/>
           </a:p>
@@ -5947,7 +6164,7 @@
     </p:spTree>
     <p:extLst>
       <p:ext uri="{BB962C8B-B14F-4D97-AF65-F5344CB8AC3E}">
-        <p14:creationId xmlns:p14="http://schemas.microsoft.com/office/powerpoint/2010/main" val="2724013841"/>
+        <p14:creationId xmlns:p14="http://schemas.microsoft.com/office/powerpoint/2010/main" val="320330947"/>
       </p:ext>
     </p:extLst>
   </p:cSld>
@@ -6096,7 +6313,7 @@
               <a:pPr>
                 <a:defRPr/>
               </a:pPr>
-              <a:t>8</a:t>
+              <a:t>6</a:t>
             </a:fld>
             <a:endParaRPr lang="de-DE" dirty="0"/>
           </a:p>
@@ -6105,7 +6322,7 @@
     </p:spTree>
     <p:extLst>
       <p:ext uri="{BB962C8B-B14F-4D97-AF65-F5344CB8AC3E}">
-        <p14:creationId xmlns:p14="http://schemas.microsoft.com/office/powerpoint/2010/main" val="320330947"/>
+        <p14:creationId xmlns:p14="http://schemas.microsoft.com/office/powerpoint/2010/main" val="2583361076"/>
       </p:ext>
     </p:extLst>
   </p:cSld>
@@ -6159,75 +6376,7 @@
           <a:bodyPr/>
           <a:lstStyle/>
           <a:p>
-            <a:r>
-              <a:rPr lang="de-DE" dirty="0"/>
-              <a:t>https://www.cambridge.org/core/journals/perspectives-on-politics/article/what-is-political-psychology/F972E433C6F07B9A8BDF7AF3447A3939</a:t>
-            </a:r>
-          </a:p>
-          <a:p>
-            <a:endParaRPr lang="de-DE" dirty="0"/>
-          </a:p>
-          <a:p>
-            <a:r>
-              <a:rPr lang="en-US" b="0" i="0" dirty="0">
-                <a:solidFill>
-                  <a:srgbClr val="181817"/>
-                </a:solidFill>
-                <a:effectLst/>
-                <a:latin typeface="noto sans" panose="020B0502040504020204" pitchFamily="34" charset="0"/>
-              </a:rPr>
-              <a:t>Monroe, K., Chiu, W., Martin, A., &amp; Portman, B. (2009). What Is Political Psychology? </a:t>
-            </a:r>
-            <a:r>
-              <a:rPr lang="en-US" b="0" i="1" dirty="0">
-                <a:solidFill>
-                  <a:srgbClr val="181817"/>
-                </a:solidFill>
-                <a:effectLst/>
-                <a:latin typeface="noto sans" panose="020B0502040504020204" pitchFamily="34" charset="0"/>
-              </a:rPr>
-              <a:t>Perspectives on Politics,</a:t>
-            </a:r>
-            <a:r>
-              <a:rPr lang="en-US" b="0" i="0" dirty="0">
-                <a:solidFill>
-                  <a:srgbClr val="181817"/>
-                </a:solidFill>
-                <a:effectLst/>
-                <a:latin typeface="noto sans" panose="020B0502040504020204" pitchFamily="34" charset="0"/>
-              </a:rPr>
-              <a:t> </a:t>
-            </a:r>
-            <a:r>
-              <a:rPr lang="en-US" b="0" i="1" dirty="0">
-                <a:solidFill>
-                  <a:srgbClr val="181817"/>
-                </a:solidFill>
-                <a:effectLst/>
-                <a:latin typeface="noto sans" panose="020B0502040504020204" pitchFamily="34" charset="0"/>
-              </a:rPr>
-              <a:t>7</a:t>
-            </a:r>
-            <a:r>
-              <a:rPr lang="en-US" b="0" i="0" dirty="0">
-                <a:solidFill>
-                  <a:srgbClr val="181817"/>
-                </a:solidFill>
-                <a:effectLst/>
-                <a:latin typeface="noto sans" panose="020B0502040504020204" pitchFamily="34" charset="0"/>
-              </a:rPr>
-              <a:t>(4), 859-882. doi:10.1017/S153759270999185X</a:t>
-            </a:r>
-            <a:endParaRPr lang="de-DE" b="0" i="0" dirty="0">
-              <a:solidFill>
-                <a:srgbClr val="181817"/>
-              </a:solidFill>
-              <a:effectLst/>
-              <a:latin typeface="noto sans" panose="020B0502040504020204" pitchFamily="34" charset="0"/>
-            </a:endParaRPr>
-          </a:p>
-          <a:p>
-            <a:endParaRPr lang="de-DE" dirty="0"/>
+            <a:endParaRPr lang="en-US" dirty="0"/>
           </a:p>
         </p:txBody>
       </p:sp>
@@ -6249,102 +6398,12 @@
             <a:pPr>
               <a:defRPr/>
             </a:pPr>
-            <a:fld id="{AAF2C253-3A99-4D4E-AA4C-3918A4D5315D}" type="slidenum">
-              <a:rPr lang="de-DE" smtClean="0"/>
-              <a:pPr>
-                <a:defRPr/>
-              </a:pPr>
-              <a:t>9</a:t>
-            </a:fld>
-            <a:endParaRPr lang="de-DE" dirty="0"/>
-          </a:p>
-        </p:txBody>
-      </p:sp>
-    </p:spTree>
-    <p:extLst>
-      <p:ext uri="{BB962C8B-B14F-4D97-AF65-F5344CB8AC3E}">
-        <p14:creationId xmlns:p14="http://schemas.microsoft.com/office/powerpoint/2010/main" val="2583361076"/>
-      </p:ext>
-    </p:extLst>
-  </p:cSld>
-  <p:clrMapOvr>
-    <a:masterClrMapping/>
-  </p:clrMapOvr>
-</p:notes>
-</file>
-
-<file path=ppt/notesSlides/notesSlide4.xml><?xml version="1.0" encoding="utf-8"?>
-<p:notes xmlns:a="http://schemas.openxmlformats.org/drawingml/2006/main" xmlns:r="http://schemas.openxmlformats.org/officeDocument/2006/relationships" xmlns:p="http://schemas.openxmlformats.org/presentationml/2006/main">
-  <p:cSld>
-    <p:spTree>
-      <p:nvGrpSpPr>
-        <p:cNvPr id="1" name=""/>
-        <p:cNvGrpSpPr/>
-        <p:nvPr/>
-      </p:nvGrpSpPr>
-      <p:grpSpPr>
-        <a:xfrm>
-          <a:off x="0" y="0"/>
-          <a:ext cx="0" cy="0"/>
-          <a:chOff x="0" y="0"/>
-          <a:chExt cx="0" cy="0"/>
-        </a:xfrm>
-      </p:grpSpPr>
-      <p:sp>
-        <p:nvSpPr>
-          <p:cNvPr id="2" name="Slide Image Placeholder 1"/>
-          <p:cNvSpPr>
-            <a:spLocks noGrp="1" noRot="1" noChangeAspect="1"/>
-          </p:cNvSpPr>
-          <p:nvPr>
-            <p:ph type="sldImg"/>
-          </p:nvPr>
-        </p:nvSpPr>
-        <p:spPr/>
-      </p:sp>
-      <p:sp>
-        <p:nvSpPr>
-          <p:cNvPr id="3" name="Notes Placeholder 2"/>
-          <p:cNvSpPr>
-            <a:spLocks noGrp="1"/>
-          </p:cNvSpPr>
-          <p:nvPr>
-            <p:ph type="body" idx="1"/>
-          </p:nvPr>
-        </p:nvSpPr>
-        <p:spPr/>
-        <p:txBody>
-          <a:bodyPr/>
-          <a:lstStyle/>
-          <a:p>
-            <a:endParaRPr lang="en-US" dirty="0"/>
-          </a:p>
-        </p:txBody>
-      </p:sp>
-      <p:sp>
-        <p:nvSpPr>
-          <p:cNvPr id="4" name="Slide Number Placeholder 3"/>
-          <p:cNvSpPr>
-            <a:spLocks noGrp="1"/>
-          </p:cNvSpPr>
-          <p:nvPr>
-            <p:ph type="sldNum" sz="quarter" idx="5"/>
-          </p:nvPr>
-        </p:nvSpPr>
-        <p:spPr/>
-        <p:txBody>
-          <a:bodyPr/>
-          <a:lstStyle/>
-          <a:p>
-            <a:pPr>
-              <a:defRPr/>
-            </a:pPr>
             <a:fld id="{FABCA902-51D0-4602-B06E-7B2FCFF5FAD7}" type="slidenum">
               <a:rPr lang="de-DE" smtClean="0"/>
               <a:pPr>
                 <a:defRPr/>
               </a:pPr>
-              <a:t>19</a:t>
+              <a:t>16</a:t>
             </a:fld>
             <a:endParaRPr lang="de-DE"/>
           </a:p>
@@ -8168,139 +8227,6 @@
 </p:sldLayout>
 </file>
 
-<file path=ppt/slideLayouts/slideLayout7.xml><?xml version="1.0" encoding="utf-8"?>
-<p:sldLayout xmlns:a="http://schemas.openxmlformats.org/drawingml/2006/main" xmlns:r="http://schemas.openxmlformats.org/officeDocument/2006/relationships" xmlns:p="http://schemas.openxmlformats.org/presentationml/2006/main" type="obj">
-  <p:cSld name="Titel und Inhalt">
-    <p:spTree>
-      <p:nvGrpSpPr>
-        <p:cNvPr id="1" name=""/>
-        <p:cNvGrpSpPr/>
-        <p:nvPr/>
-      </p:nvGrpSpPr>
-      <p:grpSpPr>
-        <a:xfrm>
-          <a:off x="0" y="0"/>
-          <a:ext cx="0" cy="0"/>
-          <a:chOff x="0" y="0"/>
-          <a:chExt cx="0" cy="0"/>
-        </a:xfrm>
-      </p:grpSpPr>
-      <p:sp>
-        <p:nvSpPr>
-          <p:cNvPr id="2" name="Titel 1"/>
-          <p:cNvSpPr>
-            <a:spLocks noGrp="1"/>
-          </p:cNvSpPr>
-          <p:nvPr>
-            <p:ph type="title"/>
-          </p:nvPr>
-        </p:nvSpPr>
-        <p:spPr/>
-        <p:txBody>
-          <a:bodyPr/>
-          <a:lstStyle/>
-          <a:p>
-            <a:r>
-              <a:rPr lang="de-DE"/>
-              <a:t>Titelmasterformat durch Klicken bearbeiten</a:t>
-            </a:r>
-          </a:p>
-        </p:txBody>
-      </p:sp>
-      <p:sp>
-        <p:nvSpPr>
-          <p:cNvPr id="3" name="Inhaltsplatzhalter 2"/>
-          <p:cNvSpPr>
-            <a:spLocks noGrp="1"/>
-          </p:cNvSpPr>
-          <p:nvPr>
-            <p:ph idx="1"/>
-          </p:nvPr>
-        </p:nvSpPr>
-        <p:spPr/>
-        <p:txBody>
-          <a:bodyPr/>
-          <a:lstStyle/>
-          <a:p>
-            <a:pPr lvl="0"/>
-            <a:r>
-              <a:rPr lang="de-DE"/>
-              <a:t>Textmasterformat bearbeiten</a:t>
-            </a:r>
-          </a:p>
-          <a:p>
-            <a:pPr lvl="1"/>
-            <a:r>
-              <a:rPr lang="de-DE"/>
-              <a:t>Zweite Ebene</a:t>
-            </a:r>
-          </a:p>
-          <a:p>
-            <a:pPr lvl="2"/>
-            <a:r>
-              <a:rPr lang="de-DE"/>
-              <a:t>Dritte Ebene</a:t>
-            </a:r>
-          </a:p>
-          <a:p>
-            <a:pPr lvl="3"/>
-            <a:r>
-              <a:rPr lang="de-DE"/>
-              <a:t>Vierte Ebene</a:t>
-            </a:r>
-          </a:p>
-          <a:p>
-            <a:pPr lvl="4"/>
-            <a:r>
-              <a:rPr lang="de-DE"/>
-              <a:t>Fünfte Ebene</a:t>
-            </a:r>
-          </a:p>
-        </p:txBody>
-      </p:sp>
-      <p:sp>
-        <p:nvSpPr>
-          <p:cNvPr id="4" name="Rectangle 8"/>
-          <p:cNvSpPr>
-            <a:spLocks noGrp="1" noChangeArrowheads="1"/>
-          </p:cNvSpPr>
-          <p:nvPr>
-            <p:ph type="ftr" sz="quarter" idx="10"/>
-          </p:nvPr>
-        </p:nvSpPr>
-        <p:spPr/>
-        <p:txBody>
-          <a:bodyPr/>
-          <a:lstStyle>
-            <a:lvl1pPr>
-              <a:defRPr/>
-            </a:lvl1pPr>
-          </a:lstStyle>
-          <a:p>
-            <a:pPr>
-              <a:defRPr/>
-            </a:pPr>
-            <a:r>
-              <a:rPr lang="de-DE"/>
-              <a:t>Titel, Datum</a:t>
-            </a:r>
-          </a:p>
-        </p:txBody>
-      </p:sp>
-    </p:spTree>
-    <p:extLst>
-      <p:ext uri="{BB962C8B-B14F-4D97-AF65-F5344CB8AC3E}">
-        <p14:creationId xmlns:p14="http://schemas.microsoft.com/office/powerpoint/2010/main" val="1651845141"/>
-      </p:ext>
-    </p:extLst>
-  </p:cSld>
-  <p:clrMapOvr>
-    <a:masterClrMapping/>
-  </p:clrMapOvr>
-  <p:transition spd="slow"/>
-</p:sldLayout>
-</file>
-
 <file path=ppt/slideMasters/slideMaster1.xml><?xml version="1.0" encoding="utf-8"?>
 <p:sldMaster xmlns:a="http://schemas.openxmlformats.org/drawingml/2006/main" xmlns:r="http://schemas.openxmlformats.org/officeDocument/2006/relationships" xmlns:p="http://schemas.openxmlformats.org/presentationml/2006/main" preserve="1">
   <p:cSld>
@@ -8473,7 +8399,7 @@
           <p:nvPr userDrawn="1"/>
         </p:nvPicPr>
         <p:blipFill>
-          <a:blip r:embed="rId9" cstate="print"/>
+          <a:blip r:embed="rId8" cstate="print"/>
           <a:srcRect/>
           <a:stretch>
             <a:fillRect/>
@@ -8552,7 +8478,6 @@
     <p:sldLayoutId id="2147483691" r:id="rId4"/>
     <p:sldLayoutId id="2147483692" r:id="rId5"/>
     <p:sldLayoutId id="2147483695" r:id="rId6"/>
-    <p:sldLayoutId id="2147483696" r:id="rId7"/>
   </p:sldLayoutIdLst>
   <p:transition spd="slow"/>
   <p:hf sldNum="0" hdr="0" dt="0"/>
@@ -9122,808 +9047,6 @@
       </p:grpSpPr>
       <p:sp>
         <p:nvSpPr>
-          <p:cNvPr id="4" name="Title 3">
-            <a:extLst>
-              <a:ext uri="{FF2B5EF4-FFF2-40B4-BE49-F238E27FC236}">
-                <a16:creationId xmlns:a16="http://schemas.microsoft.com/office/drawing/2014/main" id="{4AB3BC83-C526-45D4-A5F6-67626B640A27}"/>
-              </a:ext>
-            </a:extLst>
-          </p:cNvPr>
-          <p:cNvSpPr>
-            <a:spLocks noGrp="1"/>
-          </p:cNvSpPr>
-          <p:nvPr>
-            <p:ph type="title"/>
-          </p:nvPr>
-        </p:nvSpPr>
-        <p:spPr/>
-        <p:txBody>
-          <a:bodyPr/>
-          <a:lstStyle/>
-          <a:p>
-            <a:r>
-              <a:rPr lang="de-DE" dirty="0"/>
-              <a:t>Umfragen: Die Häufigste Methode </a:t>
-            </a:r>
-          </a:p>
-        </p:txBody>
-      </p:sp>
-      <p:pic>
-        <p:nvPicPr>
-          <p:cNvPr id="8" name="Content Placeholder 7">
-            <a:extLst>
-              <a:ext uri="{FF2B5EF4-FFF2-40B4-BE49-F238E27FC236}">
-                <a16:creationId xmlns:a16="http://schemas.microsoft.com/office/drawing/2014/main" id="{C98FD3D6-DB0B-4186-B4FD-B334F914DAFA}"/>
-              </a:ext>
-            </a:extLst>
-          </p:cNvPr>
-          <p:cNvPicPr>
-            <a:picLocks noGrp="1" noChangeAspect="1"/>
-          </p:cNvPicPr>
-          <p:nvPr>
-            <p:ph sz="quarter" idx="11"/>
-          </p:nvPr>
-        </p:nvPicPr>
-        <p:blipFill>
-          <a:blip r:embed="rId2"/>
-          <a:stretch>
-            <a:fillRect/>
-          </a:stretch>
-        </p:blipFill>
-        <p:spPr>
-          <a:xfrm>
-            <a:off x="4780344" y="899295"/>
-            <a:ext cx="4128706" cy="3725249"/>
-          </a:xfrm>
-        </p:spPr>
-      </p:pic>
-      <p:sp>
-        <p:nvSpPr>
-          <p:cNvPr id="6" name="Content Placeholder 5">
-            <a:extLst>
-              <a:ext uri="{FF2B5EF4-FFF2-40B4-BE49-F238E27FC236}">
-                <a16:creationId xmlns:a16="http://schemas.microsoft.com/office/drawing/2014/main" id="{A58A253E-8DFB-44A1-8EDA-8D1EE0A03E9E}"/>
-              </a:ext>
-            </a:extLst>
-          </p:cNvPr>
-          <p:cNvSpPr>
-            <a:spLocks noGrp="1"/>
-          </p:cNvSpPr>
-          <p:nvPr>
-            <p:ph sz="quarter" idx="12"/>
-          </p:nvPr>
-        </p:nvSpPr>
-        <p:spPr>
-          <a:xfrm>
-            <a:off x="234951" y="736599"/>
-            <a:ext cx="4719014" cy="4238625"/>
-          </a:xfrm>
-        </p:spPr>
-        <p:txBody>
-          <a:bodyPr/>
-          <a:lstStyle/>
-          <a:p>
-            <a:pPr marL="342900" indent="-342900">
-              <a:buFont typeface="Arial" panose="020B0604020202020204" pitchFamily="34" charset="0"/>
-              <a:buChar char="•"/>
-            </a:pPr>
-            <a:r>
-              <a:rPr lang="de-DE" dirty="0"/>
-              <a:t>Inhalt</a:t>
-            </a:r>
-          </a:p>
-          <a:p>
-            <a:pPr marL="698500" lvl="1" indent="-342900"/>
-            <a:r>
-              <a:rPr lang="de-DE" sz="1800" dirty="0"/>
-              <a:t>Klar definierte Fragen + quantifizierbare Antwortkategorien </a:t>
-            </a:r>
-          </a:p>
-          <a:p>
-            <a:pPr marL="698500" lvl="1" indent="-342900"/>
-            <a:r>
-              <a:rPr lang="de-DE" sz="1800" dirty="0"/>
-              <a:t>Oft: standardisierte Fragen / „Items“</a:t>
-            </a:r>
-            <a:r>
-              <a:rPr lang="de-DE" dirty="0"/>
-              <a:t> </a:t>
-            </a:r>
-          </a:p>
-          <a:p>
-            <a:pPr marL="342900" indent="-342900">
-              <a:buFont typeface="Arial" panose="020B0604020202020204" pitchFamily="34" charset="0"/>
-              <a:buChar char="•"/>
-            </a:pPr>
-            <a:r>
-              <a:rPr lang="de-DE" dirty="0"/>
-              <a:t>Auswahl der Probanden </a:t>
-            </a:r>
-          </a:p>
-          <a:p>
-            <a:pPr marL="698500" lvl="1" indent="-342900"/>
-            <a:r>
-              <a:rPr lang="de-DE" sz="1800" dirty="0"/>
-              <a:t>Ideal: „</a:t>
-            </a:r>
-            <a:r>
-              <a:rPr lang="de-DE" sz="1800" dirty="0" err="1"/>
-              <a:t>randomized</a:t>
-            </a:r>
-            <a:r>
-              <a:rPr lang="de-DE" sz="1800" dirty="0"/>
-              <a:t> </a:t>
-            </a:r>
-            <a:r>
-              <a:rPr lang="de-DE" sz="1800" dirty="0" err="1"/>
-              <a:t>sampling</a:t>
-            </a:r>
-            <a:r>
-              <a:rPr lang="de-DE" sz="1800" dirty="0"/>
-              <a:t>“ + Haus-zu-Haus Befragung / Telefon</a:t>
-            </a:r>
-          </a:p>
-          <a:p>
-            <a:pPr marL="698500" lvl="1" indent="-342900"/>
-            <a:r>
-              <a:rPr lang="de-DE" sz="1800" dirty="0"/>
-              <a:t>Häufig: gewichtete </a:t>
-            </a:r>
-            <a:r>
-              <a:rPr lang="de-DE" sz="1800" dirty="0" err="1"/>
-              <a:t>Panele</a:t>
-            </a:r>
-            <a:r>
-              <a:rPr lang="de-DE" sz="1800" dirty="0"/>
-              <a:t> </a:t>
-            </a:r>
-          </a:p>
-          <a:p>
-            <a:pPr marL="698500" lvl="1" indent="-342900"/>
-            <a:r>
-              <a:rPr lang="de-DE" sz="1800" dirty="0"/>
-              <a:t>Gezieltere Auswahl möglich</a:t>
-            </a:r>
-            <a:endParaRPr lang="de-DE" dirty="0"/>
-          </a:p>
-          <a:p>
-            <a:pPr marL="342900" indent="-342900">
-              <a:buFont typeface="Arial" panose="020B0604020202020204" pitchFamily="34" charset="0"/>
-              <a:buChar char="•"/>
-            </a:pPr>
-            <a:r>
-              <a:rPr lang="de-DE" dirty="0"/>
-              <a:t>Methoden:</a:t>
-            </a:r>
-          </a:p>
-          <a:p>
-            <a:pPr marL="698500" lvl="1" indent="-342900"/>
-            <a:r>
-              <a:rPr lang="de-DE" sz="1800" dirty="0"/>
-              <a:t>Regression (sehr weites Feld) </a:t>
-            </a:r>
-          </a:p>
-          <a:p>
-            <a:pPr marL="698500" lvl="1" indent="-342900"/>
-            <a:r>
-              <a:rPr lang="de-DE" sz="1800" dirty="0"/>
-              <a:t>Deskriptive Analysen </a:t>
-            </a:r>
-          </a:p>
-          <a:p>
-            <a:pPr marL="698500" lvl="1" indent="-342900"/>
-            <a:endParaRPr lang="de-DE" dirty="0"/>
-          </a:p>
-          <a:p>
-            <a:pPr marL="698500" lvl="1" indent="-342900"/>
-            <a:endParaRPr lang="de-DE" dirty="0"/>
-          </a:p>
-        </p:txBody>
-      </p:sp>
-    </p:spTree>
-    <p:extLst>
-      <p:ext uri="{BB962C8B-B14F-4D97-AF65-F5344CB8AC3E}">
-        <p14:creationId xmlns:p14="http://schemas.microsoft.com/office/powerpoint/2010/main" val="180312415"/>
-      </p:ext>
-    </p:extLst>
-  </p:cSld>
-  <p:clrMapOvr>
-    <a:masterClrMapping/>
-  </p:clrMapOvr>
-  <p:transition spd="slow"/>
-</p:sld>
-</file>
-
-<file path=ppt/slides/slide11.xml><?xml version="1.0" encoding="utf-8"?>
-<p:sld xmlns:a="http://schemas.openxmlformats.org/drawingml/2006/main" xmlns:r="http://schemas.openxmlformats.org/officeDocument/2006/relationships" xmlns:p="http://schemas.openxmlformats.org/presentationml/2006/main">
-  <p:cSld>
-    <p:spTree>
-      <p:nvGrpSpPr>
-        <p:cNvPr id="1" name=""/>
-        <p:cNvGrpSpPr/>
-        <p:nvPr/>
-      </p:nvGrpSpPr>
-      <p:grpSpPr>
-        <a:xfrm>
-          <a:off x="0" y="0"/>
-          <a:ext cx="0" cy="0"/>
-          <a:chOff x="0" y="0"/>
-          <a:chExt cx="0" cy="0"/>
-        </a:xfrm>
-      </p:grpSpPr>
-      <p:sp>
-        <p:nvSpPr>
-          <p:cNvPr id="4" name="Title 3">
-            <a:extLst>
-              <a:ext uri="{FF2B5EF4-FFF2-40B4-BE49-F238E27FC236}">
-                <a16:creationId xmlns:a16="http://schemas.microsoft.com/office/drawing/2014/main" id="{4AB3BC83-C526-45D4-A5F6-67626B640A27}"/>
-              </a:ext>
-            </a:extLst>
-          </p:cNvPr>
-          <p:cNvSpPr>
-            <a:spLocks noGrp="1"/>
-          </p:cNvSpPr>
-          <p:nvPr>
-            <p:ph type="title"/>
-          </p:nvPr>
-        </p:nvSpPr>
-        <p:spPr/>
-        <p:txBody>
-          <a:bodyPr/>
-          <a:lstStyle/>
-          <a:p>
-            <a:r>
-              <a:rPr lang="de-DE" dirty="0"/>
-              <a:t>Umfragen: Beispiel</a:t>
-            </a:r>
-          </a:p>
-        </p:txBody>
-      </p:sp>
-      <p:sp>
-        <p:nvSpPr>
-          <p:cNvPr id="6" name="Content Placeholder 5">
-            <a:extLst>
-              <a:ext uri="{FF2B5EF4-FFF2-40B4-BE49-F238E27FC236}">
-                <a16:creationId xmlns:a16="http://schemas.microsoft.com/office/drawing/2014/main" id="{A58A253E-8DFB-44A1-8EDA-8D1EE0A03E9E}"/>
-              </a:ext>
-            </a:extLst>
-          </p:cNvPr>
-          <p:cNvSpPr>
-            <a:spLocks noGrp="1"/>
-          </p:cNvSpPr>
-          <p:nvPr>
-            <p:ph sz="quarter" idx="12"/>
-          </p:nvPr>
-        </p:nvSpPr>
-        <p:spPr>
-          <a:xfrm>
-            <a:off x="234950" y="736599"/>
-            <a:ext cx="8811317" cy="4128133"/>
-          </a:xfrm>
-        </p:spPr>
-        <p:txBody>
-          <a:bodyPr/>
-          <a:lstStyle/>
-          <a:p>
-            <a:r>
-              <a:rPr lang="en-US" sz="1200" b="0" i="0" dirty="0">
-                <a:solidFill>
-                  <a:srgbClr val="1C1D1E"/>
-                </a:solidFill>
-                <a:effectLst/>
-                <a:latin typeface="+mj-lt"/>
-              </a:rPr>
-              <a:t>Mayer, S. J., </a:t>
-            </a:r>
-            <a:r>
-              <a:rPr lang="en-US" sz="1200" b="0" i="0" dirty="0" err="1">
-                <a:solidFill>
-                  <a:srgbClr val="1C1D1E"/>
-                </a:solidFill>
-                <a:effectLst/>
-                <a:latin typeface="+mj-lt"/>
-              </a:rPr>
-              <a:t>Berning</a:t>
-            </a:r>
-            <a:r>
-              <a:rPr lang="en-US" sz="1200" b="0" i="0" dirty="0">
-                <a:solidFill>
-                  <a:srgbClr val="1C1D1E"/>
-                </a:solidFill>
-                <a:effectLst/>
-                <a:latin typeface="+mj-lt"/>
-              </a:rPr>
-              <a:t>, C. C., and Johann, D. (2020) The Two Dimensions of Narcissistic Personality and Support for the Radical Right: The Role of Right-wing Authoritarianism, Social Dominance Orientation and Anti-immigrant Sentiment. </a:t>
-            </a:r>
-            <a:r>
-              <a:rPr lang="en-US" sz="1200" b="0" i="1" dirty="0">
-                <a:solidFill>
-                  <a:srgbClr val="1C1D1E"/>
-                </a:solidFill>
-                <a:effectLst/>
-                <a:latin typeface="+mj-lt"/>
-              </a:rPr>
-              <a:t>Eur. J. Pers.</a:t>
-            </a:r>
-            <a:r>
-              <a:rPr lang="en-US" sz="1200" b="0" i="0" dirty="0">
-                <a:solidFill>
-                  <a:srgbClr val="1C1D1E"/>
-                </a:solidFill>
-                <a:effectLst/>
-                <a:latin typeface="+mj-lt"/>
-              </a:rPr>
-              <a:t>, 34: 60– 76. </a:t>
-            </a:r>
-            <a:r>
-              <a:rPr lang="en-US" sz="1200" b="0" i="0" u="none" strike="noStrike" dirty="0">
-                <a:solidFill>
-                  <a:srgbClr val="005274"/>
-                </a:solidFill>
-                <a:effectLst/>
-                <a:latin typeface="+mj-lt"/>
-                <a:hlinkClick r:id="rId2"/>
-              </a:rPr>
-              <a:t>https://doi.org/10.1002/per.2228</a:t>
-            </a:r>
-            <a:r>
-              <a:rPr lang="en-US" sz="1200" b="0" i="0" dirty="0">
-                <a:solidFill>
-                  <a:srgbClr val="1C1D1E"/>
-                </a:solidFill>
-                <a:effectLst/>
-                <a:latin typeface="+mj-lt"/>
-              </a:rPr>
-              <a:t>.</a:t>
-            </a:r>
-            <a:endParaRPr lang="en-US" sz="1200" b="0" dirty="0">
-              <a:solidFill>
-                <a:srgbClr val="2C72B7"/>
-              </a:solidFill>
-              <a:latin typeface="+mj-lt"/>
-            </a:endParaRPr>
-          </a:p>
-          <a:p>
-            <a:pPr marL="342900" indent="-342900">
-              <a:buFont typeface="Arial" panose="020B0604020202020204" pitchFamily="34" charset="0"/>
-              <a:buChar char="•"/>
-            </a:pPr>
-            <a:r>
-              <a:rPr lang="de-DE" sz="2000" dirty="0"/>
-              <a:t>Frage: </a:t>
-            </a:r>
-            <a:r>
-              <a:rPr lang="de-DE" sz="2000" b="0" dirty="0"/>
-              <a:t> Welchen Zusammenhang gibt es zwischen Narzissmus und Unterstützung von Rechtspopulistischen Parteien? </a:t>
-            </a:r>
-          </a:p>
-          <a:p>
-            <a:pPr marL="342900" indent="-342900">
-              <a:buFont typeface="Arial" panose="020B0604020202020204" pitchFamily="34" charset="0"/>
-              <a:buChar char="•"/>
-            </a:pPr>
-            <a:r>
-              <a:rPr lang="de-DE" sz="2000" dirty="0"/>
-              <a:t>Methode: </a:t>
-            </a:r>
-            <a:r>
-              <a:rPr lang="de-DE" sz="2000" b="0" dirty="0"/>
-              <a:t>Regressionsanalyse von Umfragedaten, Strukturgleichungsmodelle </a:t>
-            </a:r>
-          </a:p>
-          <a:p>
-            <a:pPr marL="342900" indent="-342900">
-              <a:buFont typeface="Arial" panose="020B0604020202020204" pitchFamily="34" charset="0"/>
-              <a:buChar char="•"/>
-            </a:pPr>
-            <a:r>
-              <a:rPr lang="de-DE" sz="2000" dirty="0"/>
-              <a:t>Ergebnis:  </a:t>
-            </a:r>
-          </a:p>
-          <a:p>
-            <a:pPr marL="698500" lvl="1" indent="-342900"/>
-            <a:r>
-              <a:rPr lang="de-DE" sz="1600" dirty="0"/>
-              <a:t>Kein direkter Zusammenhang </a:t>
-            </a:r>
-          </a:p>
-          <a:p>
-            <a:pPr marL="698500" lvl="1" indent="-342900"/>
-            <a:r>
-              <a:rPr lang="de-DE" sz="1600" dirty="0"/>
-              <a:t>Aber Indirekte Effekte </a:t>
-            </a:r>
-          </a:p>
-          <a:p>
-            <a:pPr marL="1066800" lvl="2" indent="-342900"/>
-            <a:r>
-              <a:rPr lang="de-DE" sz="1400" dirty="0"/>
-              <a:t>durch AIS  (Anti-Immigrant </a:t>
-            </a:r>
-            <a:r>
-              <a:rPr lang="de-DE" sz="1400" dirty="0" err="1"/>
-              <a:t>Sent</a:t>
-            </a:r>
-            <a:r>
-              <a:rPr lang="de-DE" sz="1400" dirty="0"/>
-              <a:t>.)</a:t>
-            </a:r>
-          </a:p>
-          <a:p>
-            <a:pPr marL="1066800" lvl="2" indent="-342900"/>
-            <a:r>
-              <a:rPr lang="de-DE" sz="1400" dirty="0"/>
-              <a:t>Durch RWA (</a:t>
-            </a:r>
-            <a:r>
-              <a:rPr lang="de-DE" sz="1400" dirty="0" err="1"/>
-              <a:t>Right</a:t>
-            </a:r>
-            <a:r>
-              <a:rPr lang="de-DE" sz="1400" dirty="0"/>
-              <a:t>-Wing </a:t>
-            </a:r>
-            <a:r>
-              <a:rPr lang="de-DE" sz="1400" dirty="0" err="1"/>
-              <a:t>Auth</a:t>
-            </a:r>
-            <a:r>
-              <a:rPr lang="de-DE" sz="1400" dirty="0"/>
-              <a:t>)</a:t>
-            </a:r>
-          </a:p>
-        </p:txBody>
-      </p:sp>
-      <p:pic>
-        <p:nvPicPr>
-          <p:cNvPr id="4098" name="Picture 2" descr="Details are in the caption following the image">
-            <a:extLst>
-              <a:ext uri="{FF2B5EF4-FFF2-40B4-BE49-F238E27FC236}">
-                <a16:creationId xmlns:a16="http://schemas.microsoft.com/office/drawing/2014/main" id="{A822E33D-5ED2-4A87-8DA6-A0796CCDA6FD}"/>
-              </a:ext>
-            </a:extLst>
-          </p:cNvPr>
-          <p:cNvPicPr>
-            <a:picLocks noGrp="1" noChangeAspect="1" noChangeArrowheads="1"/>
-          </p:cNvPicPr>
-          <p:nvPr>
-            <p:ph sz="quarter" idx="11"/>
-          </p:nvPr>
-        </p:nvPicPr>
-        <p:blipFill>
-          <a:blip r:embed="rId3">
-            <a:extLst>
-              <a:ext uri="{28A0092B-C50C-407E-A947-70E740481C1C}">
-                <a14:useLocalDpi xmlns:a14="http://schemas.microsoft.com/office/drawing/2010/main" val="0"/>
-              </a:ext>
-            </a:extLst>
-          </a:blip>
-          <a:srcRect/>
-          <a:stretch>
-            <a:fillRect/>
-          </a:stretch>
-        </p:blipFill>
-        <p:spPr bwMode="auto">
-          <a:xfrm>
-            <a:off x="4121453" y="3064212"/>
-            <a:ext cx="4924814" cy="1800519"/>
-          </a:xfrm>
-          <a:prstGeom prst="rect">
-            <a:avLst/>
-          </a:prstGeom>
-          <a:noFill/>
-          <a:extLst>
-            <a:ext uri="{909E8E84-426E-40DD-AFC4-6F175D3DCCD1}">
-              <a14:hiddenFill xmlns:a14="http://schemas.microsoft.com/office/drawing/2010/main">
-                <a:solidFill>
-                  <a:srgbClr val="FFFFFF"/>
-                </a:solidFill>
-              </a14:hiddenFill>
-            </a:ext>
-          </a:extLst>
-        </p:spPr>
-      </p:pic>
-    </p:spTree>
-    <p:extLst>
-      <p:ext uri="{BB962C8B-B14F-4D97-AF65-F5344CB8AC3E}">
-        <p14:creationId xmlns:p14="http://schemas.microsoft.com/office/powerpoint/2010/main" val="167197884"/>
-      </p:ext>
-    </p:extLst>
-  </p:cSld>
-  <p:clrMapOvr>
-    <a:masterClrMapping/>
-  </p:clrMapOvr>
-  <p:transition spd="slow"/>
-</p:sld>
-</file>
-
-<file path=ppt/slides/slide12.xml><?xml version="1.0" encoding="utf-8"?>
-<p:sld xmlns:a="http://schemas.openxmlformats.org/drawingml/2006/main" xmlns:r="http://schemas.openxmlformats.org/officeDocument/2006/relationships" xmlns:p="http://schemas.openxmlformats.org/presentationml/2006/main">
-  <p:cSld>
-    <p:spTree>
-      <p:nvGrpSpPr>
-        <p:cNvPr id="1" name=""/>
-        <p:cNvGrpSpPr/>
-        <p:nvPr/>
-      </p:nvGrpSpPr>
-      <p:grpSpPr>
-        <a:xfrm>
-          <a:off x="0" y="0"/>
-          <a:ext cx="0" cy="0"/>
-          <a:chOff x="0" y="0"/>
-          <a:chExt cx="0" cy="0"/>
-        </a:xfrm>
-      </p:grpSpPr>
-      <p:pic>
-        <p:nvPicPr>
-          <p:cNvPr id="1030" name="Picture 6" descr="Studying Public Opinion Using Survey Experiments - SAGE Research Methods">
-            <a:extLst>
-              <a:ext uri="{FF2B5EF4-FFF2-40B4-BE49-F238E27FC236}">
-                <a16:creationId xmlns:a16="http://schemas.microsoft.com/office/drawing/2014/main" id="{92579C0B-39B4-4F78-99B3-EDE61AC4B0C3}"/>
-              </a:ext>
-            </a:extLst>
-          </p:cNvPr>
-          <p:cNvPicPr>
-            <a:picLocks noChangeAspect="1" noChangeArrowheads="1"/>
-          </p:cNvPicPr>
-          <p:nvPr/>
-        </p:nvPicPr>
-        <p:blipFill>
-          <a:blip r:embed="rId2">
-            <a:extLst>
-              <a:ext uri="{28A0092B-C50C-407E-A947-70E740481C1C}">
-                <a14:useLocalDpi xmlns:a14="http://schemas.microsoft.com/office/drawing/2010/main" val="0"/>
-              </a:ext>
-            </a:extLst>
-          </a:blip>
-          <a:srcRect/>
-          <a:stretch>
-            <a:fillRect/>
-          </a:stretch>
-        </p:blipFill>
-        <p:spPr bwMode="auto">
-          <a:xfrm>
-            <a:off x="5786830" y="2793042"/>
-            <a:ext cx="3011197" cy="2102193"/>
-          </a:xfrm>
-          <a:prstGeom prst="rect">
-            <a:avLst/>
-          </a:prstGeom>
-          <a:noFill/>
-          <a:extLst>
-            <a:ext uri="{909E8E84-426E-40DD-AFC4-6F175D3DCCD1}">
-              <a14:hiddenFill xmlns:a14="http://schemas.microsoft.com/office/drawing/2010/main">
-                <a:solidFill>
-                  <a:srgbClr val="FFFFFF"/>
-                </a:solidFill>
-              </a14:hiddenFill>
-            </a:ext>
-          </a:extLst>
-        </p:spPr>
-      </p:pic>
-      <p:sp>
-        <p:nvSpPr>
-          <p:cNvPr id="4" name="Title 3">
-            <a:extLst>
-              <a:ext uri="{FF2B5EF4-FFF2-40B4-BE49-F238E27FC236}">
-                <a16:creationId xmlns:a16="http://schemas.microsoft.com/office/drawing/2014/main" id="{4AB3BC83-C526-45D4-A5F6-67626B640A27}"/>
-              </a:ext>
-            </a:extLst>
-          </p:cNvPr>
-          <p:cNvSpPr>
-            <a:spLocks noGrp="1"/>
-          </p:cNvSpPr>
-          <p:nvPr>
-            <p:ph type="title"/>
-          </p:nvPr>
-        </p:nvSpPr>
-        <p:spPr/>
-        <p:txBody>
-          <a:bodyPr/>
-          <a:lstStyle/>
-          <a:p>
-            <a:r>
-              <a:rPr lang="de-DE" dirty="0"/>
-              <a:t>Experimente: Immer Wichtiger</a:t>
-            </a:r>
-          </a:p>
-        </p:txBody>
-      </p:sp>
-      <p:sp>
-        <p:nvSpPr>
-          <p:cNvPr id="6" name="Content Placeholder 5">
-            <a:extLst>
-              <a:ext uri="{FF2B5EF4-FFF2-40B4-BE49-F238E27FC236}">
-                <a16:creationId xmlns:a16="http://schemas.microsoft.com/office/drawing/2014/main" id="{A58A253E-8DFB-44A1-8EDA-8D1EE0A03E9E}"/>
-              </a:ext>
-            </a:extLst>
-          </p:cNvPr>
-          <p:cNvSpPr>
-            <a:spLocks noGrp="1"/>
-          </p:cNvSpPr>
-          <p:nvPr>
-            <p:ph sz="quarter" idx="12"/>
-          </p:nvPr>
-        </p:nvSpPr>
-        <p:spPr>
-          <a:xfrm>
-            <a:off x="234951" y="736599"/>
-            <a:ext cx="4719014" cy="4238625"/>
-          </a:xfrm>
-        </p:spPr>
-        <p:txBody>
-          <a:bodyPr/>
-          <a:lstStyle/>
-          <a:p>
-            <a:pPr marL="342900" indent="-342900">
-              <a:buFont typeface="Arial" panose="020B0604020202020204" pitchFamily="34" charset="0"/>
-              <a:buChar char="•"/>
-            </a:pPr>
-            <a:r>
-              <a:rPr lang="de-DE" dirty="0"/>
-              <a:t>Formen</a:t>
-            </a:r>
-          </a:p>
-          <a:p>
-            <a:pPr marL="698500" lvl="1" indent="-342900"/>
-            <a:r>
-              <a:rPr lang="de-DE" sz="1800" dirty="0"/>
-              <a:t>Lab-Experiment: Im „Labor“, oft an der Uni</a:t>
-            </a:r>
-          </a:p>
-          <a:p>
-            <a:pPr marL="698500" lvl="1" indent="-342900"/>
-            <a:r>
-              <a:rPr lang="de-DE" sz="1800" dirty="0"/>
-              <a:t>Survey Experiment: Eingebettet in eine Umfrage </a:t>
-            </a:r>
-          </a:p>
-          <a:p>
-            <a:pPr marL="698500" lvl="1" indent="-342900"/>
-            <a:r>
-              <a:rPr lang="de-DE" sz="1800" dirty="0"/>
-              <a:t>Field Experiment: Ein Experiment im „Feld“</a:t>
-            </a:r>
-            <a:r>
-              <a:rPr lang="de-DE" sz="1800" dirty="0">
-                <a:sym typeface="Wingdings" panose="05000000000000000000" pitchFamily="2" charset="2"/>
-              </a:rPr>
-              <a:t> In der Welt</a:t>
-            </a:r>
-            <a:endParaRPr lang="de-DE" dirty="0"/>
-          </a:p>
-          <a:p>
-            <a:pPr marL="342900" indent="-342900">
-              <a:buFont typeface="Arial" panose="020B0604020202020204" pitchFamily="34" charset="0"/>
-              <a:buChar char="•"/>
-            </a:pPr>
-            <a:r>
-              <a:rPr lang="de-DE" dirty="0"/>
-              <a:t>Methoden:</a:t>
-            </a:r>
-          </a:p>
-          <a:p>
-            <a:pPr marL="698500" lvl="1" indent="-342900"/>
-            <a:r>
-              <a:rPr lang="de-DE" sz="1800" dirty="0"/>
-              <a:t>Sehr wichtig: Zufällige Zuteilung / „</a:t>
-            </a:r>
-            <a:r>
-              <a:rPr lang="de-DE" sz="1800" dirty="0" err="1"/>
-              <a:t>Randomization</a:t>
-            </a:r>
-            <a:r>
-              <a:rPr lang="de-DE" sz="1800" dirty="0"/>
-              <a:t>“  </a:t>
-            </a:r>
-            <a:r>
-              <a:rPr lang="de-DE" sz="1800" dirty="0">
-                <a:sym typeface="Wingdings" panose="05000000000000000000" pitchFamily="2" charset="2"/>
-              </a:rPr>
-              <a:t> Kausalität</a:t>
-            </a:r>
-            <a:endParaRPr lang="de-DE" sz="1800" dirty="0"/>
-          </a:p>
-          <a:p>
-            <a:pPr marL="698500" lvl="1" indent="-342900"/>
-            <a:r>
-              <a:rPr lang="de-DE" sz="1800" dirty="0"/>
-              <a:t>Deskriptive Analysen / sehr spezifische Messungen </a:t>
-            </a:r>
-          </a:p>
-          <a:p>
-            <a:pPr marL="698500" lvl="1" indent="-342900"/>
-            <a:endParaRPr lang="de-DE" dirty="0"/>
-          </a:p>
-          <a:p>
-            <a:pPr marL="698500" lvl="1" indent="-342900"/>
-            <a:endParaRPr lang="de-DE" dirty="0"/>
-          </a:p>
-        </p:txBody>
-      </p:sp>
-      <p:pic>
-        <p:nvPicPr>
-          <p:cNvPr id="1028" name="Picture 4" descr="Combining EEG and eye tracking: a workflow for your lab experiment">
-            <a:extLst>
-              <a:ext uri="{FF2B5EF4-FFF2-40B4-BE49-F238E27FC236}">
-                <a16:creationId xmlns:a16="http://schemas.microsoft.com/office/drawing/2014/main" id="{DD2B1E5A-5DA4-42A7-9E84-1C357FE17DD0}"/>
-              </a:ext>
-            </a:extLst>
-          </p:cNvPr>
-          <p:cNvPicPr>
-            <a:picLocks noGrp="1" noChangeAspect="1" noChangeArrowheads="1"/>
-          </p:cNvPicPr>
-          <p:nvPr>
-            <p:ph sz="quarter" idx="11"/>
-          </p:nvPr>
-        </p:nvPicPr>
-        <p:blipFill>
-          <a:blip r:embed="rId3">
-            <a:extLst>
-              <a:ext uri="{28A0092B-C50C-407E-A947-70E740481C1C}">
-                <a14:useLocalDpi xmlns:a14="http://schemas.microsoft.com/office/drawing/2010/main" val="0"/>
-              </a:ext>
-            </a:extLst>
-          </a:blip>
-          <a:srcRect/>
-          <a:stretch>
-            <a:fillRect/>
-          </a:stretch>
-        </p:blipFill>
-        <p:spPr bwMode="auto">
-          <a:xfrm>
-            <a:off x="5564790" y="736599"/>
-            <a:ext cx="3233237" cy="1949451"/>
-          </a:xfrm>
-          <a:prstGeom prst="rect">
-            <a:avLst/>
-          </a:prstGeom>
-          <a:noFill/>
-          <a:extLst>
-            <a:ext uri="{909E8E84-426E-40DD-AFC4-6F175D3DCCD1}">
-              <a14:hiddenFill xmlns:a14="http://schemas.microsoft.com/office/drawing/2010/main">
-                <a:solidFill>
-                  <a:srgbClr val="FFFFFF"/>
-                </a:solidFill>
-              </a14:hiddenFill>
-            </a:ext>
-          </a:extLst>
-        </p:spPr>
-      </p:pic>
-    </p:spTree>
-    <p:extLst>
-      <p:ext uri="{BB962C8B-B14F-4D97-AF65-F5344CB8AC3E}">
-        <p14:creationId xmlns:p14="http://schemas.microsoft.com/office/powerpoint/2010/main" val="2752675133"/>
-      </p:ext>
-    </p:extLst>
-  </p:cSld>
-  <p:clrMapOvr>
-    <a:masterClrMapping/>
-  </p:clrMapOvr>
-  <p:transition spd="slow"/>
-</p:sld>
-</file>
-
-<file path=ppt/slides/slide13.xml><?xml version="1.0" encoding="utf-8"?>
-<p:sld xmlns:a="http://schemas.openxmlformats.org/drawingml/2006/main" xmlns:r="http://schemas.openxmlformats.org/officeDocument/2006/relationships" xmlns:p="http://schemas.openxmlformats.org/presentationml/2006/main">
-  <p:cSld>
-    <p:spTree>
-      <p:nvGrpSpPr>
-        <p:cNvPr id="1" name=""/>
-        <p:cNvGrpSpPr/>
-        <p:nvPr/>
-      </p:nvGrpSpPr>
-      <p:grpSpPr>
-        <a:xfrm>
-          <a:off x="0" y="0"/>
-          <a:ext cx="0" cy="0"/>
-          <a:chOff x="0" y="0"/>
-          <a:chExt cx="0" cy="0"/>
-        </a:xfrm>
-      </p:grpSpPr>
-      <p:sp>
-        <p:nvSpPr>
           <p:cNvPr id="2" name="Title 1">
             <a:extLst>
               <a:ext uri="{FF2B5EF4-FFF2-40B4-BE49-F238E27FC236}">
@@ -10138,7 +9261,7 @@
 </p:sld>
 </file>
 
-<file path=ppt/slides/slide14.xml><?xml version="1.0" encoding="utf-8"?>
+<file path=ppt/slides/slide11.xml><?xml version="1.0" encoding="utf-8"?>
 <p:sld xmlns:a="http://schemas.openxmlformats.org/drawingml/2006/main" xmlns:r="http://schemas.openxmlformats.org/officeDocument/2006/relationships" xmlns:p="http://schemas.openxmlformats.org/presentationml/2006/main">
   <p:cSld>
     <p:spTree>
@@ -10466,7 +9589,7 @@
 </p:sld>
 </file>
 
-<file path=ppt/slides/slide15.xml><?xml version="1.0" encoding="utf-8"?>
+<file path=ppt/slides/slide12.xml><?xml version="1.0" encoding="utf-8"?>
 <p:sld xmlns:a="http://schemas.openxmlformats.org/drawingml/2006/main" xmlns:r="http://schemas.openxmlformats.org/officeDocument/2006/relationships" xmlns:p="http://schemas.openxmlformats.org/presentationml/2006/main">
   <p:cSld>
     <p:spTree>
@@ -10574,7 +9697,7 @@
 </p:sld>
 </file>
 
-<file path=ppt/slides/slide16.xml><?xml version="1.0" encoding="utf-8"?>
+<file path=ppt/slides/slide13.xml><?xml version="1.0" encoding="utf-8"?>
 <p:sld xmlns:a="http://schemas.openxmlformats.org/drawingml/2006/main" xmlns:r="http://schemas.openxmlformats.org/officeDocument/2006/relationships" xmlns:p="http://schemas.openxmlformats.org/presentationml/2006/main">
   <p:cSld>
     <p:spTree>
@@ -10915,7 +10038,7 @@
 </p:sld>
 </file>
 
-<file path=ppt/slides/slide17.xml><?xml version="1.0" encoding="utf-8"?>
+<file path=ppt/slides/slide14.xml><?xml version="1.0" encoding="utf-8"?>
 <p:sld xmlns:a="http://schemas.openxmlformats.org/drawingml/2006/main" xmlns:r="http://schemas.openxmlformats.org/officeDocument/2006/relationships" xmlns:p="http://schemas.openxmlformats.org/presentationml/2006/main">
   <p:cSld>
     <p:spTree>
@@ -11109,7 +10232,7 @@
 </p:sld>
 </file>
 
-<file path=ppt/slides/slide18.xml><?xml version="1.0" encoding="utf-8"?>
+<file path=ppt/slides/slide15.xml><?xml version="1.0" encoding="utf-8"?>
 <p:sld xmlns:a="http://schemas.openxmlformats.org/drawingml/2006/main" xmlns:r="http://schemas.openxmlformats.org/officeDocument/2006/relationships" xmlns:p="http://schemas.openxmlformats.org/presentationml/2006/main">
   <p:cSld>
     <p:spTree>
@@ -11177,7 +10300,7 @@
           <a:p>
             <a:r>
               <a:rPr lang="de-DE" dirty="0"/>
-              <a:t>3</a:t>
+              <a:t>2</a:t>
             </a:r>
           </a:p>
         </p:txBody>
@@ -11196,7 +10319,7 @@
 </p:sld>
 </file>
 
-<file path=ppt/slides/slide19.xml><?xml version="1.0" encoding="utf-8"?>
+<file path=ppt/slides/slide16.xml><?xml version="1.0" encoding="utf-8"?>
 <p:sld xmlns:a="http://schemas.openxmlformats.org/drawingml/2006/main" xmlns:r="http://schemas.openxmlformats.org/officeDocument/2006/relationships" xmlns:p="http://schemas.openxmlformats.org/presentationml/2006/main">
   <p:cSld>
     <p:spTree>
@@ -11588,148 +10711,7 @@
 </p:sld>
 </file>
 
-<file path=ppt/slides/slide2.xml><?xml version="1.0" encoding="utf-8"?>
-<p:sld xmlns:a="http://schemas.openxmlformats.org/drawingml/2006/main" xmlns:r="http://schemas.openxmlformats.org/officeDocument/2006/relationships" xmlns:p="http://schemas.openxmlformats.org/presentationml/2006/main">
-  <p:cSld>
-    <p:spTree>
-      <p:nvGrpSpPr>
-        <p:cNvPr id="1" name=""/>
-        <p:cNvGrpSpPr/>
-        <p:nvPr/>
-      </p:nvGrpSpPr>
-      <p:grpSpPr>
-        <a:xfrm>
-          <a:off x="0" y="0"/>
-          <a:ext cx="0" cy="0"/>
-          <a:chOff x="0" y="0"/>
-          <a:chExt cx="0" cy="0"/>
-        </a:xfrm>
-      </p:grpSpPr>
-      <p:sp>
-        <p:nvSpPr>
-          <p:cNvPr id="4" name="Title 3">
-            <a:extLst>
-              <a:ext uri="{FF2B5EF4-FFF2-40B4-BE49-F238E27FC236}">
-                <a16:creationId xmlns:a16="http://schemas.microsoft.com/office/drawing/2014/main" id="{4212E85A-5A2B-40FA-A0C2-C0CFF19C3192}"/>
-              </a:ext>
-            </a:extLst>
-          </p:cNvPr>
-          <p:cNvSpPr>
-            <a:spLocks noGrp="1"/>
-          </p:cNvSpPr>
-          <p:nvPr>
-            <p:ph type="title"/>
-          </p:nvPr>
-        </p:nvSpPr>
-        <p:spPr/>
-        <p:txBody>
-          <a:bodyPr/>
-          <a:lstStyle/>
-          <a:p>
-            <a:r>
-              <a:rPr lang="de-DE" noProof="0" dirty="0"/>
-              <a:t>Übersicht</a:t>
-            </a:r>
-          </a:p>
-        </p:txBody>
-      </p:sp>
-      <p:sp>
-        <p:nvSpPr>
-          <p:cNvPr id="5" name="Text Placeholder 4">
-            <a:extLst>
-              <a:ext uri="{FF2B5EF4-FFF2-40B4-BE49-F238E27FC236}">
-                <a16:creationId xmlns:a16="http://schemas.microsoft.com/office/drawing/2014/main" id="{5B5A2214-0261-4489-8A63-55817E9128D8}"/>
-              </a:ext>
-            </a:extLst>
-          </p:cNvPr>
-          <p:cNvSpPr>
-            <a:spLocks noGrp="1"/>
-          </p:cNvSpPr>
-          <p:nvPr>
-            <p:ph type="body" sz="quarter" idx="4294967295"/>
-          </p:nvPr>
-        </p:nvSpPr>
-        <p:spPr>
-          <a:xfrm>
-            <a:off x="234950" y="736599"/>
-            <a:ext cx="8674100" cy="4238009"/>
-          </a:xfrm>
-        </p:spPr>
-        <p:txBody>
-          <a:bodyPr anchor="ctr"/>
-          <a:lstStyle/>
-          <a:p>
-            <a:pPr marL="457200" indent="-457200">
-              <a:buFont typeface="Arial" panose="020B0604020202020204" pitchFamily="34" charset="0"/>
-              <a:buChar char="•"/>
-            </a:pPr>
-            <a:r>
-              <a:rPr lang="de-DE" noProof="0" dirty="0"/>
-              <a:t>1 - Logistik: R, Datacamp &amp; Arbeitsgruppen </a:t>
-            </a:r>
-          </a:p>
-          <a:p>
-            <a:pPr marL="457200" indent="-457200">
-              <a:buFont typeface="Arial" panose="020B0604020202020204" pitchFamily="34" charset="0"/>
-              <a:buChar char="•"/>
-            </a:pPr>
-            <a:r>
-              <a:rPr lang="de-DE" dirty="0"/>
-              <a:t>2 - Methoden der politischen Psychologie </a:t>
-            </a:r>
-            <a:endParaRPr lang="de-DE" noProof="0" dirty="0"/>
-          </a:p>
-          <a:p>
-            <a:pPr marL="457200" indent="-457200">
-              <a:buFont typeface="Arial" panose="020B0604020202020204" pitchFamily="34" charset="0"/>
-              <a:buChar char="•"/>
-            </a:pPr>
-            <a:r>
-              <a:rPr lang="de-DE" noProof="0" dirty="0"/>
-              <a:t>3 - Vorstellung der Daten: BUA-AAR </a:t>
-            </a:r>
-          </a:p>
-          <a:p>
-            <a:pPr marL="457200" indent="-457200">
-              <a:buFont typeface="Arial" panose="020B0604020202020204" pitchFamily="34" charset="0"/>
-              <a:buChar char="•"/>
-            </a:pPr>
-            <a:r>
-              <a:rPr lang="de-DE" noProof="0" dirty="0"/>
-              <a:t>4 -Gruppendiskussion – Daten sichten, eigene Forschungsfragen und Arbeitsgruppen </a:t>
-            </a:r>
-          </a:p>
-          <a:p>
-            <a:endParaRPr lang="de-DE" noProof="0" dirty="0"/>
-          </a:p>
-          <a:p>
-            <a:pPr marL="457200" indent="-457200"/>
-            <a:endParaRPr lang="de-DE" noProof="0" dirty="0"/>
-          </a:p>
-          <a:p>
-            <a:pPr marL="457200" indent="-457200">
-              <a:buFont typeface="Arial" panose="020B0604020202020204" pitchFamily="34" charset="0"/>
-              <a:buChar char="•"/>
-            </a:pPr>
-            <a:endParaRPr lang="de-DE" noProof="0" dirty="0"/>
-          </a:p>
-        </p:txBody>
-      </p:sp>
-    </p:spTree>
-    <p:extLst>
-      <p:ext uri="{BB962C8B-B14F-4D97-AF65-F5344CB8AC3E}">
-        <p14:creationId xmlns:p14="http://schemas.microsoft.com/office/powerpoint/2010/main" val="3533300035"/>
-      </p:ext>
-    </p:extLst>
-  </p:cSld>
-  <p:clrMapOvr>
-    <a:masterClrMapping/>
-  </p:clrMapOvr>
-  <p:transition spd="slow"/>
-</p:sld>
-</file>
-
-<file path=ppt/slides/slide20.xml><?xml version="1.0" encoding="utf-8"?>
+<file path=ppt/slides/slide17.xml><?xml version="1.0" encoding="utf-8"?>
 <p:sld xmlns:a="http://schemas.openxmlformats.org/drawingml/2006/main" xmlns:r="http://schemas.openxmlformats.org/officeDocument/2006/relationships" xmlns:p="http://schemas.openxmlformats.org/presentationml/2006/main">
   <p:cSld>
     <p:spTree>
@@ -11908,7 +10890,7 @@
 </p:sld>
 </file>
 
-<file path=ppt/slides/slide21.xml><?xml version="1.0" encoding="utf-8"?>
+<file path=ppt/slides/slide18.xml><?xml version="1.0" encoding="utf-8"?>
 <p:sld xmlns:a="http://schemas.openxmlformats.org/drawingml/2006/main" xmlns:r="http://schemas.openxmlformats.org/officeDocument/2006/relationships" xmlns:p="http://schemas.openxmlformats.org/presentationml/2006/main">
   <p:cSld>
     <p:spTree>
@@ -12144,2745 +11126,7 @@
 </p:sld>
 </file>
 
-<file path=ppt/slides/slide22.xml><?xml version="1.0" encoding="utf-8"?>
-<p:sld xmlns:a="http://schemas.openxmlformats.org/drawingml/2006/main" xmlns:r="http://schemas.openxmlformats.org/officeDocument/2006/relationships" xmlns:p="http://schemas.openxmlformats.org/presentationml/2006/main">
-  <p:cSld>
-    <p:spTree>
-      <p:nvGrpSpPr>
-        <p:cNvPr id="1" name=""/>
-        <p:cNvGrpSpPr/>
-        <p:nvPr/>
-      </p:nvGrpSpPr>
-      <p:grpSpPr>
-        <a:xfrm>
-          <a:off x="0" y="0"/>
-          <a:ext cx="0" cy="0"/>
-          <a:chOff x="0" y="0"/>
-          <a:chExt cx="0" cy="0"/>
-        </a:xfrm>
-      </p:grpSpPr>
-      <p:sp>
-        <p:nvSpPr>
-          <p:cNvPr id="6" name="Subtitle 5">
-            <a:extLst>
-              <a:ext uri="{FF2B5EF4-FFF2-40B4-BE49-F238E27FC236}">
-                <a16:creationId xmlns:a16="http://schemas.microsoft.com/office/drawing/2014/main" id="{F42F9AC0-898F-4A0C-9F64-EA7A800337AF}"/>
-              </a:ext>
-            </a:extLst>
-          </p:cNvPr>
-          <p:cNvSpPr>
-            <a:spLocks noGrp="1"/>
-          </p:cNvSpPr>
-          <p:nvPr>
-            <p:ph type="subTitle" idx="1"/>
-          </p:nvPr>
-        </p:nvSpPr>
-        <p:spPr>
-          <a:xfrm>
-            <a:off x="4572000" y="2077313"/>
-            <a:ext cx="4455886" cy="960834"/>
-          </a:xfrm>
-        </p:spPr>
-        <p:txBody>
-          <a:bodyPr/>
-          <a:lstStyle/>
-          <a:p>
-            <a:r>
-              <a:rPr lang="de-DE" noProof="0" dirty="0"/>
-              <a:t>Diskussion – Daten sichten, Forschungsfragen und Arbeitsgruppen </a:t>
-            </a:r>
-          </a:p>
-        </p:txBody>
-      </p:sp>
-      <p:sp>
-        <p:nvSpPr>
-          <p:cNvPr id="5" name="Title 4">
-            <a:extLst>
-              <a:ext uri="{FF2B5EF4-FFF2-40B4-BE49-F238E27FC236}">
-                <a16:creationId xmlns:a16="http://schemas.microsoft.com/office/drawing/2014/main" id="{1A506B88-F6D4-490E-BADC-CA7CC016BB20}"/>
-              </a:ext>
-            </a:extLst>
-          </p:cNvPr>
-          <p:cNvSpPr>
-            <a:spLocks noGrp="1"/>
-          </p:cNvSpPr>
-          <p:nvPr>
-            <p:ph type="ctrTitle"/>
-          </p:nvPr>
-        </p:nvSpPr>
-        <p:spPr/>
-        <p:txBody>
-          <a:bodyPr/>
-          <a:lstStyle/>
-          <a:p>
-            <a:r>
-              <a:rPr lang="de-DE" dirty="0"/>
-              <a:t>4</a:t>
-            </a:r>
-          </a:p>
-        </p:txBody>
-      </p:sp>
-    </p:spTree>
-    <p:extLst>
-      <p:ext uri="{BB962C8B-B14F-4D97-AF65-F5344CB8AC3E}">
-        <p14:creationId xmlns:p14="http://schemas.microsoft.com/office/powerpoint/2010/main" val="3225576366"/>
-      </p:ext>
-    </p:extLst>
-  </p:cSld>
-  <p:clrMapOvr>
-    <a:masterClrMapping/>
-  </p:clrMapOvr>
-  <p:transition spd="slow"/>
-</p:sld>
-</file>
-
-<file path=ppt/slides/slide23.xml><?xml version="1.0" encoding="utf-8"?>
-<p:sld xmlns:a="http://schemas.openxmlformats.org/drawingml/2006/main" xmlns:r="http://schemas.openxmlformats.org/officeDocument/2006/relationships" xmlns:p="http://schemas.openxmlformats.org/presentationml/2006/main">
-  <p:cSld>
-    <p:spTree>
-      <p:nvGrpSpPr>
-        <p:cNvPr id="1" name=""/>
-        <p:cNvGrpSpPr/>
-        <p:nvPr/>
-      </p:nvGrpSpPr>
-      <p:grpSpPr>
-        <a:xfrm>
-          <a:off x="0" y="0"/>
-          <a:ext cx="0" cy="0"/>
-          <a:chOff x="0" y="0"/>
-          <a:chExt cx="0" cy="0"/>
-        </a:xfrm>
-      </p:grpSpPr>
-      <p:sp>
-        <p:nvSpPr>
-          <p:cNvPr id="5" name="Title 4">
-            <a:extLst>
-              <a:ext uri="{FF2B5EF4-FFF2-40B4-BE49-F238E27FC236}">
-                <a16:creationId xmlns:a16="http://schemas.microsoft.com/office/drawing/2014/main" id="{CC1B00C8-AF31-4D65-8862-06E052DB4DC8}"/>
-              </a:ext>
-            </a:extLst>
-          </p:cNvPr>
-          <p:cNvSpPr>
-            <a:spLocks noGrp="1"/>
-          </p:cNvSpPr>
-          <p:nvPr>
-            <p:ph type="title"/>
-          </p:nvPr>
-        </p:nvSpPr>
-        <p:spPr/>
-        <p:txBody>
-          <a:bodyPr/>
-          <a:lstStyle/>
-          <a:p>
-            <a:r>
-              <a:rPr lang="de-DE" dirty="0"/>
-              <a:t>Gemeinsame Übung</a:t>
-            </a:r>
-          </a:p>
-        </p:txBody>
-      </p:sp>
-      <p:pic>
-        <p:nvPicPr>
-          <p:cNvPr id="9" name="Content Placeholder 8">
-            <a:extLst>
-              <a:ext uri="{FF2B5EF4-FFF2-40B4-BE49-F238E27FC236}">
-                <a16:creationId xmlns:a16="http://schemas.microsoft.com/office/drawing/2014/main" id="{B698E40A-1C23-41BA-8630-B86D309C5A8A}"/>
-              </a:ext>
-            </a:extLst>
-          </p:cNvPr>
-          <p:cNvPicPr>
-            <a:picLocks noGrp="1" noChangeAspect="1"/>
-          </p:cNvPicPr>
-          <p:nvPr>
-            <p:ph sz="quarter" idx="11"/>
-          </p:nvPr>
-        </p:nvPicPr>
-        <p:blipFill>
-          <a:blip r:embed="rId2"/>
-          <a:stretch>
-            <a:fillRect/>
-          </a:stretch>
-        </p:blipFill>
-        <p:spPr>
-          <a:xfrm>
-            <a:off x="4807744" y="736599"/>
-            <a:ext cx="4101306" cy="1314521"/>
-          </a:xfrm>
-        </p:spPr>
-      </p:pic>
-      <p:sp>
-        <p:nvSpPr>
-          <p:cNvPr id="7" name="Content Placeholder 6">
-            <a:extLst>
-              <a:ext uri="{FF2B5EF4-FFF2-40B4-BE49-F238E27FC236}">
-                <a16:creationId xmlns:a16="http://schemas.microsoft.com/office/drawing/2014/main" id="{3AA1473E-B5C0-46CA-B2A9-96982270B45F}"/>
-              </a:ext>
-            </a:extLst>
-          </p:cNvPr>
-          <p:cNvSpPr>
-            <a:spLocks noGrp="1"/>
-          </p:cNvSpPr>
-          <p:nvPr>
-            <p:ph sz="quarter" idx="12"/>
-          </p:nvPr>
-        </p:nvSpPr>
-        <p:spPr/>
-        <p:txBody>
-          <a:bodyPr/>
-          <a:lstStyle/>
-          <a:p>
-            <a:pPr marL="342900" indent="-342900">
-              <a:buFont typeface="Arial" panose="020B0604020202020204" pitchFamily="34" charset="0"/>
-              <a:buChar char="•"/>
-            </a:pPr>
-            <a:r>
-              <a:rPr lang="de-DE" dirty="0"/>
-              <a:t>Fragebogen auf Blackboard  </a:t>
-            </a:r>
-          </a:p>
-          <a:p>
-            <a:pPr marL="342900" indent="-342900">
-              <a:buFont typeface="Arial" panose="020B0604020202020204" pitchFamily="34" charset="0"/>
-              <a:buChar char="•"/>
-            </a:pPr>
-            <a:r>
-              <a:rPr lang="de-DE" dirty="0"/>
-              <a:t>3-4 Personen Gruppen </a:t>
-            </a:r>
-          </a:p>
-          <a:p>
-            <a:pPr marL="698500" lvl="1" indent="-342900"/>
-            <a:r>
-              <a:rPr lang="de-DE" dirty="0"/>
-              <a:t>Welche Fragen / Konzepte findet ihr interessant ?</a:t>
-            </a:r>
-          </a:p>
-          <a:p>
-            <a:pPr marL="698500" lvl="1" indent="-342900"/>
-            <a:r>
-              <a:rPr lang="de-DE" dirty="0"/>
-              <a:t>Verbindung / Beziehungen zwischen Fragen/Konzepten? </a:t>
-            </a:r>
-          </a:p>
-          <a:p>
-            <a:pPr marL="698500" lvl="1" indent="-342900"/>
-            <a:r>
-              <a:rPr lang="de-DE" dirty="0"/>
-              <a:t>Eigene Fragestellung/ Projekte mit den Daten </a:t>
-            </a:r>
-          </a:p>
-          <a:p>
-            <a:pPr marL="342900" indent="-342900">
-              <a:buFont typeface="Arial" panose="020B0604020202020204" pitchFamily="34" charset="0"/>
-              <a:buChar char="•"/>
-            </a:pPr>
-            <a:r>
-              <a:rPr lang="de-DE" dirty="0"/>
-              <a:t>Mögliche Basis für Hausarbeiten </a:t>
-            </a:r>
-          </a:p>
-          <a:p>
-            <a:pPr lvl="1" indent="0">
-              <a:buNone/>
-            </a:pPr>
-            <a:endParaRPr lang="de-DE" dirty="0"/>
-          </a:p>
-          <a:p>
-            <a:pPr marL="342900" indent="-342900">
-              <a:buFont typeface="Arial" panose="020B0604020202020204" pitchFamily="34" charset="0"/>
-              <a:buChar char="•"/>
-            </a:pPr>
-            <a:endParaRPr lang="de-DE" dirty="0"/>
-          </a:p>
-          <a:p>
-            <a:endParaRPr lang="de-DE" dirty="0"/>
-          </a:p>
-        </p:txBody>
-      </p:sp>
-      <p:cxnSp>
-        <p:nvCxnSpPr>
-          <p:cNvPr id="11" name="Straight Arrow Connector 10">
-            <a:extLst>
-              <a:ext uri="{FF2B5EF4-FFF2-40B4-BE49-F238E27FC236}">
-                <a16:creationId xmlns:a16="http://schemas.microsoft.com/office/drawing/2014/main" id="{DB075069-F774-44B4-914B-6ACAB14480E9}"/>
-              </a:ext>
-            </a:extLst>
-          </p:cNvPr>
-          <p:cNvCxnSpPr/>
-          <p:nvPr/>
-        </p:nvCxnSpPr>
-        <p:spPr bwMode="auto">
-          <a:xfrm flipH="1">
-            <a:off x="7008019" y="1121569"/>
-            <a:ext cx="1264444" cy="0"/>
-          </a:xfrm>
-          <a:prstGeom prst="straightConnector1">
-            <a:avLst/>
-          </a:prstGeom>
-          <a:ln w="28575">
-            <a:solidFill>
-              <a:srgbClr val="0070C0"/>
-            </a:solidFill>
-            <a:headEnd type="none" w="med" len="med"/>
-            <a:tailEnd type="triangle"/>
-          </a:ln>
-        </p:spPr>
-        <p:style>
-          <a:lnRef idx="1">
-            <a:schemeClr val="accent6"/>
-          </a:lnRef>
-          <a:fillRef idx="0">
-            <a:schemeClr val="accent6"/>
-          </a:fillRef>
-          <a:effectRef idx="0">
-            <a:schemeClr val="accent6"/>
-          </a:effectRef>
-          <a:fontRef idx="minor">
-            <a:schemeClr val="tx1"/>
-          </a:fontRef>
-        </p:style>
-      </p:cxnSp>
-    </p:spTree>
-    <p:extLst>
-      <p:ext uri="{BB962C8B-B14F-4D97-AF65-F5344CB8AC3E}">
-        <p14:creationId xmlns:p14="http://schemas.microsoft.com/office/powerpoint/2010/main" val="4111408764"/>
-      </p:ext>
-    </p:extLst>
-  </p:cSld>
-  <p:clrMapOvr>
-    <a:masterClrMapping/>
-  </p:clrMapOvr>
-  <p:transition spd="slow"/>
-</p:sld>
-</file>
-
-<file path=ppt/slides/slide24.xml><?xml version="1.0" encoding="utf-8"?>
-<p:sld xmlns:a="http://schemas.openxmlformats.org/drawingml/2006/main" xmlns:r="http://schemas.openxmlformats.org/officeDocument/2006/relationships" xmlns:p="http://schemas.openxmlformats.org/presentationml/2006/main">
-  <p:cSld>
-    <p:spTree>
-      <p:nvGrpSpPr>
-        <p:cNvPr id="1" name=""/>
-        <p:cNvGrpSpPr/>
-        <p:nvPr/>
-      </p:nvGrpSpPr>
-      <p:grpSpPr>
-        <a:xfrm>
-          <a:off x="0" y="0"/>
-          <a:ext cx="0" cy="0"/>
-          <a:chOff x="0" y="0"/>
-          <a:chExt cx="0" cy="0"/>
-        </a:xfrm>
-      </p:grpSpPr>
-      <p:sp>
-        <p:nvSpPr>
-          <p:cNvPr id="2" name="Title 1">
-            <a:extLst>
-              <a:ext uri="{FF2B5EF4-FFF2-40B4-BE49-F238E27FC236}">
-                <a16:creationId xmlns:a16="http://schemas.microsoft.com/office/drawing/2014/main" id="{9FC20BEF-E691-4211-A3F1-6D31B4FFA401}"/>
-              </a:ext>
-            </a:extLst>
-          </p:cNvPr>
-          <p:cNvSpPr>
-            <a:spLocks noGrp="1"/>
-          </p:cNvSpPr>
-          <p:nvPr>
-            <p:ph type="title"/>
-          </p:nvPr>
-        </p:nvSpPr>
-        <p:spPr/>
-        <p:txBody>
-          <a:bodyPr/>
-          <a:lstStyle/>
-          <a:p>
-            <a:r>
-              <a:rPr lang="de-DE" dirty="0"/>
-              <a:t>Arbeitsgruppen/ Aktive Teilnahme</a:t>
-            </a:r>
-          </a:p>
-        </p:txBody>
-      </p:sp>
-      <p:sp>
-        <p:nvSpPr>
-          <p:cNvPr id="4" name="Content Placeholder 3">
-            <a:extLst>
-              <a:ext uri="{FF2B5EF4-FFF2-40B4-BE49-F238E27FC236}">
-                <a16:creationId xmlns:a16="http://schemas.microsoft.com/office/drawing/2014/main" id="{86A2E680-02BC-4CA4-99E1-2CAFF4C48520}"/>
-              </a:ext>
-            </a:extLst>
-          </p:cNvPr>
-          <p:cNvSpPr>
-            <a:spLocks noGrp="1"/>
-          </p:cNvSpPr>
-          <p:nvPr>
-            <p:ph sz="quarter" idx="12"/>
-          </p:nvPr>
-        </p:nvSpPr>
-        <p:spPr>
-          <a:xfrm>
-            <a:off x="234951" y="736599"/>
-            <a:ext cx="4637991" cy="4238625"/>
-          </a:xfrm>
-        </p:spPr>
-        <p:txBody>
-          <a:bodyPr/>
-          <a:lstStyle/>
-          <a:p>
-            <a:pPr marL="342900" indent="-342900">
-              <a:buFont typeface="Arial" panose="020B0604020202020204" pitchFamily="34" charset="0"/>
-              <a:buChar char="•"/>
-            </a:pPr>
-            <a:r>
-              <a:rPr lang="de-DE" dirty="0"/>
-              <a:t>Präsentationen / Gruppendiskussion </a:t>
-            </a:r>
-          </a:p>
-          <a:p>
-            <a:pPr marL="698500" lvl="1" indent="-342900"/>
-            <a:r>
-              <a:rPr lang="de-DE" dirty="0"/>
-              <a:t>Gemeinsame Vorstellung des Wochenthemas (z.B. Persönlichkeit) </a:t>
-            </a:r>
-          </a:p>
-          <a:p>
-            <a:pPr marL="698500" lvl="1" indent="-342900"/>
-            <a:r>
-              <a:rPr lang="de-DE" dirty="0"/>
-              <a:t>Kleingruppendiskussionen in den Anwendungsbereichen (z.B. Wahlverhalten) </a:t>
-            </a:r>
-          </a:p>
-          <a:p>
-            <a:pPr marL="698500" lvl="1" indent="-342900"/>
-            <a:r>
-              <a:rPr lang="de-DE" dirty="0"/>
-              <a:t>Gemeinsame Diskussion aller Gruppen </a:t>
-            </a:r>
-          </a:p>
-          <a:p>
-            <a:pPr marL="342900" indent="-342900">
-              <a:buFont typeface="Arial" panose="020B0604020202020204" pitchFamily="34" charset="0"/>
-              <a:buChar char="•"/>
-            </a:pPr>
-            <a:r>
-              <a:rPr lang="de-DE" dirty="0"/>
-              <a:t>Anmeldung auf Blackboard</a:t>
-            </a:r>
-          </a:p>
-          <a:p>
-            <a:pPr marL="698500" lvl="1" indent="-342900"/>
-            <a:r>
-              <a:rPr lang="de-DE" dirty="0"/>
-              <a:t>Max. 2 Personen pro Kleingruppe</a:t>
-            </a:r>
-          </a:p>
-        </p:txBody>
-      </p:sp>
-      <p:sp>
-        <p:nvSpPr>
-          <p:cNvPr id="5" name="Content Placeholder 4">
-            <a:extLst>
-              <a:ext uri="{FF2B5EF4-FFF2-40B4-BE49-F238E27FC236}">
-                <a16:creationId xmlns:a16="http://schemas.microsoft.com/office/drawing/2014/main" id="{DBA7B89F-38B8-431E-E7B4-FE69D218D397}"/>
-              </a:ext>
-            </a:extLst>
-          </p:cNvPr>
-          <p:cNvSpPr>
-            <a:spLocks noGrp="1"/>
-          </p:cNvSpPr>
-          <p:nvPr>
-            <p:ph sz="quarter" idx="11"/>
-          </p:nvPr>
-        </p:nvSpPr>
-        <p:spPr/>
-        <p:txBody>
-          <a:bodyPr/>
-          <a:lstStyle/>
-          <a:p>
-            <a:endParaRPr lang="en-US"/>
-          </a:p>
-        </p:txBody>
-      </p:sp>
-    </p:spTree>
-    <p:extLst>
-      <p:ext uri="{BB962C8B-B14F-4D97-AF65-F5344CB8AC3E}">
-        <p14:creationId xmlns:p14="http://schemas.microsoft.com/office/powerpoint/2010/main" val="3515141526"/>
-      </p:ext>
-    </p:extLst>
-  </p:cSld>
-  <p:clrMapOvr>
-    <a:masterClrMapping/>
-  </p:clrMapOvr>
-  <p:transition spd="slow"/>
-</p:sld>
-</file>
-
-<file path=ppt/slides/slide25.xml><?xml version="1.0" encoding="utf-8"?>
-<p:sld xmlns:a="http://schemas.openxmlformats.org/drawingml/2006/main" xmlns:r="http://schemas.openxmlformats.org/officeDocument/2006/relationships" xmlns:p="http://schemas.openxmlformats.org/presentationml/2006/main">
-  <p:cSld>
-    <p:spTree>
-      <p:nvGrpSpPr>
-        <p:cNvPr id="1" name=""/>
-        <p:cNvGrpSpPr/>
-        <p:nvPr/>
-      </p:nvGrpSpPr>
-      <p:grpSpPr>
-        <a:xfrm>
-          <a:off x="0" y="0"/>
-          <a:ext cx="0" cy="0"/>
-          <a:chOff x="0" y="0"/>
-          <a:chExt cx="0" cy="0"/>
-        </a:xfrm>
-      </p:grpSpPr>
-      <p:sp>
-        <p:nvSpPr>
-          <p:cNvPr id="2" name="Title 1">
-            <a:extLst>
-              <a:ext uri="{FF2B5EF4-FFF2-40B4-BE49-F238E27FC236}">
-                <a16:creationId xmlns:a16="http://schemas.microsoft.com/office/drawing/2014/main" id="{26083F89-2BCC-45D9-BC56-A2F475C71DB4}"/>
-              </a:ext>
-            </a:extLst>
-          </p:cNvPr>
-          <p:cNvSpPr>
-            <a:spLocks noGrp="1"/>
-          </p:cNvSpPr>
-          <p:nvPr>
-            <p:ph type="title"/>
-          </p:nvPr>
-        </p:nvSpPr>
-        <p:spPr/>
-        <p:txBody>
-          <a:bodyPr/>
-          <a:lstStyle/>
-          <a:p>
-            <a:r>
-              <a:rPr lang="de-DE" dirty="0"/>
-              <a:t>Arbeitsgruppenübersicht </a:t>
-            </a:r>
-          </a:p>
-        </p:txBody>
-      </p:sp>
-      <p:graphicFrame>
-        <p:nvGraphicFramePr>
-          <p:cNvPr id="5" name="Content Placeholder 7">
-            <a:extLst>
-              <a:ext uri="{FF2B5EF4-FFF2-40B4-BE49-F238E27FC236}">
-                <a16:creationId xmlns:a16="http://schemas.microsoft.com/office/drawing/2014/main" id="{699C6084-5148-4AC2-A172-C137D767035C}"/>
-              </a:ext>
-            </a:extLst>
-          </p:cNvPr>
-          <p:cNvGraphicFramePr>
-            <a:graphicFrameLocks/>
-          </p:cNvGraphicFramePr>
-          <p:nvPr>
-            <p:extLst>
-              <p:ext uri="{D42A27DB-BD31-4B8C-83A1-F6EECF244321}">
-                <p14:modId xmlns:p14="http://schemas.microsoft.com/office/powerpoint/2010/main" val="1107419309"/>
-              </p:ext>
-            </p:extLst>
-          </p:nvPr>
-        </p:nvGraphicFramePr>
-        <p:xfrm>
-          <a:off x="217711" y="1322486"/>
-          <a:ext cx="8708578" cy="2939128"/>
-        </p:xfrm>
-        <a:graphic>
-          <a:graphicData uri="http://schemas.openxmlformats.org/drawingml/2006/table">
-            <a:tbl>
-              <a:tblPr firstRow="1" firstCol="1" bandRow="1">
-                <a:tableStyleId>{5C22544A-7EE6-4342-B048-85BDC9FD1C3A}</a:tableStyleId>
-              </a:tblPr>
-              <a:tblGrid>
-                <a:gridCol w="2061145">
-                  <a:extLst>
-                    <a:ext uri="{9D8B030D-6E8A-4147-A177-3AD203B41FA5}">
-                      <a16:colId xmlns:a16="http://schemas.microsoft.com/office/drawing/2014/main" val="2048494752"/>
-                    </a:ext>
-                  </a:extLst>
-                </a:gridCol>
-                <a:gridCol w="1256008">
-                  <a:extLst>
-                    <a:ext uri="{9D8B030D-6E8A-4147-A177-3AD203B41FA5}">
-                      <a16:colId xmlns:a16="http://schemas.microsoft.com/office/drawing/2014/main" val="1885815531"/>
-                    </a:ext>
-                  </a:extLst>
-                </a:gridCol>
-                <a:gridCol w="1169468">
-                  <a:extLst>
-                    <a:ext uri="{9D8B030D-6E8A-4147-A177-3AD203B41FA5}">
-                      <a16:colId xmlns:a16="http://schemas.microsoft.com/office/drawing/2014/main" val="1613276858"/>
-                    </a:ext>
-                  </a:extLst>
-                </a:gridCol>
-                <a:gridCol w="928687">
-                  <a:extLst>
-                    <a:ext uri="{9D8B030D-6E8A-4147-A177-3AD203B41FA5}">
-                      <a16:colId xmlns:a16="http://schemas.microsoft.com/office/drawing/2014/main" val="1427599832"/>
-                    </a:ext>
-                  </a:extLst>
-                </a:gridCol>
-                <a:gridCol w="985868">
-                  <a:extLst>
-                    <a:ext uri="{9D8B030D-6E8A-4147-A177-3AD203B41FA5}">
-                      <a16:colId xmlns:a16="http://schemas.microsoft.com/office/drawing/2014/main" val="2008350054"/>
-                    </a:ext>
-                  </a:extLst>
-                </a:gridCol>
-                <a:gridCol w="1153701">
-                  <a:extLst>
-                    <a:ext uri="{9D8B030D-6E8A-4147-A177-3AD203B41FA5}">
-                      <a16:colId xmlns:a16="http://schemas.microsoft.com/office/drawing/2014/main" val="4248116028"/>
-                    </a:ext>
-                  </a:extLst>
-                </a:gridCol>
-                <a:gridCol w="1153701">
-                  <a:extLst>
-                    <a:ext uri="{9D8B030D-6E8A-4147-A177-3AD203B41FA5}">
-                      <a16:colId xmlns:a16="http://schemas.microsoft.com/office/drawing/2014/main" val="4036961831"/>
-                    </a:ext>
-                  </a:extLst>
-                </a:gridCol>
-              </a:tblGrid>
-              <a:tr h="206405">
-                <a:tc>
-                  <a:txBody>
-                    <a:bodyPr/>
-                    <a:lstStyle/>
-                    <a:p>
-                      <a:pPr marL="0" marR="0">
-                        <a:spcBef>
-                          <a:spcPts val="0"/>
-                        </a:spcBef>
-                        <a:spcAft>
-                          <a:spcPts val="0"/>
-                        </a:spcAft>
-                      </a:pPr>
-                      <a:r>
-                        <a:rPr lang="de-DE" sz="1600" dirty="0">
-                          <a:effectLst/>
-                        </a:rPr>
-                        <a:t> </a:t>
-                      </a:r>
-                      <a:endParaRPr lang="en-US" sz="1600" dirty="0">
-                        <a:effectLst/>
-                        <a:latin typeface="Times New Roman" panose="02020603050405020304" pitchFamily="18" charset="0"/>
-                        <a:ea typeface="Times New Roman" panose="02020603050405020304" pitchFamily="18" charset="0"/>
-                        <a:cs typeface="Times New Roman" panose="02020603050405020304" pitchFamily="18" charset="0"/>
-                      </a:endParaRPr>
-                    </a:p>
-                  </a:txBody>
-                  <a:tcPr marL="68580" marR="68580" marT="0" marB="0"/>
-                </a:tc>
-                <a:tc gridSpan="6">
-                  <a:txBody>
-                    <a:bodyPr/>
-                    <a:lstStyle/>
-                    <a:p>
-                      <a:pPr marL="0" marR="0" algn="ctr">
-                        <a:spcBef>
-                          <a:spcPts val="0"/>
-                        </a:spcBef>
-                        <a:spcAft>
-                          <a:spcPts val="0"/>
-                        </a:spcAft>
-                      </a:pPr>
-                      <a:r>
-                        <a:rPr lang="de-DE" sz="1600" dirty="0">
-                          <a:effectLst/>
-                        </a:rPr>
-                        <a:t>Theoriefeld </a:t>
-                      </a:r>
-                      <a:endParaRPr lang="en-US" sz="1600" dirty="0">
-                        <a:effectLst/>
-                        <a:latin typeface="Times New Roman" panose="02020603050405020304" pitchFamily="18" charset="0"/>
-                        <a:ea typeface="Times New Roman" panose="02020603050405020304" pitchFamily="18" charset="0"/>
-                        <a:cs typeface="Times New Roman" panose="02020603050405020304" pitchFamily="18" charset="0"/>
-                      </a:endParaRPr>
-                    </a:p>
-                  </a:txBody>
-                  <a:tcPr marL="68580" marR="68580" marT="0" marB="0"/>
-                </a:tc>
-                <a:tc hMerge="1">
-                  <a:txBody>
-                    <a:bodyPr/>
-                    <a:lstStyle/>
-                    <a:p>
-                      <a:endParaRPr lang="de-DE"/>
-                    </a:p>
-                  </a:txBody>
-                  <a:tcPr/>
-                </a:tc>
-                <a:tc hMerge="1">
-                  <a:txBody>
-                    <a:bodyPr/>
-                    <a:lstStyle/>
-                    <a:p>
-                      <a:endParaRPr lang="de-DE"/>
-                    </a:p>
-                  </a:txBody>
-                  <a:tcPr/>
-                </a:tc>
-                <a:tc hMerge="1">
-                  <a:txBody>
-                    <a:bodyPr/>
-                    <a:lstStyle/>
-                    <a:p>
-                      <a:pPr marL="0" marR="0" algn="ctr">
-                        <a:spcBef>
-                          <a:spcPts val="0"/>
-                        </a:spcBef>
-                        <a:spcAft>
-                          <a:spcPts val="0"/>
-                        </a:spcAft>
-                      </a:pPr>
-                      <a:endParaRPr lang="en-US" sz="1600" dirty="0">
-                        <a:effectLst/>
-                        <a:latin typeface="Times New Roman" panose="02020603050405020304" pitchFamily="18" charset="0"/>
-                        <a:ea typeface="Times New Roman" panose="02020603050405020304" pitchFamily="18" charset="0"/>
-                        <a:cs typeface="Times New Roman" panose="02020603050405020304" pitchFamily="18" charset="0"/>
-                      </a:endParaRPr>
-                    </a:p>
-                  </a:txBody>
-                  <a:tcPr marL="68580" marR="68580" marT="0" marB="0"/>
-                </a:tc>
-                <a:tc hMerge="1">
-                  <a:txBody>
-                    <a:bodyPr/>
-                    <a:lstStyle/>
-                    <a:p>
-                      <a:pPr marL="0" marR="0" algn="ctr">
-                        <a:spcBef>
-                          <a:spcPts val="0"/>
-                        </a:spcBef>
-                        <a:spcAft>
-                          <a:spcPts val="0"/>
-                        </a:spcAft>
-                      </a:pPr>
-                      <a:endParaRPr lang="en-US" sz="1600" dirty="0">
-                        <a:effectLst/>
-                        <a:latin typeface="Times New Roman" panose="02020603050405020304" pitchFamily="18" charset="0"/>
-                        <a:ea typeface="Times New Roman" panose="02020603050405020304" pitchFamily="18" charset="0"/>
-                        <a:cs typeface="Times New Roman" panose="02020603050405020304" pitchFamily="18" charset="0"/>
-                      </a:endParaRPr>
-                    </a:p>
-                  </a:txBody>
-                  <a:tcPr marL="68580" marR="68580" marT="0" marB="0"/>
-                </a:tc>
-                <a:tc hMerge="1">
-                  <a:txBody>
-                    <a:bodyPr/>
-                    <a:lstStyle/>
-                    <a:p>
-                      <a:pPr marL="0" marR="0" algn="ctr">
-                        <a:spcBef>
-                          <a:spcPts val="0"/>
-                        </a:spcBef>
-                        <a:spcAft>
-                          <a:spcPts val="0"/>
-                        </a:spcAft>
-                      </a:pPr>
-                      <a:endParaRPr lang="en-US" sz="1600" dirty="0">
-                        <a:effectLst/>
-                        <a:latin typeface="Times New Roman" panose="02020603050405020304" pitchFamily="18" charset="0"/>
-                        <a:ea typeface="Times New Roman" panose="02020603050405020304" pitchFamily="18" charset="0"/>
-                        <a:cs typeface="Times New Roman" panose="02020603050405020304" pitchFamily="18" charset="0"/>
-                      </a:endParaRPr>
-                    </a:p>
-                  </a:txBody>
-                  <a:tcPr marL="68580" marR="68580" marT="0" marB="0"/>
-                </a:tc>
-                <a:extLst>
-                  <a:ext uri="{0D108BD9-81ED-4DB2-BD59-A6C34878D82A}">
-                    <a16:rowId xmlns:a16="http://schemas.microsoft.com/office/drawing/2014/main" val="486818567"/>
-                  </a:ext>
-                </a:extLst>
-              </a:tr>
-              <a:tr h="541814">
-                <a:tc>
-                  <a:txBody>
-                    <a:bodyPr/>
-                    <a:lstStyle/>
-                    <a:p>
-                      <a:pPr marL="0" marR="0">
-                        <a:spcBef>
-                          <a:spcPts val="0"/>
-                        </a:spcBef>
-                        <a:spcAft>
-                          <a:spcPts val="0"/>
-                        </a:spcAft>
-                      </a:pPr>
-                      <a:r>
-                        <a:rPr lang="de-DE" sz="1600" dirty="0">
-                          <a:effectLst/>
-                        </a:rPr>
-                        <a:t> </a:t>
-                      </a:r>
-                      <a:endParaRPr lang="en-US" sz="1600" dirty="0">
-                        <a:effectLst/>
-                        <a:latin typeface="Times New Roman" panose="02020603050405020304" pitchFamily="18" charset="0"/>
-                        <a:ea typeface="Times New Roman" panose="02020603050405020304" pitchFamily="18" charset="0"/>
-                        <a:cs typeface="Times New Roman" panose="02020603050405020304" pitchFamily="18" charset="0"/>
-                      </a:endParaRPr>
-                    </a:p>
-                  </a:txBody>
-                  <a:tcPr marL="68580" marR="68580" marT="0" marB="0"/>
-                </a:tc>
-                <a:tc>
-                  <a:txBody>
-                    <a:bodyPr/>
-                    <a:lstStyle/>
-                    <a:p>
-                      <a:pPr marL="0" marR="0" algn="ctr">
-                        <a:spcBef>
-                          <a:spcPts val="0"/>
-                        </a:spcBef>
-                        <a:spcAft>
-                          <a:spcPts val="0"/>
-                        </a:spcAft>
-                      </a:pPr>
-                      <a:r>
-                        <a:rPr lang="de-DE" sz="1400" b="1" dirty="0">
-                          <a:effectLst/>
-                        </a:rPr>
-                        <a:t>Persönlichkeit</a:t>
-                      </a:r>
-                      <a:endParaRPr lang="en-US" sz="1400" b="1" dirty="0">
-                        <a:effectLst/>
-                        <a:latin typeface="Times New Roman" panose="02020603050405020304" pitchFamily="18" charset="0"/>
-                        <a:ea typeface="Times New Roman" panose="02020603050405020304" pitchFamily="18" charset="0"/>
-                        <a:cs typeface="Times New Roman" panose="02020603050405020304" pitchFamily="18" charset="0"/>
-                      </a:endParaRPr>
-                    </a:p>
-                  </a:txBody>
-                  <a:tcPr marL="68580" marR="68580" marT="0" marB="0"/>
-                </a:tc>
-                <a:tc>
-                  <a:txBody>
-                    <a:bodyPr/>
-                    <a:lstStyle/>
-                    <a:p>
-                      <a:pPr marL="0" marR="0" algn="ctr">
-                        <a:spcBef>
-                          <a:spcPts val="0"/>
-                        </a:spcBef>
-                        <a:spcAft>
-                          <a:spcPts val="0"/>
-                        </a:spcAft>
-                      </a:pPr>
-                      <a:r>
-                        <a:rPr lang="de-DE" sz="1400" b="1" dirty="0">
-                          <a:effectLst/>
-                        </a:rPr>
-                        <a:t>Werte und Normen</a:t>
-                      </a:r>
-                      <a:endParaRPr lang="en-US" sz="1400" b="1" dirty="0">
-                        <a:effectLst/>
-                        <a:latin typeface="Times New Roman" panose="02020603050405020304" pitchFamily="18" charset="0"/>
-                        <a:ea typeface="Times New Roman" panose="02020603050405020304" pitchFamily="18" charset="0"/>
-                        <a:cs typeface="Times New Roman" panose="02020603050405020304" pitchFamily="18" charset="0"/>
-                      </a:endParaRPr>
-                    </a:p>
-                  </a:txBody>
-                  <a:tcPr marL="68580" marR="68580" marT="0" marB="0"/>
-                </a:tc>
-                <a:tc>
-                  <a:txBody>
-                    <a:bodyPr/>
-                    <a:lstStyle/>
-                    <a:p>
-                      <a:pPr marL="0" marR="0" algn="ctr">
-                        <a:spcBef>
-                          <a:spcPts val="0"/>
-                        </a:spcBef>
-                        <a:spcAft>
-                          <a:spcPts val="0"/>
-                        </a:spcAft>
-                      </a:pPr>
-                      <a:r>
-                        <a:rPr lang="de-DE" sz="1400" b="1" dirty="0">
-                          <a:effectLst/>
-                        </a:rPr>
-                        <a:t>Ideologie</a:t>
-                      </a:r>
-                      <a:endParaRPr lang="en-US" sz="1400" b="1" dirty="0">
-                        <a:effectLst/>
-                        <a:latin typeface="Times New Roman" panose="02020603050405020304" pitchFamily="18" charset="0"/>
-                        <a:ea typeface="Times New Roman" panose="02020603050405020304" pitchFamily="18" charset="0"/>
-                        <a:cs typeface="Times New Roman" panose="02020603050405020304" pitchFamily="18" charset="0"/>
-                      </a:endParaRPr>
-                    </a:p>
-                  </a:txBody>
-                  <a:tcPr marL="68580" marR="68580" marT="0" marB="0"/>
-                </a:tc>
-                <a:tc>
-                  <a:txBody>
-                    <a:bodyPr/>
-                    <a:lstStyle/>
-                    <a:p>
-                      <a:pPr marL="0" marR="0" algn="ctr">
-                        <a:spcBef>
-                          <a:spcPts val="0"/>
-                        </a:spcBef>
-                        <a:spcAft>
-                          <a:spcPts val="0"/>
-                        </a:spcAft>
-                      </a:pPr>
-                      <a:r>
-                        <a:rPr lang="de-DE" sz="1400" b="1" dirty="0">
-                          <a:effectLst/>
-                          <a:latin typeface="+mj-lt"/>
-                          <a:ea typeface="Times New Roman" panose="02020603050405020304" pitchFamily="18" charset="0"/>
-                          <a:cs typeface="Times New Roman" panose="02020603050405020304" pitchFamily="18" charset="0"/>
-                        </a:rPr>
-                        <a:t>Gruppen und Identität</a:t>
-                      </a:r>
-                      <a:endParaRPr lang="en-US" sz="1400" b="1" dirty="0">
-                        <a:effectLst/>
-                        <a:latin typeface="+mj-lt"/>
-                        <a:ea typeface="Times New Roman" panose="02020603050405020304" pitchFamily="18" charset="0"/>
-                        <a:cs typeface="Times New Roman" panose="02020603050405020304" pitchFamily="18" charset="0"/>
-                      </a:endParaRPr>
-                    </a:p>
-                  </a:txBody>
-                  <a:tcPr marL="68580" marR="68580" marT="0" marB="0"/>
-                </a:tc>
-                <a:tc>
-                  <a:txBody>
-                    <a:bodyPr/>
-                    <a:lstStyle/>
-                    <a:p>
-                      <a:pPr marL="0" marR="0" algn="ctr">
-                        <a:spcBef>
-                          <a:spcPts val="0"/>
-                        </a:spcBef>
-                        <a:spcAft>
-                          <a:spcPts val="0"/>
-                        </a:spcAft>
-                      </a:pPr>
-                      <a:r>
-                        <a:rPr lang="de-DE" sz="1400" b="1" dirty="0">
-                          <a:effectLst/>
-                          <a:latin typeface="+mj-lt"/>
-                          <a:ea typeface="Times New Roman" panose="02020603050405020304" pitchFamily="18" charset="0"/>
-                          <a:cs typeface="Times New Roman" panose="02020603050405020304" pitchFamily="18" charset="0"/>
-                        </a:rPr>
-                        <a:t>Information</a:t>
-                      </a:r>
-                    </a:p>
-                    <a:p>
-                      <a:pPr marL="0" marR="0" algn="ctr">
-                        <a:spcBef>
-                          <a:spcPts val="0"/>
-                        </a:spcBef>
-                        <a:spcAft>
-                          <a:spcPts val="0"/>
-                        </a:spcAft>
-                      </a:pPr>
-                      <a:r>
-                        <a:rPr lang="de-DE" sz="1400" b="1" dirty="0">
-                          <a:effectLst/>
-                          <a:latin typeface="+mj-lt"/>
-                          <a:ea typeface="Times New Roman" panose="02020603050405020304" pitchFamily="18" charset="0"/>
-                          <a:cs typeface="Times New Roman" panose="02020603050405020304" pitchFamily="18" charset="0"/>
-                        </a:rPr>
-                        <a:t>und</a:t>
-                      </a:r>
-                    </a:p>
-                    <a:p>
-                      <a:pPr marL="0" marR="0" algn="ctr">
-                        <a:spcBef>
-                          <a:spcPts val="0"/>
-                        </a:spcBef>
-                        <a:spcAft>
-                          <a:spcPts val="0"/>
-                        </a:spcAft>
-                      </a:pPr>
-                      <a:r>
-                        <a:rPr lang="de-DE" sz="1400" b="1" dirty="0">
-                          <a:effectLst/>
-                          <a:latin typeface="+mj-lt"/>
-                          <a:ea typeface="Times New Roman" panose="02020603050405020304" pitchFamily="18" charset="0"/>
-                          <a:cs typeface="Times New Roman" panose="02020603050405020304" pitchFamily="18" charset="0"/>
-                        </a:rPr>
-                        <a:t> Heuristiken</a:t>
-                      </a:r>
-                      <a:endParaRPr lang="en-US" sz="1400" b="1" dirty="0">
-                        <a:effectLst/>
-                        <a:latin typeface="+mj-lt"/>
-                        <a:ea typeface="Times New Roman" panose="02020603050405020304" pitchFamily="18" charset="0"/>
-                        <a:cs typeface="Times New Roman" panose="02020603050405020304" pitchFamily="18" charset="0"/>
-                      </a:endParaRPr>
-                    </a:p>
-                  </a:txBody>
-                  <a:tcPr marL="68580" marR="68580" marT="0" marB="0"/>
-                </a:tc>
-                <a:tc>
-                  <a:txBody>
-                    <a:bodyPr/>
-                    <a:lstStyle/>
-                    <a:p>
-                      <a:pPr marL="0" marR="0" algn="ctr">
-                        <a:spcBef>
-                          <a:spcPts val="0"/>
-                        </a:spcBef>
-                        <a:spcAft>
-                          <a:spcPts val="0"/>
-                        </a:spcAft>
-                      </a:pPr>
-                      <a:r>
-                        <a:rPr lang="de-DE" sz="1400" b="1" dirty="0">
-                          <a:effectLst/>
-                          <a:latin typeface="+mj-lt"/>
-                          <a:ea typeface="Times New Roman" panose="02020603050405020304" pitchFamily="18" charset="0"/>
-                          <a:cs typeface="Times New Roman" panose="02020603050405020304" pitchFamily="18" charset="0"/>
-                        </a:rPr>
-                        <a:t>Emotionen</a:t>
-                      </a:r>
-                      <a:endParaRPr lang="en-US" sz="1400" b="1" dirty="0">
-                        <a:effectLst/>
-                        <a:latin typeface="+mj-lt"/>
-                        <a:ea typeface="Times New Roman" panose="02020603050405020304" pitchFamily="18" charset="0"/>
-                        <a:cs typeface="Times New Roman" panose="02020603050405020304" pitchFamily="18" charset="0"/>
-                      </a:endParaRPr>
-                    </a:p>
-                  </a:txBody>
-                  <a:tcPr marL="68580" marR="68580" marT="0" marB="0"/>
-                </a:tc>
-                <a:extLst>
-                  <a:ext uri="{0D108BD9-81ED-4DB2-BD59-A6C34878D82A}">
-                    <a16:rowId xmlns:a16="http://schemas.microsoft.com/office/drawing/2014/main" val="3657209897"/>
-                  </a:ext>
-                </a:extLst>
-              </a:tr>
-              <a:tr h="790464">
-                <a:tc>
-                  <a:txBody>
-                    <a:bodyPr/>
-                    <a:lstStyle/>
-                    <a:p>
-                      <a:pPr marL="0" marR="0">
-                        <a:spcBef>
-                          <a:spcPts val="0"/>
-                        </a:spcBef>
-                        <a:spcAft>
-                          <a:spcPts val="0"/>
-                        </a:spcAft>
-                      </a:pPr>
-                      <a:r>
-                        <a:rPr lang="de-DE" sz="1400" dirty="0">
-                          <a:solidFill>
-                            <a:schemeClr val="tx1"/>
-                          </a:solidFill>
-                          <a:effectLst/>
-                        </a:rPr>
-                        <a:t>Politische Einstellungen und Wahlverhalten</a:t>
-                      </a:r>
-                      <a:endParaRPr lang="en-US" sz="1400" dirty="0">
-                        <a:solidFill>
-                          <a:schemeClr val="tx1"/>
-                        </a:solidFill>
-                        <a:effectLst/>
-                        <a:latin typeface="Times New Roman" panose="02020603050405020304" pitchFamily="18" charset="0"/>
-                        <a:ea typeface="Times New Roman" panose="02020603050405020304" pitchFamily="18" charset="0"/>
-                        <a:cs typeface="Times New Roman" panose="02020603050405020304" pitchFamily="18" charset="0"/>
-                      </a:endParaRPr>
-                    </a:p>
-                  </a:txBody>
-                  <a:tcPr marL="68580" marR="68580" marT="0" marB="0" anchor="ctr"/>
-                </a:tc>
-                <a:tc>
-                  <a:txBody>
-                    <a:bodyPr/>
-                    <a:lstStyle/>
-                    <a:p>
-                      <a:pPr marL="0" marR="0" algn="ctr">
-                        <a:spcBef>
-                          <a:spcPts val="0"/>
-                        </a:spcBef>
-                        <a:spcAft>
-                          <a:spcPts val="0"/>
-                        </a:spcAft>
-                      </a:pPr>
-                      <a:r>
-                        <a:rPr lang="de-DE" sz="1600" dirty="0">
-                          <a:effectLst/>
-                          <a:latin typeface="+mj-lt"/>
-                        </a:rPr>
-                        <a:t>1-A</a:t>
-                      </a:r>
-                      <a:endParaRPr lang="en-US" sz="1600" dirty="0">
-                        <a:effectLst/>
-                        <a:latin typeface="+mj-lt"/>
-                        <a:ea typeface="Times New Roman" panose="02020603050405020304" pitchFamily="18" charset="0"/>
-                        <a:cs typeface="Times New Roman" panose="02020603050405020304" pitchFamily="18" charset="0"/>
-                      </a:endParaRPr>
-                    </a:p>
-                  </a:txBody>
-                  <a:tcPr marL="68580" marR="68580" marT="0" marB="0" anchor="ctr"/>
-                </a:tc>
-                <a:tc>
-                  <a:txBody>
-                    <a:bodyPr/>
-                    <a:lstStyle/>
-                    <a:p>
-                      <a:pPr marL="0" marR="0" algn="ctr">
-                        <a:spcBef>
-                          <a:spcPts val="0"/>
-                        </a:spcBef>
-                        <a:spcAft>
-                          <a:spcPts val="0"/>
-                        </a:spcAft>
-                      </a:pPr>
-                      <a:r>
-                        <a:rPr lang="de-DE" sz="1600">
-                          <a:effectLst/>
-                          <a:latin typeface="+mj-lt"/>
-                        </a:rPr>
-                        <a:t>2-A</a:t>
-                      </a:r>
-                      <a:endParaRPr lang="en-US" sz="1600">
-                        <a:effectLst/>
-                        <a:latin typeface="+mj-lt"/>
-                        <a:ea typeface="Times New Roman" panose="02020603050405020304" pitchFamily="18" charset="0"/>
-                        <a:cs typeface="Times New Roman" panose="02020603050405020304" pitchFamily="18" charset="0"/>
-                      </a:endParaRPr>
-                    </a:p>
-                  </a:txBody>
-                  <a:tcPr marL="68580" marR="68580" marT="0" marB="0" anchor="ctr"/>
-                </a:tc>
-                <a:tc>
-                  <a:txBody>
-                    <a:bodyPr/>
-                    <a:lstStyle/>
-                    <a:p>
-                      <a:pPr marL="0" marR="0" algn="ctr">
-                        <a:spcBef>
-                          <a:spcPts val="0"/>
-                        </a:spcBef>
-                        <a:spcAft>
-                          <a:spcPts val="0"/>
-                        </a:spcAft>
-                      </a:pPr>
-                      <a:r>
-                        <a:rPr lang="de-DE" sz="1600">
-                          <a:effectLst/>
-                          <a:latin typeface="+mj-lt"/>
-                        </a:rPr>
-                        <a:t>3-A</a:t>
-                      </a:r>
-                      <a:endParaRPr lang="en-US" sz="1600">
-                        <a:effectLst/>
-                        <a:latin typeface="+mj-lt"/>
-                        <a:ea typeface="Times New Roman" panose="02020603050405020304" pitchFamily="18" charset="0"/>
-                        <a:cs typeface="Times New Roman" panose="02020603050405020304" pitchFamily="18" charset="0"/>
-                      </a:endParaRPr>
-                    </a:p>
-                  </a:txBody>
-                  <a:tcPr marL="68580" marR="68580" marT="0" marB="0" anchor="ctr"/>
-                </a:tc>
-                <a:tc>
-                  <a:txBody>
-                    <a:bodyPr/>
-                    <a:lstStyle/>
-                    <a:p>
-                      <a:pPr marL="0" marR="0" algn="ctr">
-                        <a:spcBef>
-                          <a:spcPts val="0"/>
-                        </a:spcBef>
-                        <a:spcAft>
-                          <a:spcPts val="0"/>
-                        </a:spcAft>
-                      </a:pPr>
-                      <a:r>
-                        <a:rPr lang="en-US" sz="1600" dirty="0">
-                          <a:effectLst/>
-                          <a:latin typeface="+mj-lt"/>
-                          <a:ea typeface="Times New Roman" panose="02020603050405020304" pitchFamily="18" charset="0"/>
-                          <a:cs typeface="Times New Roman" panose="02020603050405020304" pitchFamily="18" charset="0"/>
-                        </a:rPr>
-                        <a:t>4-A</a:t>
-                      </a:r>
-                    </a:p>
-                  </a:txBody>
-                  <a:tcPr marL="68580" marR="68580" marT="0" marB="0" anchor="ctr"/>
-                </a:tc>
-                <a:tc>
-                  <a:txBody>
-                    <a:bodyPr/>
-                    <a:lstStyle/>
-                    <a:p>
-                      <a:pPr marL="0" marR="0" algn="ctr">
-                        <a:spcBef>
-                          <a:spcPts val="0"/>
-                        </a:spcBef>
-                        <a:spcAft>
-                          <a:spcPts val="0"/>
-                        </a:spcAft>
-                      </a:pPr>
-                      <a:r>
-                        <a:rPr lang="en-US" sz="1600" dirty="0">
-                          <a:effectLst/>
-                          <a:latin typeface="+mj-lt"/>
-                          <a:ea typeface="Times New Roman" panose="02020603050405020304" pitchFamily="18" charset="0"/>
-                          <a:cs typeface="Times New Roman" panose="02020603050405020304" pitchFamily="18" charset="0"/>
-                        </a:rPr>
-                        <a:t>5-A</a:t>
-                      </a:r>
-                    </a:p>
-                  </a:txBody>
-                  <a:tcPr marL="68580" marR="68580" marT="0" marB="0" anchor="ctr"/>
-                </a:tc>
-                <a:tc>
-                  <a:txBody>
-                    <a:bodyPr/>
-                    <a:lstStyle/>
-                    <a:p>
-                      <a:pPr marL="0" marR="0" algn="ctr">
-                        <a:spcBef>
-                          <a:spcPts val="0"/>
-                        </a:spcBef>
-                        <a:spcAft>
-                          <a:spcPts val="0"/>
-                        </a:spcAft>
-                      </a:pPr>
-                      <a:r>
-                        <a:rPr lang="en-US" sz="1600" dirty="0">
-                          <a:effectLst/>
-                          <a:latin typeface="+mj-lt"/>
-                          <a:ea typeface="Times New Roman" panose="02020603050405020304" pitchFamily="18" charset="0"/>
-                          <a:cs typeface="Times New Roman" panose="02020603050405020304" pitchFamily="18" charset="0"/>
-                        </a:rPr>
-                        <a:t>6-A</a:t>
-                      </a:r>
-                    </a:p>
-                  </a:txBody>
-                  <a:tcPr marL="68580" marR="68580" marT="0" marB="0" anchor="ctr"/>
-                </a:tc>
-                <a:extLst>
-                  <a:ext uri="{0D108BD9-81ED-4DB2-BD59-A6C34878D82A}">
-                    <a16:rowId xmlns:a16="http://schemas.microsoft.com/office/drawing/2014/main" val="2878414191"/>
-                  </a:ext>
-                </a:extLst>
-              </a:tr>
-              <a:tr h="316186">
-                <a:tc>
-                  <a:txBody>
-                    <a:bodyPr/>
-                    <a:lstStyle/>
-                    <a:p>
-                      <a:pPr marL="0" marR="0">
-                        <a:spcBef>
-                          <a:spcPts val="0"/>
-                        </a:spcBef>
-                        <a:spcAft>
-                          <a:spcPts val="0"/>
-                        </a:spcAft>
-                      </a:pPr>
-                      <a:endParaRPr lang="en-US" sz="1400" dirty="0">
-                        <a:solidFill>
-                          <a:schemeClr val="tx1"/>
-                        </a:solidFill>
-                        <a:effectLst/>
-                        <a:latin typeface="Times New Roman" panose="02020603050405020304" pitchFamily="18" charset="0"/>
-                        <a:ea typeface="Times New Roman" panose="02020603050405020304" pitchFamily="18" charset="0"/>
-                        <a:cs typeface="Times New Roman" panose="02020603050405020304" pitchFamily="18" charset="0"/>
-                      </a:endParaRPr>
-                    </a:p>
-                  </a:txBody>
-                  <a:tcPr marL="68580" marR="68580" marT="0" marB="0" anchor="ctr"/>
-                </a:tc>
-                <a:tc>
-                  <a:txBody>
-                    <a:bodyPr/>
-                    <a:lstStyle/>
-                    <a:p>
-                      <a:pPr marL="0" marR="0" algn="ctr">
-                        <a:spcBef>
-                          <a:spcPts val="0"/>
-                        </a:spcBef>
-                        <a:spcAft>
-                          <a:spcPts val="0"/>
-                        </a:spcAft>
-                      </a:pPr>
-                      <a:endParaRPr lang="en-US" sz="1600" dirty="0">
-                        <a:effectLst/>
-                        <a:latin typeface="+mj-lt"/>
-                        <a:ea typeface="Times New Roman" panose="02020603050405020304" pitchFamily="18" charset="0"/>
-                        <a:cs typeface="Times New Roman" panose="02020603050405020304" pitchFamily="18" charset="0"/>
-                      </a:endParaRPr>
-                    </a:p>
-                  </a:txBody>
-                  <a:tcPr marL="68580" marR="68580" marT="0" marB="0" anchor="ctr"/>
-                </a:tc>
-                <a:tc>
-                  <a:txBody>
-                    <a:bodyPr/>
-                    <a:lstStyle/>
-                    <a:p>
-                      <a:pPr marL="0" marR="0" algn="ctr">
-                        <a:spcBef>
-                          <a:spcPts val="0"/>
-                        </a:spcBef>
-                        <a:spcAft>
-                          <a:spcPts val="0"/>
-                        </a:spcAft>
-                      </a:pPr>
-                      <a:endParaRPr lang="en-US" sz="1600" dirty="0">
-                        <a:effectLst/>
-                        <a:latin typeface="+mj-lt"/>
-                        <a:ea typeface="Times New Roman" panose="02020603050405020304" pitchFamily="18" charset="0"/>
-                        <a:cs typeface="Times New Roman" panose="02020603050405020304" pitchFamily="18" charset="0"/>
-                      </a:endParaRPr>
-                    </a:p>
-                  </a:txBody>
-                  <a:tcPr marL="68580" marR="68580" marT="0" marB="0" anchor="ctr"/>
-                </a:tc>
-                <a:tc>
-                  <a:txBody>
-                    <a:bodyPr/>
-                    <a:lstStyle/>
-                    <a:p>
-                      <a:pPr marL="0" marR="0" algn="ctr">
-                        <a:spcBef>
-                          <a:spcPts val="0"/>
-                        </a:spcBef>
-                        <a:spcAft>
-                          <a:spcPts val="0"/>
-                        </a:spcAft>
-                      </a:pPr>
-                      <a:endParaRPr lang="en-US" sz="1600" dirty="0">
-                        <a:effectLst/>
-                        <a:latin typeface="+mj-lt"/>
-                        <a:ea typeface="Times New Roman" panose="02020603050405020304" pitchFamily="18" charset="0"/>
-                        <a:cs typeface="Times New Roman" panose="02020603050405020304" pitchFamily="18" charset="0"/>
-                      </a:endParaRPr>
-                    </a:p>
-                  </a:txBody>
-                  <a:tcPr marL="68580" marR="68580" marT="0" marB="0" anchor="ctr"/>
-                </a:tc>
-                <a:tc>
-                  <a:txBody>
-                    <a:bodyPr/>
-                    <a:lstStyle/>
-                    <a:p>
-                      <a:pPr marL="0" marR="0" algn="ctr">
-                        <a:spcBef>
-                          <a:spcPts val="0"/>
-                        </a:spcBef>
-                        <a:spcAft>
-                          <a:spcPts val="0"/>
-                        </a:spcAft>
-                      </a:pPr>
-                      <a:endParaRPr lang="en-US" sz="1600" dirty="0">
-                        <a:effectLst/>
-                        <a:latin typeface="+mj-lt"/>
-                        <a:ea typeface="Times New Roman" panose="02020603050405020304" pitchFamily="18" charset="0"/>
-                        <a:cs typeface="Times New Roman" panose="02020603050405020304" pitchFamily="18" charset="0"/>
-                      </a:endParaRPr>
-                    </a:p>
-                  </a:txBody>
-                  <a:tcPr marL="68580" marR="68580" marT="0" marB="0" anchor="ctr"/>
-                </a:tc>
-                <a:tc>
-                  <a:txBody>
-                    <a:bodyPr/>
-                    <a:lstStyle/>
-                    <a:p>
-                      <a:pPr marL="0" marR="0" algn="ctr">
-                        <a:spcBef>
-                          <a:spcPts val="0"/>
-                        </a:spcBef>
-                        <a:spcAft>
-                          <a:spcPts val="0"/>
-                        </a:spcAft>
-                      </a:pPr>
-                      <a:endParaRPr lang="en-US" sz="1600" dirty="0">
-                        <a:effectLst/>
-                        <a:latin typeface="+mj-lt"/>
-                        <a:ea typeface="Times New Roman" panose="02020603050405020304" pitchFamily="18" charset="0"/>
-                        <a:cs typeface="Times New Roman" panose="02020603050405020304" pitchFamily="18" charset="0"/>
-                      </a:endParaRPr>
-                    </a:p>
-                  </a:txBody>
-                  <a:tcPr marL="68580" marR="68580" marT="0" marB="0" anchor="ctr"/>
-                </a:tc>
-                <a:tc>
-                  <a:txBody>
-                    <a:bodyPr/>
-                    <a:lstStyle/>
-                    <a:p>
-                      <a:pPr marL="0" marR="0" algn="ctr">
-                        <a:spcBef>
-                          <a:spcPts val="0"/>
-                        </a:spcBef>
-                        <a:spcAft>
-                          <a:spcPts val="0"/>
-                        </a:spcAft>
-                      </a:pPr>
-                      <a:endParaRPr lang="en-US" sz="1600" dirty="0">
-                        <a:effectLst/>
-                        <a:latin typeface="+mj-lt"/>
-                        <a:ea typeface="Times New Roman" panose="02020603050405020304" pitchFamily="18" charset="0"/>
-                        <a:cs typeface="Times New Roman" panose="02020603050405020304" pitchFamily="18" charset="0"/>
-                      </a:endParaRPr>
-                    </a:p>
-                  </a:txBody>
-                  <a:tcPr marL="68580" marR="68580" marT="0" marB="0" anchor="ctr"/>
-                </a:tc>
-                <a:extLst>
-                  <a:ext uri="{0D108BD9-81ED-4DB2-BD59-A6C34878D82A}">
-                    <a16:rowId xmlns:a16="http://schemas.microsoft.com/office/drawing/2014/main" val="4199074025"/>
-                  </a:ext>
-                </a:extLst>
-              </a:tr>
-              <a:tr h="948558">
-                <a:tc>
-                  <a:txBody>
-                    <a:bodyPr/>
-                    <a:lstStyle/>
-                    <a:p>
-                      <a:pPr marL="0" marR="0">
-                        <a:spcBef>
-                          <a:spcPts val="0"/>
-                        </a:spcBef>
-                        <a:spcAft>
-                          <a:spcPts val="0"/>
-                        </a:spcAft>
-                      </a:pPr>
-                      <a:r>
-                        <a:rPr lang="de-DE" sz="1400" dirty="0">
-                          <a:solidFill>
-                            <a:schemeClr val="tx1"/>
-                          </a:solidFill>
-                          <a:effectLst/>
-                        </a:rPr>
-                        <a:t>Vorurteile, Rassismus &amp; gruppenbezogene Menschenfeindlichkeit</a:t>
-                      </a:r>
-                      <a:endParaRPr lang="en-US" sz="1400" dirty="0">
-                        <a:solidFill>
-                          <a:schemeClr val="tx1"/>
-                        </a:solidFill>
-                        <a:effectLst/>
-                        <a:latin typeface="Times New Roman" panose="02020603050405020304" pitchFamily="18" charset="0"/>
-                        <a:ea typeface="Times New Roman" panose="02020603050405020304" pitchFamily="18" charset="0"/>
-                        <a:cs typeface="Times New Roman" panose="02020603050405020304" pitchFamily="18" charset="0"/>
-                      </a:endParaRPr>
-                    </a:p>
-                  </a:txBody>
-                  <a:tcPr marL="68580" marR="68580" marT="0" marB="0" anchor="ctr"/>
-                </a:tc>
-                <a:tc>
-                  <a:txBody>
-                    <a:bodyPr/>
-                    <a:lstStyle/>
-                    <a:p>
-                      <a:pPr marL="0" marR="0" algn="ctr">
-                        <a:spcBef>
-                          <a:spcPts val="0"/>
-                        </a:spcBef>
-                        <a:spcAft>
-                          <a:spcPts val="0"/>
-                        </a:spcAft>
-                      </a:pPr>
-                      <a:r>
-                        <a:rPr lang="de-DE" sz="1600" dirty="0">
-                          <a:effectLst/>
-                          <a:latin typeface="+mj-lt"/>
-                        </a:rPr>
-                        <a:t>1-B</a:t>
-                      </a:r>
-                      <a:endParaRPr lang="en-US" sz="1600" dirty="0">
-                        <a:effectLst/>
-                        <a:latin typeface="+mj-lt"/>
-                        <a:ea typeface="Times New Roman" panose="02020603050405020304" pitchFamily="18" charset="0"/>
-                        <a:cs typeface="Times New Roman" panose="02020603050405020304" pitchFamily="18" charset="0"/>
-                      </a:endParaRPr>
-                    </a:p>
-                  </a:txBody>
-                  <a:tcPr marL="68580" marR="68580" marT="0" marB="0" anchor="ctr"/>
-                </a:tc>
-                <a:tc>
-                  <a:txBody>
-                    <a:bodyPr/>
-                    <a:lstStyle/>
-                    <a:p>
-                      <a:pPr marL="0" marR="0" algn="ctr">
-                        <a:spcBef>
-                          <a:spcPts val="0"/>
-                        </a:spcBef>
-                        <a:spcAft>
-                          <a:spcPts val="0"/>
-                        </a:spcAft>
-                      </a:pPr>
-                      <a:r>
-                        <a:rPr lang="de-DE" sz="1600" dirty="0">
-                          <a:effectLst/>
-                          <a:latin typeface="+mj-lt"/>
-                        </a:rPr>
-                        <a:t>2-B</a:t>
-                      </a:r>
-                      <a:endParaRPr lang="en-US" sz="1600" dirty="0">
-                        <a:effectLst/>
-                        <a:latin typeface="+mj-lt"/>
-                        <a:ea typeface="Times New Roman" panose="02020603050405020304" pitchFamily="18" charset="0"/>
-                        <a:cs typeface="Times New Roman" panose="02020603050405020304" pitchFamily="18" charset="0"/>
-                      </a:endParaRPr>
-                    </a:p>
-                  </a:txBody>
-                  <a:tcPr marL="68580" marR="68580" marT="0" marB="0" anchor="ctr"/>
-                </a:tc>
-                <a:tc>
-                  <a:txBody>
-                    <a:bodyPr/>
-                    <a:lstStyle/>
-                    <a:p>
-                      <a:pPr marL="0" marR="0" algn="ctr">
-                        <a:spcBef>
-                          <a:spcPts val="0"/>
-                        </a:spcBef>
-                        <a:spcAft>
-                          <a:spcPts val="0"/>
-                        </a:spcAft>
-                      </a:pPr>
-                      <a:r>
-                        <a:rPr lang="de-DE" sz="1600" dirty="0">
-                          <a:effectLst/>
-                          <a:latin typeface="+mj-lt"/>
-                        </a:rPr>
-                        <a:t>3-B</a:t>
-                      </a:r>
-                      <a:endParaRPr lang="en-US" sz="1600" dirty="0">
-                        <a:effectLst/>
-                        <a:latin typeface="+mj-lt"/>
-                        <a:ea typeface="Times New Roman" panose="02020603050405020304" pitchFamily="18" charset="0"/>
-                        <a:cs typeface="Times New Roman" panose="02020603050405020304" pitchFamily="18" charset="0"/>
-                      </a:endParaRPr>
-                    </a:p>
-                  </a:txBody>
-                  <a:tcPr marL="68580" marR="68580" marT="0" marB="0" anchor="ctr"/>
-                </a:tc>
-                <a:tc>
-                  <a:txBody>
-                    <a:bodyPr/>
-                    <a:lstStyle/>
-                    <a:p>
-                      <a:pPr marL="0" marR="0" algn="ctr">
-                        <a:spcBef>
-                          <a:spcPts val="0"/>
-                        </a:spcBef>
-                        <a:spcAft>
-                          <a:spcPts val="0"/>
-                        </a:spcAft>
-                      </a:pPr>
-                      <a:r>
-                        <a:rPr lang="en-US" sz="1600" dirty="0">
-                          <a:effectLst/>
-                          <a:latin typeface="+mj-lt"/>
-                          <a:ea typeface="Times New Roman" panose="02020603050405020304" pitchFamily="18" charset="0"/>
-                          <a:cs typeface="Times New Roman" panose="02020603050405020304" pitchFamily="18" charset="0"/>
-                        </a:rPr>
-                        <a:t>4-B</a:t>
-                      </a:r>
-                    </a:p>
-                  </a:txBody>
-                  <a:tcPr marL="68580" marR="68580" marT="0" marB="0" anchor="ctr"/>
-                </a:tc>
-                <a:tc>
-                  <a:txBody>
-                    <a:bodyPr/>
-                    <a:lstStyle/>
-                    <a:p>
-                      <a:pPr marL="0" marR="0" algn="ctr">
-                        <a:spcBef>
-                          <a:spcPts val="0"/>
-                        </a:spcBef>
-                        <a:spcAft>
-                          <a:spcPts val="0"/>
-                        </a:spcAft>
-                      </a:pPr>
-                      <a:r>
-                        <a:rPr lang="en-US" sz="1600" dirty="0">
-                          <a:effectLst/>
-                          <a:latin typeface="+mj-lt"/>
-                          <a:ea typeface="Times New Roman" panose="02020603050405020304" pitchFamily="18" charset="0"/>
-                          <a:cs typeface="Times New Roman" panose="02020603050405020304" pitchFamily="18" charset="0"/>
-                        </a:rPr>
-                        <a:t>5-B</a:t>
-                      </a:r>
-                    </a:p>
-                  </a:txBody>
-                  <a:tcPr marL="68580" marR="68580" marT="0" marB="0" anchor="ctr"/>
-                </a:tc>
-                <a:tc>
-                  <a:txBody>
-                    <a:bodyPr/>
-                    <a:lstStyle/>
-                    <a:p>
-                      <a:pPr marL="0" marR="0" algn="ctr">
-                        <a:spcBef>
-                          <a:spcPts val="0"/>
-                        </a:spcBef>
-                        <a:spcAft>
-                          <a:spcPts val="0"/>
-                        </a:spcAft>
-                      </a:pPr>
-                      <a:r>
-                        <a:rPr lang="en-US" sz="1600" dirty="0">
-                          <a:effectLst/>
-                          <a:latin typeface="+mj-lt"/>
-                          <a:ea typeface="Times New Roman" panose="02020603050405020304" pitchFamily="18" charset="0"/>
-                          <a:cs typeface="Times New Roman" panose="02020603050405020304" pitchFamily="18" charset="0"/>
-                        </a:rPr>
-                        <a:t>6-B</a:t>
-                      </a:r>
-                    </a:p>
-                  </a:txBody>
-                  <a:tcPr marL="68580" marR="68580" marT="0" marB="0" anchor="ctr"/>
-                </a:tc>
-                <a:extLst>
-                  <a:ext uri="{0D108BD9-81ED-4DB2-BD59-A6C34878D82A}">
-                    <a16:rowId xmlns:a16="http://schemas.microsoft.com/office/drawing/2014/main" val="1067210418"/>
-                  </a:ext>
-                </a:extLst>
-              </a:tr>
-            </a:tbl>
-          </a:graphicData>
-        </a:graphic>
-      </p:graphicFrame>
-    </p:spTree>
-    <p:extLst>
-      <p:ext uri="{BB962C8B-B14F-4D97-AF65-F5344CB8AC3E}">
-        <p14:creationId xmlns:p14="http://schemas.microsoft.com/office/powerpoint/2010/main" val="2106003604"/>
-      </p:ext>
-    </p:extLst>
-  </p:cSld>
-  <p:clrMapOvr>
-    <a:masterClrMapping/>
-  </p:clrMapOvr>
-  <p:transition spd="slow"/>
-</p:sld>
-</file>
-
-<file path=ppt/slides/slide26.xml><?xml version="1.0" encoding="utf-8"?>
-<p:sld xmlns:a="http://schemas.openxmlformats.org/drawingml/2006/main" xmlns:r="http://schemas.openxmlformats.org/officeDocument/2006/relationships" xmlns:p="http://schemas.openxmlformats.org/presentationml/2006/main">
-  <p:cSld>
-    <p:spTree>
-      <p:nvGrpSpPr>
-        <p:cNvPr id="1" name=""/>
-        <p:cNvGrpSpPr/>
-        <p:nvPr/>
-      </p:nvGrpSpPr>
-      <p:grpSpPr>
-        <a:xfrm>
-          <a:off x="0" y="0"/>
-          <a:ext cx="0" cy="0"/>
-          <a:chOff x="0" y="0"/>
-          <a:chExt cx="0" cy="0"/>
-        </a:xfrm>
-      </p:grpSpPr>
-      <p:sp>
-        <p:nvSpPr>
-          <p:cNvPr id="2" name="Title 1">
-            <a:extLst>
-              <a:ext uri="{FF2B5EF4-FFF2-40B4-BE49-F238E27FC236}">
-                <a16:creationId xmlns:a16="http://schemas.microsoft.com/office/drawing/2014/main" id="{FBF40628-DDF3-4ADD-8558-AB058301EB29}"/>
-              </a:ext>
-            </a:extLst>
-          </p:cNvPr>
-          <p:cNvSpPr>
-            <a:spLocks noGrp="1"/>
-          </p:cNvSpPr>
-          <p:nvPr>
-            <p:ph type="title"/>
-          </p:nvPr>
-        </p:nvSpPr>
-        <p:spPr/>
-        <p:txBody>
-          <a:bodyPr/>
-          <a:lstStyle/>
-          <a:p>
-            <a:r>
-              <a:rPr lang="en-US" dirty="0" err="1"/>
-              <a:t>Vorstellung</a:t>
-            </a:r>
-            <a:r>
-              <a:rPr lang="en-US" dirty="0"/>
-              <a:t> II: </a:t>
-            </a:r>
-            <a:r>
-              <a:rPr lang="en-US" dirty="0" err="1"/>
-              <a:t>Eigene</a:t>
-            </a:r>
-            <a:r>
-              <a:rPr lang="en-US" dirty="0"/>
-              <a:t> </a:t>
-            </a:r>
-            <a:r>
-              <a:rPr lang="en-US" dirty="0" err="1"/>
-              <a:t>Forschung</a:t>
-            </a:r>
-            <a:r>
-              <a:rPr lang="en-US" dirty="0"/>
-              <a:t> </a:t>
-            </a:r>
-            <a:endParaRPr lang="de-DE" dirty="0"/>
-          </a:p>
-        </p:txBody>
-      </p:sp>
-      <p:sp>
-        <p:nvSpPr>
-          <p:cNvPr id="3" name="Content Placeholder 2">
-            <a:extLst>
-              <a:ext uri="{FF2B5EF4-FFF2-40B4-BE49-F238E27FC236}">
-                <a16:creationId xmlns:a16="http://schemas.microsoft.com/office/drawing/2014/main" id="{1F105AE2-F173-4F10-B415-4027EAE2F22D}"/>
-              </a:ext>
-            </a:extLst>
-          </p:cNvPr>
-          <p:cNvSpPr>
-            <a:spLocks noGrp="1"/>
-          </p:cNvSpPr>
-          <p:nvPr>
-            <p:ph idx="1"/>
-          </p:nvPr>
-        </p:nvSpPr>
-        <p:spPr/>
-        <p:txBody>
-          <a:bodyPr/>
-          <a:lstStyle/>
-          <a:p>
-            <a:pPr marL="285750" indent="-285750">
-              <a:buFont typeface="Arial" panose="020B0604020202020204" pitchFamily="34" charset="0"/>
-              <a:buChar char="•"/>
-            </a:pPr>
-            <a:r>
-              <a:rPr lang="de-DE" sz="2400" dirty="0"/>
-              <a:t>Effekte von wirtschaftlicher und sozialer Unsicherheit auf politische Wahrnehmungen und Verhalten </a:t>
-            </a:r>
-          </a:p>
-          <a:p>
-            <a:pPr marL="285750" indent="-285750">
-              <a:buFont typeface="Arial" panose="020B0604020202020204" pitchFamily="34" charset="0"/>
-              <a:buChar char="•"/>
-            </a:pPr>
-            <a:r>
-              <a:rPr lang="de-DE" sz="2400" dirty="0"/>
-              <a:t>Interaktion mit institutionellen Rahmenbedingungen </a:t>
-            </a:r>
-          </a:p>
-          <a:p>
-            <a:pPr marL="641350" lvl="1" indent="-285750">
-              <a:buFont typeface="Arial" panose="020B0604020202020204" pitchFamily="34" charset="0"/>
-              <a:buChar char="•"/>
-            </a:pPr>
-            <a:r>
-              <a:rPr lang="de-DE" sz="2400" dirty="0"/>
-              <a:t>Vertrauen </a:t>
-            </a:r>
-          </a:p>
-          <a:p>
-            <a:pPr marL="641350" lvl="1" indent="-285750">
-              <a:buFont typeface="Arial" panose="020B0604020202020204" pitchFamily="34" charset="0"/>
-              <a:buChar char="•"/>
-            </a:pPr>
-            <a:r>
-              <a:rPr lang="de-DE" sz="2400" dirty="0"/>
-              <a:t>Politische Selbstwirksamkeit </a:t>
-            </a:r>
-          </a:p>
-          <a:p>
-            <a:pPr marL="641350" lvl="1" indent="-285750">
-              <a:buFont typeface="Arial" panose="020B0604020202020204" pitchFamily="34" charset="0"/>
-              <a:buChar char="•"/>
-            </a:pPr>
-            <a:r>
-              <a:rPr lang="de-DE" sz="2400" dirty="0"/>
-              <a:t>Anti-Eliten Politik </a:t>
-            </a:r>
-          </a:p>
-          <a:p>
-            <a:pPr marL="641350" lvl="1" indent="-285750">
-              <a:buFont typeface="Arial" panose="020B0604020202020204" pitchFamily="34" charset="0"/>
-              <a:buChar char="•"/>
-            </a:pPr>
-            <a:r>
-              <a:rPr lang="de-DE" sz="2400" dirty="0"/>
-              <a:t>Sozialstaatliche Maßnahmen </a:t>
-            </a:r>
-          </a:p>
-          <a:p>
-            <a:pPr marL="641350" lvl="1" indent="-285750">
-              <a:buFont typeface="Arial" panose="020B0604020202020204" pitchFamily="34" charset="0"/>
-              <a:buChar char="•"/>
-            </a:pPr>
-            <a:r>
-              <a:rPr lang="de-DE" sz="2400" dirty="0"/>
-              <a:t>Emotionen und Politische Psychologie  </a:t>
-            </a:r>
-          </a:p>
-          <a:p>
-            <a:pPr marL="641350" lvl="1" indent="-285750">
-              <a:buFont typeface="Arial" panose="020B0604020202020204" pitchFamily="34" charset="0"/>
-              <a:buChar char="•"/>
-            </a:pPr>
-            <a:r>
-              <a:rPr lang="de-DE" sz="2400" dirty="0"/>
-              <a:t>Rassismus und Gruppenbezogene Menschenfeindlichkeit</a:t>
-            </a:r>
-          </a:p>
-          <a:p>
-            <a:pPr marL="285750" indent="-285750">
-              <a:buFont typeface="Arial" panose="020B0604020202020204" pitchFamily="34" charset="0"/>
-              <a:buChar char="•"/>
-            </a:pPr>
-            <a:endParaRPr lang="de-DE" sz="2400" dirty="0"/>
-          </a:p>
-          <a:p>
-            <a:pPr marL="285750" indent="-285750">
-              <a:buFont typeface="Arial" panose="020B0604020202020204" pitchFamily="34" charset="0"/>
-              <a:buChar char="•"/>
-            </a:pPr>
-            <a:endParaRPr lang="de-DE" sz="2400" dirty="0"/>
-          </a:p>
-          <a:p>
-            <a:endParaRPr lang="de-DE" sz="2400" dirty="0"/>
-          </a:p>
-        </p:txBody>
-      </p:sp>
-    </p:spTree>
-    <p:extLst>
-      <p:ext uri="{BB962C8B-B14F-4D97-AF65-F5344CB8AC3E}">
-        <p14:creationId xmlns:p14="http://schemas.microsoft.com/office/powerpoint/2010/main" val="937996676"/>
-      </p:ext>
-    </p:extLst>
-  </p:cSld>
-  <p:clrMapOvr>
-    <a:masterClrMapping/>
-  </p:clrMapOvr>
-  <p:transition spd="slow"/>
-</p:sld>
-</file>
-
-<file path=ppt/slides/slide27.xml><?xml version="1.0" encoding="utf-8"?>
-<p:sld xmlns:a="http://schemas.openxmlformats.org/drawingml/2006/main" xmlns:r="http://schemas.openxmlformats.org/officeDocument/2006/relationships" xmlns:p="http://schemas.openxmlformats.org/presentationml/2006/main">
-  <p:cSld>
-    <p:spTree>
-      <p:nvGrpSpPr>
-        <p:cNvPr id="1" name=""/>
-        <p:cNvGrpSpPr/>
-        <p:nvPr/>
-      </p:nvGrpSpPr>
-      <p:grpSpPr>
-        <a:xfrm>
-          <a:off x="0" y="0"/>
-          <a:ext cx="0" cy="0"/>
-          <a:chOff x="0" y="0"/>
-          <a:chExt cx="0" cy="0"/>
-        </a:xfrm>
-      </p:grpSpPr>
-      <p:sp>
-        <p:nvSpPr>
-          <p:cNvPr id="2" name="Title 1">
-            <a:extLst>
-              <a:ext uri="{FF2B5EF4-FFF2-40B4-BE49-F238E27FC236}">
-                <a16:creationId xmlns:a16="http://schemas.microsoft.com/office/drawing/2014/main" id="{D799B1F5-8B8C-4A47-84AF-4ED4738769E4}"/>
-              </a:ext>
-            </a:extLst>
-          </p:cNvPr>
-          <p:cNvSpPr>
-            <a:spLocks noGrp="1"/>
-          </p:cNvSpPr>
-          <p:nvPr>
-            <p:ph type="title"/>
-          </p:nvPr>
-        </p:nvSpPr>
-        <p:spPr/>
-        <p:txBody>
-          <a:bodyPr/>
-          <a:lstStyle/>
-          <a:p>
-            <a:r>
-              <a:rPr lang="en-US" dirty="0" err="1"/>
-              <a:t>Wer</a:t>
-            </a:r>
-            <a:r>
-              <a:rPr lang="en-US" dirty="0"/>
-              <a:t> </a:t>
-            </a:r>
-            <a:r>
-              <a:rPr lang="en-US" dirty="0" err="1"/>
-              <a:t>seid</a:t>
-            </a:r>
-            <a:r>
-              <a:rPr lang="en-US" dirty="0"/>
-              <a:t> </a:t>
-            </a:r>
-            <a:r>
-              <a:rPr lang="en-US" dirty="0" err="1"/>
-              <a:t>ihr</a:t>
-            </a:r>
-            <a:r>
-              <a:rPr lang="en-US" dirty="0"/>
-              <a:t>? </a:t>
-            </a:r>
-            <a:endParaRPr lang="de-DE" dirty="0"/>
-          </a:p>
-        </p:txBody>
-      </p:sp>
-      <p:sp>
-        <p:nvSpPr>
-          <p:cNvPr id="3" name="Content Placeholder 2">
-            <a:extLst>
-              <a:ext uri="{FF2B5EF4-FFF2-40B4-BE49-F238E27FC236}">
-                <a16:creationId xmlns:a16="http://schemas.microsoft.com/office/drawing/2014/main" id="{5C07815A-E060-4191-9240-AD4D87886E72}"/>
-              </a:ext>
-            </a:extLst>
-          </p:cNvPr>
-          <p:cNvSpPr>
-            <a:spLocks noGrp="1"/>
-          </p:cNvSpPr>
-          <p:nvPr>
-            <p:ph idx="1"/>
-          </p:nvPr>
-        </p:nvSpPr>
-        <p:spPr/>
-        <p:txBody>
-          <a:bodyPr/>
-          <a:lstStyle/>
-          <a:p>
-            <a:r>
-              <a:rPr lang="de-DE" sz="2000" dirty="0"/>
-              <a:t>Warum haben Sie diesen Kurs ausgewählt?</a:t>
-            </a:r>
-          </a:p>
-          <a:p>
-            <a:r>
-              <a:rPr lang="de-DE" sz="2000" dirty="0"/>
-              <a:t>	Hintergrund in Psychologie </a:t>
-            </a:r>
-          </a:p>
-          <a:p>
-            <a:r>
-              <a:rPr lang="de-DE" sz="2000" dirty="0"/>
-              <a:t>	Hintergrund in Politikwissenschaften </a:t>
-            </a:r>
-          </a:p>
-          <a:p>
-            <a:r>
-              <a:rPr lang="de-DE" sz="2000" dirty="0"/>
-              <a:t>Empirische Forschung:</a:t>
-            </a:r>
-          </a:p>
-          <a:p>
-            <a:pPr lvl="1">
-              <a:buFont typeface="Arial" panose="020B0604020202020204" pitchFamily="34" charset="0"/>
-              <a:buChar char="•"/>
-            </a:pPr>
-            <a:r>
-              <a:rPr lang="de-DE" sz="2000" dirty="0"/>
-              <a:t>Wie würden Sie Ihre Kenntnisse im Bereich quantitative Methoden der empirischen Sozialforschung bewerten (0 – 10)? </a:t>
-            </a:r>
-          </a:p>
-          <a:p>
-            <a:pPr lvl="1">
-              <a:buFont typeface="Arial" panose="020B0604020202020204" pitchFamily="34" charset="0"/>
-              <a:buChar char="•"/>
-            </a:pPr>
-            <a:r>
-              <a:rPr lang="de-DE" sz="2000" dirty="0"/>
-              <a:t>Und Ihre Kenntnisse in R? (0 – 10) </a:t>
-            </a:r>
-          </a:p>
-          <a:p>
-            <a:pPr lvl="1">
-              <a:buFont typeface="Arial" panose="020B0604020202020204" pitchFamily="34" charset="0"/>
-              <a:buChar char="•"/>
-            </a:pPr>
-            <a:r>
-              <a:rPr lang="de-DE" sz="2000" dirty="0"/>
-              <a:t>Welche Methoden haben Sie in Ihrer BA-Arbeit benutzt?</a:t>
-            </a:r>
-          </a:p>
-          <a:p>
-            <a:endParaRPr lang="de-DE" sz="2000" dirty="0"/>
-          </a:p>
-        </p:txBody>
-      </p:sp>
-    </p:spTree>
-    <p:extLst>
-      <p:ext uri="{BB962C8B-B14F-4D97-AF65-F5344CB8AC3E}">
-        <p14:creationId xmlns:p14="http://schemas.microsoft.com/office/powerpoint/2010/main" val="1978773447"/>
-      </p:ext>
-    </p:extLst>
-  </p:cSld>
-  <p:clrMapOvr>
-    <a:masterClrMapping/>
-  </p:clrMapOvr>
-  <p:transition spd="slow"/>
-</p:sld>
-</file>
-
-<file path=ppt/slides/slide28.xml><?xml version="1.0" encoding="utf-8"?>
-<p:sld xmlns:a="http://schemas.openxmlformats.org/drawingml/2006/main" xmlns:r="http://schemas.openxmlformats.org/officeDocument/2006/relationships" xmlns:p="http://schemas.openxmlformats.org/presentationml/2006/main">
-  <p:cSld>
-    <p:spTree>
-      <p:nvGrpSpPr>
-        <p:cNvPr id="1" name=""/>
-        <p:cNvGrpSpPr/>
-        <p:nvPr/>
-      </p:nvGrpSpPr>
-      <p:grpSpPr>
-        <a:xfrm>
-          <a:off x="0" y="0"/>
-          <a:ext cx="0" cy="0"/>
-          <a:chOff x="0" y="0"/>
-          <a:chExt cx="0" cy="0"/>
-        </a:xfrm>
-      </p:grpSpPr>
-      <p:sp>
-        <p:nvSpPr>
-          <p:cNvPr id="2" name="Title 1"/>
-          <p:cNvSpPr>
-            <a:spLocks noGrp="1"/>
-          </p:cNvSpPr>
-          <p:nvPr>
-            <p:ph type="title"/>
-          </p:nvPr>
-        </p:nvSpPr>
-        <p:spPr/>
-        <p:txBody>
-          <a:bodyPr/>
-          <a:lstStyle/>
-          <a:p>
-            <a:r>
-              <a:rPr lang="de-DE" dirty="0"/>
-              <a:t>Vorstellung</a:t>
-            </a:r>
-          </a:p>
-        </p:txBody>
-      </p:sp>
-      <p:sp>
-        <p:nvSpPr>
-          <p:cNvPr id="3" name="Content Placeholder 2"/>
-          <p:cNvSpPr>
-            <a:spLocks noGrp="1"/>
-          </p:cNvSpPr>
-          <p:nvPr>
-            <p:ph idx="1"/>
-          </p:nvPr>
-        </p:nvSpPr>
-        <p:spPr>
-          <a:xfrm>
-            <a:off x="250825" y="1214438"/>
-            <a:ext cx="6556375" cy="3646487"/>
-          </a:xfrm>
-        </p:spPr>
-        <p:txBody>
-          <a:bodyPr/>
-          <a:lstStyle/>
-          <a:p>
-            <a:pPr marL="285750" indent="-285750">
-              <a:buFont typeface="Arial" panose="020B0604020202020204" pitchFamily="34" charset="0"/>
-              <a:buChar char="•"/>
-            </a:pPr>
-            <a:r>
-              <a:rPr lang="de-DE" sz="2400" dirty="0">
-                <a:hlinkClick r:id="rId2"/>
-              </a:rPr>
-              <a:t>FU Link</a:t>
-            </a:r>
-            <a:r>
-              <a:rPr lang="de-DE" sz="2400" dirty="0"/>
-              <a:t> </a:t>
-            </a:r>
-          </a:p>
-          <a:p>
-            <a:pPr marL="285750" indent="-285750">
-              <a:buFont typeface="Arial" panose="020B0604020202020204" pitchFamily="34" charset="0"/>
-              <a:buChar char="•"/>
-            </a:pPr>
-            <a:endParaRPr lang="de-DE" sz="2400" dirty="0"/>
-          </a:p>
-          <a:p>
-            <a:pPr marL="285750" indent="-285750">
-              <a:buFont typeface="Arial" panose="020B0604020202020204" pitchFamily="34" charset="0"/>
-              <a:buChar char="•"/>
-            </a:pPr>
-            <a:r>
-              <a:rPr lang="de-DE" sz="2400" dirty="0"/>
-              <a:t>Sprechstunde: Dienstag 12-14 Uhr </a:t>
-            </a:r>
-            <a:r>
-              <a:rPr lang="en-US" sz="2400" dirty="0" err="1"/>
-              <a:t>Ihnestraße</a:t>
-            </a:r>
-            <a:r>
-              <a:rPr lang="en-US" sz="2400" dirty="0"/>
-              <a:t> </a:t>
-            </a:r>
-            <a:r>
-              <a:rPr lang="de-DE" sz="2400" dirty="0"/>
-              <a:t> 22 – Webex</a:t>
-            </a:r>
-          </a:p>
-          <a:p>
-            <a:pPr marL="285750" indent="-285750">
-              <a:buFont typeface="Arial" panose="020B0604020202020204" pitchFamily="34" charset="0"/>
-              <a:buChar char="•"/>
-            </a:pPr>
-            <a:endParaRPr lang="de-DE" sz="2400" dirty="0"/>
-          </a:p>
-          <a:p>
-            <a:pPr marL="641350" lvl="1" indent="-285750">
-              <a:buFont typeface="Arial" panose="020B0604020202020204" pitchFamily="34" charset="0"/>
-              <a:buChar char="•"/>
-            </a:pPr>
-            <a:r>
-              <a:rPr lang="de-DE" sz="2400" dirty="0"/>
-              <a:t>Bitte vorher einen Termin vereinbaren  </a:t>
-            </a:r>
-            <a:r>
-              <a:rPr lang="de-DE" sz="2400" dirty="0">
-                <a:sym typeface="Wingdings" panose="05000000000000000000" pitchFamily="2" charset="2"/>
-              </a:rPr>
-              <a:t> FU Webseite</a:t>
-            </a:r>
-            <a:endParaRPr lang="de-DE" sz="2400" dirty="0"/>
-          </a:p>
-          <a:p>
-            <a:pPr marL="641350" lvl="1" indent="-285750">
-              <a:buFont typeface="Arial" panose="020B0604020202020204" pitchFamily="34" charset="0"/>
-              <a:buChar char="•"/>
-            </a:pPr>
-            <a:r>
-              <a:rPr lang="de-DE" sz="2400" dirty="0"/>
-              <a:t>Substantive Fragen in der Sprechstunde </a:t>
-            </a:r>
-          </a:p>
-          <a:p>
-            <a:pPr marL="285750" indent="-285750">
-              <a:buFont typeface="Arial" panose="020B0604020202020204" pitchFamily="34" charset="0"/>
-              <a:buChar char="•"/>
-            </a:pPr>
-            <a:endParaRPr lang="de-DE" dirty="0"/>
-          </a:p>
-          <a:p>
-            <a:pPr marL="285750" indent="-285750">
-              <a:buFont typeface="Arial" panose="020B0604020202020204" pitchFamily="34" charset="0"/>
-              <a:buChar char="•"/>
-            </a:pPr>
-            <a:endParaRPr lang="de-DE" dirty="0"/>
-          </a:p>
-        </p:txBody>
-      </p:sp>
-      <p:pic>
-        <p:nvPicPr>
-          <p:cNvPr id="5" name="Picture 4"/>
-          <p:cNvPicPr>
-            <a:picLocks noChangeAspect="1"/>
-          </p:cNvPicPr>
-          <p:nvPr/>
-        </p:nvPicPr>
-        <p:blipFill>
-          <a:blip r:embed="rId3" cstate="print">
-            <a:extLst>
-              <a:ext uri="{28A0092B-C50C-407E-A947-70E740481C1C}">
-                <a14:useLocalDpi xmlns:a14="http://schemas.microsoft.com/office/drawing/2010/main" val="0"/>
-              </a:ext>
-            </a:extLst>
-          </a:blip>
-          <a:stretch>
-            <a:fillRect/>
-          </a:stretch>
-        </p:blipFill>
-        <p:spPr>
-          <a:xfrm>
-            <a:off x="6960044" y="1031875"/>
-            <a:ext cx="1933131" cy="2878453"/>
-          </a:xfrm>
-          <a:prstGeom prst="rect">
-            <a:avLst/>
-          </a:prstGeom>
-        </p:spPr>
-      </p:pic>
-    </p:spTree>
-    <p:extLst>
-      <p:ext uri="{BB962C8B-B14F-4D97-AF65-F5344CB8AC3E}">
-        <p14:creationId xmlns:p14="http://schemas.microsoft.com/office/powerpoint/2010/main" val="3393580242"/>
-      </p:ext>
-    </p:extLst>
-  </p:cSld>
-  <p:clrMapOvr>
-    <a:masterClrMapping/>
-  </p:clrMapOvr>
-  <p:transition spd="slow"/>
-</p:sld>
-</file>
-
-<file path=ppt/slides/slide3.xml><?xml version="1.0" encoding="utf-8"?>
-<p:sld xmlns:a="http://schemas.openxmlformats.org/drawingml/2006/main" xmlns:r="http://schemas.openxmlformats.org/officeDocument/2006/relationships" xmlns:p="http://schemas.openxmlformats.org/presentationml/2006/main">
-  <p:cSld>
-    <p:spTree>
-      <p:nvGrpSpPr>
-        <p:cNvPr id="1" name=""/>
-        <p:cNvGrpSpPr/>
-        <p:nvPr/>
-      </p:nvGrpSpPr>
-      <p:grpSpPr>
-        <a:xfrm>
-          <a:off x="0" y="0"/>
-          <a:ext cx="0" cy="0"/>
-          <a:chOff x="0" y="0"/>
-          <a:chExt cx="0" cy="0"/>
-        </a:xfrm>
-      </p:grpSpPr>
-      <p:sp>
-        <p:nvSpPr>
-          <p:cNvPr id="9" name="Subtitle 8">
-            <a:extLst>
-              <a:ext uri="{FF2B5EF4-FFF2-40B4-BE49-F238E27FC236}">
-                <a16:creationId xmlns:a16="http://schemas.microsoft.com/office/drawing/2014/main" id="{2469321F-1E79-4B55-B71D-CF2C75FCE3A8}"/>
-              </a:ext>
-            </a:extLst>
-          </p:cNvPr>
-          <p:cNvSpPr>
-            <a:spLocks noGrp="1"/>
-          </p:cNvSpPr>
-          <p:nvPr>
-            <p:ph type="subTitle" idx="1"/>
-          </p:nvPr>
-        </p:nvSpPr>
-        <p:spPr>
-          <a:xfrm>
-            <a:off x="4572000" y="2091333"/>
-            <a:ext cx="4198144" cy="960834"/>
-          </a:xfrm>
-        </p:spPr>
-        <p:txBody>
-          <a:bodyPr/>
-          <a:lstStyle/>
-          <a:p>
-            <a:r>
-              <a:rPr lang="de-DE" noProof="0" dirty="0"/>
-              <a:t>Logistik: R und Datacamp</a:t>
-            </a:r>
-            <a:endParaRPr lang="de-DE" dirty="0"/>
-          </a:p>
-        </p:txBody>
-      </p:sp>
-      <p:sp>
-        <p:nvSpPr>
-          <p:cNvPr id="8" name="Title 7">
-            <a:extLst>
-              <a:ext uri="{FF2B5EF4-FFF2-40B4-BE49-F238E27FC236}">
-                <a16:creationId xmlns:a16="http://schemas.microsoft.com/office/drawing/2014/main" id="{A67B6EC6-3A28-49C4-AE78-D2532997B2E4}"/>
-              </a:ext>
-            </a:extLst>
-          </p:cNvPr>
-          <p:cNvSpPr>
-            <a:spLocks noGrp="1"/>
-          </p:cNvSpPr>
-          <p:nvPr>
-            <p:ph type="ctrTitle"/>
-          </p:nvPr>
-        </p:nvSpPr>
-        <p:spPr/>
-        <p:txBody>
-          <a:bodyPr/>
-          <a:lstStyle/>
-          <a:p>
-            <a:r>
-              <a:rPr lang="de-DE" dirty="0"/>
-              <a:t>1</a:t>
-            </a:r>
-          </a:p>
-        </p:txBody>
-      </p:sp>
-    </p:spTree>
-    <p:extLst>
-      <p:ext uri="{BB962C8B-B14F-4D97-AF65-F5344CB8AC3E}">
-        <p14:creationId xmlns:p14="http://schemas.microsoft.com/office/powerpoint/2010/main" val="4222777969"/>
-      </p:ext>
-    </p:extLst>
-  </p:cSld>
-  <p:clrMapOvr>
-    <a:masterClrMapping/>
-  </p:clrMapOvr>
-  <p:transition spd="slow"/>
-</p:sld>
-</file>
-
-<file path=ppt/slides/slide4.xml><?xml version="1.0" encoding="utf-8"?>
-<p:sld xmlns:a="http://schemas.openxmlformats.org/drawingml/2006/main" xmlns:r="http://schemas.openxmlformats.org/officeDocument/2006/relationships" xmlns:p="http://schemas.openxmlformats.org/presentationml/2006/main">
-  <p:cSld>
-    <p:spTree>
-      <p:nvGrpSpPr>
-        <p:cNvPr id="1" name=""/>
-        <p:cNvGrpSpPr/>
-        <p:nvPr/>
-      </p:nvGrpSpPr>
-      <p:grpSpPr>
-        <a:xfrm>
-          <a:off x="0" y="0"/>
-          <a:ext cx="0" cy="0"/>
-          <a:chOff x="0" y="0"/>
-          <a:chExt cx="0" cy="0"/>
-        </a:xfrm>
-      </p:grpSpPr>
-      <p:sp>
-        <p:nvSpPr>
-          <p:cNvPr id="2" name="Title 1">
-            <a:extLst>
-              <a:ext uri="{FF2B5EF4-FFF2-40B4-BE49-F238E27FC236}">
-                <a16:creationId xmlns:a16="http://schemas.microsoft.com/office/drawing/2014/main" id="{28D8CF59-78B5-44DC-9CC8-474CD726117E}"/>
-              </a:ext>
-            </a:extLst>
-          </p:cNvPr>
-          <p:cNvSpPr>
-            <a:spLocks noGrp="1"/>
-          </p:cNvSpPr>
-          <p:nvPr>
-            <p:ph type="title"/>
-          </p:nvPr>
-        </p:nvSpPr>
-        <p:spPr/>
-        <p:txBody>
-          <a:bodyPr/>
-          <a:lstStyle/>
-          <a:p>
-            <a:r>
-              <a:rPr lang="de-DE" dirty="0"/>
-              <a:t>Logistik: R Installation </a:t>
-            </a:r>
-          </a:p>
-        </p:txBody>
-      </p:sp>
-      <p:sp>
-        <p:nvSpPr>
-          <p:cNvPr id="3" name="Text Placeholder 2">
-            <a:extLst>
-              <a:ext uri="{FF2B5EF4-FFF2-40B4-BE49-F238E27FC236}">
-                <a16:creationId xmlns:a16="http://schemas.microsoft.com/office/drawing/2014/main" id="{891F5AB0-64E9-418E-8438-4B8D36DA6B34}"/>
-              </a:ext>
-            </a:extLst>
-          </p:cNvPr>
-          <p:cNvSpPr>
-            <a:spLocks noGrp="1"/>
-          </p:cNvSpPr>
-          <p:nvPr>
-            <p:ph type="body" sz="quarter" idx="4294967295"/>
-          </p:nvPr>
-        </p:nvSpPr>
-        <p:spPr>
-          <a:xfrm>
-            <a:off x="234951" y="736599"/>
-            <a:ext cx="4337050" cy="4238009"/>
-          </a:xfrm>
-        </p:spPr>
-        <p:txBody>
-          <a:bodyPr/>
-          <a:lstStyle/>
-          <a:p>
-            <a:pPr marL="457200" indent="-457200">
-              <a:buFont typeface="Arial" panose="020B0604020202020204" pitchFamily="34" charset="0"/>
-              <a:buChar char="•"/>
-            </a:pPr>
-            <a:r>
-              <a:rPr lang="de-DE" dirty="0"/>
-              <a:t>R Installation </a:t>
-            </a:r>
-          </a:p>
-          <a:p>
-            <a:pPr marL="812800" lvl="1" indent="-457200"/>
-            <a:r>
-              <a:rPr lang="de-DE" dirty="0"/>
-              <a:t>R: </a:t>
-            </a:r>
-            <a:r>
-              <a:rPr lang="en-US" dirty="0">
-                <a:solidFill>
-                  <a:schemeClr val="tx1"/>
-                </a:solidFill>
-                <a:hlinkClick r:id="rId3"/>
-              </a:rPr>
-              <a:t>Base R:</a:t>
-            </a:r>
-            <a:r>
-              <a:rPr lang="en-US" b="0" dirty="0">
-                <a:hlinkClick r:id="rId3"/>
-              </a:rPr>
-              <a:t>https://cloud.r-project.org/</a:t>
-            </a:r>
-            <a:endParaRPr lang="de-DE" dirty="0"/>
-          </a:p>
-          <a:p>
-            <a:pPr marL="812800" lvl="1" indent="-457200"/>
-            <a:r>
-              <a:rPr lang="de-DE" dirty="0"/>
-              <a:t>R Studio: </a:t>
-            </a:r>
-            <a:r>
-              <a:rPr lang="de-DE" dirty="0">
-                <a:hlinkClick r:id="rId4"/>
-              </a:rPr>
-              <a:t>https://www.rstudio.com/</a:t>
-            </a:r>
-            <a:endParaRPr lang="de-DE" dirty="0"/>
-          </a:p>
-          <a:p>
-            <a:pPr marL="457200" indent="-457200">
-              <a:buFont typeface="Arial" panose="020B0604020202020204" pitchFamily="34" charset="0"/>
-              <a:buChar char="•"/>
-            </a:pPr>
-            <a:r>
-              <a:rPr lang="de-DE" dirty="0"/>
-              <a:t>Anleitung </a:t>
-            </a:r>
-          </a:p>
-          <a:p>
-            <a:pPr marL="812800" lvl="1" indent="-457200"/>
-            <a:r>
-              <a:rPr lang="de-DE" dirty="0"/>
-              <a:t>Folien auf Blackboard</a:t>
-            </a:r>
-          </a:p>
-          <a:p>
-            <a:pPr marL="812800" lvl="1" indent="-457200"/>
-            <a:r>
-              <a:rPr lang="de-DE" dirty="0"/>
-              <a:t>Video auf Blackboard</a:t>
-            </a:r>
-          </a:p>
-          <a:p>
-            <a:pPr marL="812800" lvl="1" indent="-457200"/>
-            <a:r>
-              <a:rPr lang="de-DE" dirty="0"/>
-              <a:t>Video auf YouTube</a:t>
-            </a:r>
-          </a:p>
-          <a:p>
-            <a:pPr marL="457200" indent="-457200">
-              <a:buFont typeface="Arial" panose="020B0604020202020204" pitchFamily="34" charset="0"/>
-              <a:buChar char="•"/>
-            </a:pPr>
-            <a:r>
-              <a:rPr lang="de-DE" dirty="0"/>
-              <a:t>Fragen / Probleme  ? </a:t>
-            </a:r>
-          </a:p>
-          <a:p>
-            <a:pPr marL="812800" lvl="1" indent="-457200"/>
-            <a:endParaRPr lang="de-DE" dirty="0"/>
-          </a:p>
-          <a:p>
-            <a:pPr marL="812800" lvl="1" indent="-457200"/>
-            <a:endParaRPr lang="de-DE" dirty="0"/>
-          </a:p>
-          <a:p>
-            <a:pPr marL="812800" lvl="1" indent="-457200"/>
-            <a:endParaRPr lang="de-DE" dirty="0"/>
-          </a:p>
-        </p:txBody>
-      </p:sp>
-      <p:pic>
-        <p:nvPicPr>
-          <p:cNvPr id="8" name="Content Placeholder 7">
-            <a:extLst>
-              <a:ext uri="{FF2B5EF4-FFF2-40B4-BE49-F238E27FC236}">
-                <a16:creationId xmlns:a16="http://schemas.microsoft.com/office/drawing/2014/main" id="{544A4463-1866-4972-B828-15D6A5AECA3B}"/>
-              </a:ext>
-            </a:extLst>
-          </p:cNvPr>
-          <p:cNvPicPr>
-            <a:picLocks noGrp="1" noChangeAspect="1"/>
-          </p:cNvPicPr>
-          <p:nvPr>
-            <p:ph sz="quarter" idx="11"/>
-          </p:nvPr>
-        </p:nvPicPr>
-        <p:blipFill>
-          <a:blip r:embed="rId5"/>
-          <a:stretch>
-            <a:fillRect/>
-          </a:stretch>
-        </p:blipFill>
-        <p:spPr>
-          <a:xfrm>
-            <a:off x="4405890" y="1365577"/>
-            <a:ext cx="4337050" cy="2479718"/>
-          </a:xfrm>
-        </p:spPr>
-      </p:pic>
-      <p:sp>
-        <p:nvSpPr>
-          <p:cNvPr id="10" name="TextBox 9">
-            <a:extLst>
-              <a:ext uri="{FF2B5EF4-FFF2-40B4-BE49-F238E27FC236}">
-                <a16:creationId xmlns:a16="http://schemas.microsoft.com/office/drawing/2014/main" id="{35CD947D-963E-46DC-8508-9822BF46EE24}"/>
-              </a:ext>
-            </a:extLst>
-          </p:cNvPr>
-          <p:cNvSpPr txBox="1"/>
-          <p:nvPr/>
-        </p:nvSpPr>
-        <p:spPr>
-          <a:xfrm>
-            <a:off x="4405890" y="3945236"/>
-            <a:ext cx="4572000" cy="923330"/>
-          </a:xfrm>
-          <a:prstGeom prst="rect">
-            <a:avLst/>
-          </a:prstGeom>
-          <a:noFill/>
-        </p:spPr>
-        <p:txBody>
-          <a:bodyPr wrap="square">
-            <a:spAutoFit/>
-          </a:bodyPr>
-          <a:lstStyle/>
-          <a:p>
-            <a:r>
-              <a:rPr lang="de-DE" dirty="0">
-                <a:hlinkClick r:id="rId6"/>
-              </a:rPr>
-              <a:t>https://www.youtube.com/watch?v=uST43TeEI0E</a:t>
-            </a:r>
-            <a:endParaRPr lang="de-DE" dirty="0"/>
-          </a:p>
-          <a:p>
-            <a:endParaRPr lang="de-DE" dirty="0"/>
-          </a:p>
-        </p:txBody>
-      </p:sp>
-    </p:spTree>
-    <p:extLst>
-      <p:ext uri="{BB962C8B-B14F-4D97-AF65-F5344CB8AC3E}">
-        <p14:creationId xmlns:p14="http://schemas.microsoft.com/office/powerpoint/2010/main" val="3082542229"/>
-      </p:ext>
-    </p:extLst>
-  </p:cSld>
-  <p:clrMapOvr>
-    <a:masterClrMapping/>
-  </p:clrMapOvr>
-  <p:transition spd="slow"/>
-</p:sld>
-</file>
-
-<file path=ppt/slides/slide5.xml><?xml version="1.0" encoding="utf-8"?>
-<p:sld xmlns:a="http://schemas.openxmlformats.org/drawingml/2006/main" xmlns:r="http://schemas.openxmlformats.org/officeDocument/2006/relationships" xmlns:p="http://schemas.openxmlformats.org/presentationml/2006/main">
-  <p:cSld>
-    <p:spTree>
-      <p:nvGrpSpPr>
-        <p:cNvPr id="1" name=""/>
-        <p:cNvGrpSpPr/>
-        <p:nvPr/>
-      </p:nvGrpSpPr>
-      <p:grpSpPr>
-        <a:xfrm>
-          <a:off x="0" y="0"/>
-          <a:ext cx="0" cy="0"/>
-          <a:chOff x="0" y="0"/>
-          <a:chExt cx="0" cy="0"/>
-        </a:xfrm>
-      </p:grpSpPr>
-      <p:sp>
-        <p:nvSpPr>
-          <p:cNvPr id="2" name="Title 1">
-            <a:extLst>
-              <a:ext uri="{FF2B5EF4-FFF2-40B4-BE49-F238E27FC236}">
-                <a16:creationId xmlns:a16="http://schemas.microsoft.com/office/drawing/2014/main" id="{4A8972BA-5609-4143-91E8-3587B36495B9}"/>
-              </a:ext>
-            </a:extLst>
-          </p:cNvPr>
-          <p:cNvSpPr>
-            <a:spLocks noGrp="1"/>
-          </p:cNvSpPr>
-          <p:nvPr>
-            <p:ph type="title"/>
-          </p:nvPr>
-        </p:nvSpPr>
-        <p:spPr/>
-        <p:txBody>
-          <a:bodyPr/>
-          <a:lstStyle/>
-          <a:p>
-            <a:r>
-              <a:rPr lang="de-DE" dirty="0"/>
-              <a:t>Logistik: Datacamp</a:t>
-            </a:r>
-          </a:p>
-        </p:txBody>
-      </p:sp>
-      <p:sp>
-        <p:nvSpPr>
-          <p:cNvPr id="4" name="Content Placeholder 3">
-            <a:extLst>
-              <a:ext uri="{FF2B5EF4-FFF2-40B4-BE49-F238E27FC236}">
-                <a16:creationId xmlns:a16="http://schemas.microsoft.com/office/drawing/2014/main" id="{5585803D-BFD7-4834-A426-825443949D8F}"/>
-              </a:ext>
-            </a:extLst>
-          </p:cNvPr>
-          <p:cNvSpPr>
-            <a:spLocks noGrp="1"/>
-          </p:cNvSpPr>
-          <p:nvPr>
-            <p:ph sz="quarter" idx="11"/>
-          </p:nvPr>
-        </p:nvSpPr>
-        <p:spPr>
-          <a:xfrm>
-            <a:off x="4699322" y="736599"/>
-            <a:ext cx="4209727" cy="4238625"/>
-          </a:xfrm>
-        </p:spPr>
-        <p:txBody>
-          <a:bodyPr/>
-          <a:lstStyle/>
-          <a:p>
-            <a:pPr marL="342900" indent="-342900">
-              <a:buFont typeface="Arial" panose="020B0604020202020204" pitchFamily="34" charset="0"/>
-              <a:buChar char="•"/>
-            </a:pPr>
-            <a:r>
-              <a:rPr lang="de-DE" dirty="0"/>
-              <a:t>Basis für R- Einführung </a:t>
-            </a:r>
-          </a:p>
-          <a:p>
-            <a:pPr marL="342900" indent="-342900">
-              <a:buFont typeface="Arial" panose="020B0604020202020204" pitchFamily="34" charset="0"/>
-              <a:buChar char="•"/>
-            </a:pPr>
-            <a:r>
-              <a:rPr lang="de-DE" dirty="0"/>
-              <a:t>3 Einheiten </a:t>
-            </a:r>
-          </a:p>
-          <a:p>
-            <a:pPr marL="698500" lvl="1" indent="-342900"/>
-            <a:r>
-              <a:rPr lang="de-DE" dirty="0"/>
-              <a:t>Intro to R:  </a:t>
-            </a:r>
-          </a:p>
-          <a:p>
-            <a:pPr marL="698500" lvl="1" indent="-342900"/>
-            <a:r>
-              <a:rPr lang="de-DE" dirty="0" err="1"/>
-              <a:t>Introduction</a:t>
-            </a:r>
-            <a:r>
-              <a:rPr lang="de-DE" dirty="0"/>
-              <a:t> to </a:t>
-            </a:r>
-            <a:r>
-              <a:rPr lang="de-DE" dirty="0" err="1"/>
-              <a:t>the</a:t>
-            </a:r>
-            <a:r>
-              <a:rPr lang="de-DE" dirty="0"/>
-              <a:t> </a:t>
-            </a:r>
-            <a:r>
-              <a:rPr lang="de-DE" dirty="0" err="1"/>
-              <a:t>tidyverse</a:t>
-            </a:r>
-            <a:r>
-              <a:rPr lang="de-DE" dirty="0"/>
-              <a:t> </a:t>
-            </a:r>
-          </a:p>
-          <a:p>
-            <a:pPr marL="698500" lvl="1" indent="-342900"/>
-            <a:r>
-              <a:rPr lang="de-DE" dirty="0"/>
-              <a:t>Regression and </a:t>
-            </a:r>
-            <a:r>
-              <a:rPr lang="de-DE" dirty="0" err="1"/>
-              <a:t>Correlation</a:t>
-            </a:r>
-            <a:r>
-              <a:rPr lang="de-DE" dirty="0"/>
-              <a:t> </a:t>
-            </a:r>
-          </a:p>
-          <a:p>
-            <a:pPr marL="342900" indent="-342900">
-              <a:buFont typeface="Arial" panose="020B0604020202020204" pitchFamily="34" charset="0"/>
-              <a:buChar char="•"/>
-            </a:pPr>
-            <a:r>
-              <a:rPr lang="de-DE" dirty="0"/>
-              <a:t>Nehmt euch Zeit (ca. 4 Stunden pro Einheit)  </a:t>
-            </a:r>
-          </a:p>
-          <a:p>
-            <a:pPr marL="342900" indent="-342900">
-              <a:buFont typeface="Arial" panose="020B0604020202020204" pitchFamily="34" charset="0"/>
-              <a:buChar char="•"/>
-            </a:pPr>
-            <a:r>
-              <a:rPr lang="de-DE" dirty="0"/>
-              <a:t>Einladungslink auf Blackboard </a:t>
-            </a:r>
-          </a:p>
-          <a:p>
-            <a:pPr marL="698500" lvl="1" indent="-342900"/>
-            <a:r>
-              <a:rPr lang="de-DE" dirty="0"/>
-              <a:t>@fu-berlin.de  oder @zedat.fu-berlin.de Email </a:t>
-            </a:r>
-          </a:p>
-          <a:p>
-            <a:endParaRPr lang="de-DE" dirty="0"/>
-          </a:p>
-          <a:p>
-            <a:endParaRPr lang="de-DE" dirty="0"/>
-          </a:p>
-        </p:txBody>
-      </p:sp>
-      <p:pic>
-        <p:nvPicPr>
-          <p:cNvPr id="14" name="Content Placeholder 13">
-            <a:extLst>
-              <a:ext uri="{FF2B5EF4-FFF2-40B4-BE49-F238E27FC236}">
-                <a16:creationId xmlns:a16="http://schemas.microsoft.com/office/drawing/2014/main" id="{4EAEDE14-6164-4968-9148-C65EEEA9E463}"/>
-              </a:ext>
-            </a:extLst>
-          </p:cNvPr>
-          <p:cNvPicPr>
-            <a:picLocks noGrp="1" noChangeAspect="1"/>
-          </p:cNvPicPr>
-          <p:nvPr>
-            <p:ph sz="quarter" idx="12"/>
-          </p:nvPr>
-        </p:nvPicPr>
-        <p:blipFill>
-          <a:blip r:embed="rId2"/>
-          <a:stretch>
-            <a:fillRect/>
-          </a:stretch>
-        </p:blipFill>
-        <p:spPr>
-          <a:xfrm>
-            <a:off x="234950" y="980186"/>
-            <a:ext cx="4337050" cy="3530367"/>
-          </a:xfrm>
-        </p:spPr>
-      </p:pic>
-    </p:spTree>
-    <p:extLst>
-      <p:ext uri="{BB962C8B-B14F-4D97-AF65-F5344CB8AC3E}">
-        <p14:creationId xmlns:p14="http://schemas.microsoft.com/office/powerpoint/2010/main" val="2218351494"/>
-      </p:ext>
-    </p:extLst>
-  </p:cSld>
-  <p:clrMapOvr>
-    <a:masterClrMapping/>
-  </p:clrMapOvr>
-  <p:transition spd="slow"/>
-</p:sld>
-</file>
-
-<file path=ppt/slides/slide6.xml><?xml version="1.0" encoding="utf-8"?>
+<file path=ppt/slides/slide19.xml><?xml version="1.0" encoding="utf-8"?>
 <p:sld xmlns:a="http://schemas.openxmlformats.org/drawingml/2006/main" xmlns:r="http://schemas.openxmlformats.org/officeDocument/2006/relationships" xmlns:p="http://schemas.openxmlformats.org/presentationml/2006/main">
   <p:cSld>
     <p:spTree>
@@ -14922,7 +11166,7 @@
           <a:p>
             <a:r>
               <a:rPr lang="de-DE" dirty="0"/>
-              <a:t>Methoden der Politischen Psychologie </a:t>
+              <a:t>Sichtung der Daten in Kleingruppen</a:t>
             </a:r>
           </a:p>
         </p:txBody>
@@ -14950,7 +11194,431 @@
           <a:p>
             <a:r>
               <a:rPr lang="de-DE" dirty="0"/>
+              <a:t>3</a:t>
+            </a:r>
+          </a:p>
+        </p:txBody>
+      </p:sp>
+    </p:spTree>
+    <p:extLst>
+      <p:ext uri="{BB962C8B-B14F-4D97-AF65-F5344CB8AC3E}">
+        <p14:creationId xmlns:p14="http://schemas.microsoft.com/office/powerpoint/2010/main" val="3331043239"/>
+      </p:ext>
+    </p:extLst>
+  </p:cSld>
+  <p:clrMapOvr>
+    <a:masterClrMapping/>
+  </p:clrMapOvr>
+  <p:transition spd="slow"/>
+</p:sld>
+</file>
+
+<file path=ppt/slides/slide2.xml><?xml version="1.0" encoding="utf-8"?>
+<p:sld xmlns:a="http://schemas.openxmlformats.org/drawingml/2006/main" xmlns:r="http://schemas.openxmlformats.org/officeDocument/2006/relationships" xmlns:p="http://schemas.openxmlformats.org/presentationml/2006/main">
+  <p:cSld>
+    <p:spTree>
+      <p:nvGrpSpPr>
+        <p:cNvPr id="1" name=""/>
+        <p:cNvGrpSpPr/>
+        <p:nvPr/>
+      </p:nvGrpSpPr>
+      <p:grpSpPr>
+        <a:xfrm>
+          <a:off x="0" y="0"/>
+          <a:ext cx="0" cy="0"/>
+          <a:chOff x="0" y="0"/>
+          <a:chExt cx="0" cy="0"/>
+        </a:xfrm>
+      </p:grpSpPr>
+      <p:sp>
+        <p:nvSpPr>
+          <p:cNvPr id="4" name="Title 3">
+            <a:extLst>
+              <a:ext uri="{FF2B5EF4-FFF2-40B4-BE49-F238E27FC236}">
+                <a16:creationId xmlns:a16="http://schemas.microsoft.com/office/drawing/2014/main" id="{4212E85A-5A2B-40FA-A0C2-C0CFF19C3192}"/>
+              </a:ext>
+            </a:extLst>
+          </p:cNvPr>
+          <p:cNvSpPr>
+            <a:spLocks noGrp="1"/>
+          </p:cNvSpPr>
+          <p:nvPr>
+            <p:ph type="title"/>
+          </p:nvPr>
+        </p:nvSpPr>
+        <p:spPr/>
+        <p:txBody>
+          <a:bodyPr/>
+          <a:lstStyle/>
+          <a:p>
+            <a:r>
+              <a:rPr lang="de-DE" noProof="0" dirty="0"/>
+              <a:t>Übersicht</a:t>
+            </a:r>
+          </a:p>
+        </p:txBody>
+      </p:sp>
+      <p:sp>
+        <p:nvSpPr>
+          <p:cNvPr id="5" name="Text Placeholder 4">
+            <a:extLst>
+              <a:ext uri="{FF2B5EF4-FFF2-40B4-BE49-F238E27FC236}">
+                <a16:creationId xmlns:a16="http://schemas.microsoft.com/office/drawing/2014/main" id="{5B5A2214-0261-4489-8A63-55817E9128D8}"/>
+              </a:ext>
+            </a:extLst>
+          </p:cNvPr>
+          <p:cNvSpPr>
+            <a:spLocks noGrp="1"/>
+          </p:cNvSpPr>
+          <p:nvPr>
+            <p:ph type="body" sz="quarter" idx="4294967295"/>
+          </p:nvPr>
+        </p:nvSpPr>
+        <p:spPr>
+          <a:xfrm>
+            <a:off x="234950" y="736599"/>
+            <a:ext cx="8674100" cy="4238009"/>
+          </a:xfrm>
+        </p:spPr>
+        <p:txBody>
+          <a:bodyPr anchor="ctr"/>
+          <a:lstStyle/>
+          <a:p>
+            <a:pPr marL="457200" indent="-457200">
+              <a:buFont typeface="Arial" panose="020B0604020202020204" pitchFamily="34" charset="0"/>
+              <a:buChar char="•"/>
+            </a:pPr>
+            <a:r>
+              <a:rPr lang="de-DE" dirty="0"/>
+              <a:t>1 - Methoden der politischen Psychologie </a:t>
+            </a:r>
+            <a:endParaRPr lang="de-DE" noProof="0" dirty="0"/>
+          </a:p>
+          <a:p>
+            <a:pPr marL="457200" indent="-457200">
+              <a:buFont typeface="Arial" panose="020B0604020202020204" pitchFamily="34" charset="0"/>
+              <a:buChar char="•"/>
+            </a:pPr>
+            <a:r>
+              <a:rPr lang="de-DE" dirty="0"/>
               <a:t>2</a:t>
+            </a:r>
+            <a:r>
+              <a:rPr lang="de-DE" noProof="0" dirty="0"/>
+              <a:t> - Vorstellung der Daten: </a:t>
+            </a:r>
+          </a:p>
+          <a:p>
+            <a:pPr marL="812800" lvl="1" indent="-457200"/>
+            <a:r>
+              <a:rPr lang="de-DE" noProof="0" dirty="0"/>
+              <a:t>BUA-AAR </a:t>
+            </a:r>
+          </a:p>
+          <a:p>
+            <a:pPr marL="812800" lvl="1" indent="-457200"/>
+            <a:r>
+              <a:rPr lang="de-DE" dirty="0"/>
+              <a:t>European </a:t>
+            </a:r>
+            <a:r>
+              <a:rPr lang="de-DE" dirty="0" err="1"/>
+              <a:t>Social</a:t>
+            </a:r>
+            <a:r>
+              <a:rPr lang="de-DE" dirty="0"/>
+              <a:t> Survey </a:t>
+            </a:r>
+            <a:endParaRPr lang="de-DE" noProof="0" dirty="0"/>
+          </a:p>
+          <a:p>
+            <a:pPr marL="457200" indent="-457200">
+              <a:buFont typeface="Arial" panose="020B0604020202020204" pitchFamily="34" charset="0"/>
+              <a:buChar char="•"/>
+            </a:pPr>
+            <a:r>
+              <a:rPr lang="de-DE" dirty="0"/>
+              <a:t>3</a:t>
+            </a:r>
+            <a:r>
+              <a:rPr lang="de-DE" noProof="0" dirty="0"/>
+              <a:t> – Sichtung der Daten</a:t>
+            </a:r>
+          </a:p>
+          <a:p>
+            <a:endParaRPr lang="de-DE" noProof="0" dirty="0"/>
+          </a:p>
+          <a:p>
+            <a:pPr marL="457200" indent="-457200"/>
+            <a:endParaRPr lang="de-DE" noProof="0" dirty="0"/>
+          </a:p>
+          <a:p>
+            <a:pPr marL="457200" indent="-457200">
+              <a:buFont typeface="Arial" panose="020B0604020202020204" pitchFamily="34" charset="0"/>
+              <a:buChar char="•"/>
+            </a:pPr>
+            <a:endParaRPr lang="de-DE" noProof="0" dirty="0"/>
+          </a:p>
+        </p:txBody>
+      </p:sp>
+    </p:spTree>
+    <p:extLst>
+      <p:ext uri="{BB962C8B-B14F-4D97-AF65-F5344CB8AC3E}">
+        <p14:creationId xmlns:p14="http://schemas.microsoft.com/office/powerpoint/2010/main" val="3533300035"/>
+      </p:ext>
+    </p:extLst>
+  </p:cSld>
+  <p:clrMapOvr>
+    <a:masterClrMapping/>
+  </p:clrMapOvr>
+  <p:transition spd="slow"/>
+</p:sld>
+</file>
+
+<file path=ppt/slides/slide20.xml><?xml version="1.0" encoding="utf-8"?>
+<p:sld xmlns:a="http://schemas.openxmlformats.org/drawingml/2006/main" xmlns:r="http://schemas.openxmlformats.org/officeDocument/2006/relationships" xmlns:p="http://schemas.openxmlformats.org/presentationml/2006/main">
+  <p:cSld>
+    <p:spTree>
+      <p:nvGrpSpPr>
+        <p:cNvPr id="1" name=""/>
+        <p:cNvGrpSpPr/>
+        <p:nvPr/>
+      </p:nvGrpSpPr>
+      <p:grpSpPr>
+        <a:xfrm>
+          <a:off x="0" y="0"/>
+          <a:ext cx="0" cy="0"/>
+          <a:chOff x="0" y="0"/>
+          <a:chExt cx="0" cy="0"/>
+        </a:xfrm>
+      </p:grpSpPr>
+      <p:sp>
+        <p:nvSpPr>
+          <p:cNvPr id="4" name="Title 3">
+            <a:extLst>
+              <a:ext uri="{FF2B5EF4-FFF2-40B4-BE49-F238E27FC236}">
+                <a16:creationId xmlns:a16="http://schemas.microsoft.com/office/drawing/2014/main" id="{279995FF-B8FE-4E74-7DAB-B71202194A0C}"/>
+              </a:ext>
+            </a:extLst>
+          </p:cNvPr>
+          <p:cNvSpPr>
+            <a:spLocks noGrp="1"/>
+          </p:cNvSpPr>
+          <p:nvPr>
+            <p:ph type="title"/>
+          </p:nvPr>
+        </p:nvSpPr>
+        <p:spPr/>
+        <p:txBody>
+          <a:bodyPr/>
+          <a:lstStyle/>
+          <a:p>
+            <a:r>
+              <a:rPr lang="de-DE" dirty="0"/>
+              <a:t>Kleingruppenarbeit</a:t>
+            </a:r>
+          </a:p>
+        </p:txBody>
+      </p:sp>
+      <p:sp>
+        <p:nvSpPr>
+          <p:cNvPr id="5" name="Content Placeholder 4">
+            <a:extLst>
+              <a:ext uri="{FF2B5EF4-FFF2-40B4-BE49-F238E27FC236}">
+                <a16:creationId xmlns:a16="http://schemas.microsoft.com/office/drawing/2014/main" id="{A4978C0C-9E79-AB06-2931-5C75E13C11CB}"/>
+              </a:ext>
+            </a:extLst>
+          </p:cNvPr>
+          <p:cNvSpPr>
+            <a:spLocks noGrp="1"/>
+          </p:cNvSpPr>
+          <p:nvPr>
+            <p:ph sz="quarter" idx="12"/>
+          </p:nvPr>
+        </p:nvSpPr>
+        <p:spPr/>
+        <p:txBody>
+          <a:bodyPr/>
+          <a:lstStyle/>
+          <a:p>
+            <a:pPr marL="457200" indent="-457200">
+              <a:buFont typeface="+mj-lt"/>
+              <a:buAutoNum type="arabicPeriod"/>
+            </a:pPr>
+            <a:r>
+              <a:rPr lang="de-DE" dirty="0"/>
+              <a:t>Für das ESS / die BUA Daten </a:t>
+            </a:r>
+          </a:p>
+          <a:p>
+            <a:pPr marL="812800" lvl="1" indent="-457200">
+              <a:buFont typeface="+mj-lt"/>
+              <a:buAutoNum type="arabicPeriod"/>
+            </a:pPr>
+            <a:r>
+              <a:rPr lang="de-DE" dirty="0"/>
+              <a:t>Sichtet den Fragebogen für 10 Minuten </a:t>
+            </a:r>
+          </a:p>
+          <a:p>
+            <a:pPr marL="1181100" lvl="2" indent="-457200">
+              <a:buFont typeface="+mj-lt"/>
+              <a:buAutoNum type="arabicPeriod"/>
+            </a:pPr>
+            <a:r>
+              <a:rPr lang="de-DE" dirty="0" err="1"/>
+              <a:t>Identiziert</a:t>
+            </a:r>
+            <a:r>
+              <a:rPr lang="de-DE" dirty="0"/>
+              <a:t> abhängige Variablen die für euch von Interesse sind</a:t>
+            </a:r>
+          </a:p>
+          <a:p>
+            <a:pPr marL="1181100" lvl="2" indent="-457200">
+              <a:buFont typeface="+mj-lt"/>
+              <a:buAutoNum type="arabicPeriod"/>
+            </a:pPr>
+            <a:r>
+              <a:rPr lang="de-DE" dirty="0" err="1"/>
+              <a:t>Identifizert</a:t>
+            </a:r>
+            <a:r>
+              <a:rPr lang="de-DE" dirty="0"/>
+              <a:t> unabhängige Variablen die für euch von Interesse sind </a:t>
+            </a:r>
+          </a:p>
+          <a:p>
+            <a:pPr marL="1181100" lvl="2" indent="-457200">
+              <a:buFont typeface="+mj-lt"/>
+              <a:buAutoNum type="arabicPeriod"/>
+            </a:pPr>
+            <a:r>
+              <a:rPr lang="de-DE" dirty="0" err="1"/>
+              <a:t>Identifizert</a:t>
+            </a:r>
+            <a:r>
+              <a:rPr lang="de-DE" dirty="0"/>
+              <a:t> mögliche Forschungsfragen, die ihr mit den Daten beantworten könnt </a:t>
+            </a:r>
+          </a:p>
+          <a:p>
+            <a:pPr marL="812800" lvl="1" indent="-457200">
+              <a:buFont typeface="+mj-lt"/>
+              <a:buAutoNum type="arabicPeriod"/>
+            </a:pPr>
+            <a:r>
+              <a:rPr lang="de-DE" dirty="0"/>
+              <a:t>Stellt euer „Forschungsprojekt“ euren Gruppenmitgliedern vor</a:t>
+            </a:r>
+          </a:p>
+          <a:p>
+            <a:pPr marL="812800" lvl="1" indent="-457200">
+              <a:buFont typeface="+mj-lt"/>
+              <a:buAutoNum type="arabicPeriod"/>
+            </a:pPr>
+            <a:r>
+              <a:rPr lang="de-DE" dirty="0"/>
+              <a:t>Stellt ein Projekt aus eurer </a:t>
+            </a:r>
+            <a:r>
+              <a:rPr lang="de-DE"/>
+              <a:t>Gruppe dem Kurs vor</a:t>
+            </a:r>
+            <a:endParaRPr lang="de-DE" dirty="0"/>
+          </a:p>
+          <a:p>
+            <a:pPr marL="812800" lvl="1" indent="-457200">
+              <a:buFont typeface="+mj-lt"/>
+              <a:buAutoNum type="arabicPeriod"/>
+            </a:pPr>
+            <a:endParaRPr lang="de-DE" dirty="0"/>
+          </a:p>
+        </p:txBody>
+      </p:sp>
+    </p:spTree>
+    <p:extLst>
+      <p:ext uri="{BB962C8B-B14F-4D97-AF65-F5344CB8AC3E}">
+        <p14:creationId xmlns:p14="http://schemas.microsoft.com/office/powerpoint/2010/main" val="3797166054"/>
+      </p:ext>
+    </p:extLst>
+  </p:cSld>
+  <p:clrMapOvr>
+    <a:masterClrMapping/>
+  </p:clrMapOvr>
+  <p:transition spd="slow"/>
+</p:sld>
+</file>
+
+<file path=ppt/slides/slide3.xml><?xml version="1.0" encoding="utf-8"?>
+<p:sld xmlns:a="http://schemas.openxmlformats.org/drawingml/2006/main" xmlns:r="http://schemas.openxmlformats.org/officeDocument/2006/relationships" xmlns:p="http://schemas.openxmlformats.org/presentationml/2006/main">
+  <p:cSld>
+    <p:spTree>
+      <p:nvGrpSpPr>
+        <p:cNvPr id="1" name=""/>
+        <p:cNvGrpSpPr/>
+        <p:nvPr/>
+      </p:nvGrpSpPr>
+      <p:grpSpPr>
+        <a:xfrm>
+          <a:off x="0" y="0"/>
+          <a:ext cx="0" cy="0"/>
+          <a:chOff x="0" y="0"/>
+          <a:chExt cx="0" cy="0"/>
+        </a:xfrm>
+      </p:grpSpPr>
+      <p:sp>
+        <p:nvSpPr>
+          <p:cNvPr id="6" name="Subtitle 5">
+            <a:extLst>
+              <a:ext uri="{FF2B5EF4-FFF2-40B4-BE49-F238E27FC236}">
+                <a16:creationId xmlns:a16="http://schemas.microsoft.com/office/drawing/2014/main" id="{F42F9AC0-898F-4A0C-9F64-EA7A800337AF}"/>
+              </a:ext>
+            </a:extLst>
+          </p:cNvPr>
+          <p:cNvSpPr>
+            <a:spLocks noGrp="1"/>
+          </p:cNvSpPr>
+          <p:nvPr>
+            <p:ph type="subTitle" idx="1"/>
+          </p:nvPr>
+        </p:nvSpPr>
+        <p:spPr/>
+        <p:txBody>
+          <a:bodyPr/>
+          <a:lstStyle/>
+          <a:p>
+            <a:r>
+              <a:rPr lang="de-DE" dirty="0"/>
+              <a:t>Methoden der Politischen Psychologie </a:t>
+            </a:r>
+          </a:p>
+        </p:txBody>
+      </p:sp>
+      <p:sp>
+        <p:nvSpPr>
+          <p:cNvPr id="5" name="Title 4">
+            <a:extLst>
+              <a:ext uri="{FF2B5EF4-FFF2-40B4-BE49-F238E27FC236}">
+                <a16:creationId xmlns:a16="http://schemas.microsoft.com/office/drawing/2014/main" id="{1A506B88-F6D4-490E-BADC-CA7CC016BB20}"/>
+              </a:ext>
+            </a:extLst>
+          </p:cNvPr>
+          <p:cNvSpPr>
+            <a:spLocks noGrp="1"/>
+          </p:cNvSpPr>
+          <p:nvPr>
+            <p:ph type="ctrTitle"/>
+          </p:nvPr>
+        </p:nvSpPr>
+        <p:spPr/>
+        <p:txBody>
+          <a:bodyPr/>
+          <a:lstStyle/>
+          <a:p>
+            <a:r>
+              <a:rPr lang="de-DE" dirty="0"/>
+              <a:t>1</a:t>
             </a:r>
           </a:p>
         </p:txBody>
@@ -14969,7 +11637,7 @@
 </p:sld>
 </file>
 
-<file path=ppt/slides/slide7.xml><?xml version="1.0" encoding="utf-8"?>
+<file path=ppt/slides/slide4.xml><?xml version="1.0" encoding="utf-8"?>
 <p:sld xmlns:a="http://schemas.openxmlformats.org/drawingml/2006/main" xmlns:r="http://schemas.openxmlformats.org/officeDocument/2006/relationships" xmlns:p="http://schemas.openxmlformats.org/presentationml/2006/main">
   <p:cSld>
     <p:spTree>
@@ -15151,7 +11819,7 @@
 </p:sld>
 </file>
 
-<file path=ppt/slides/slide8.xml><?xml version="1.0" encoding="utf-8"?>
+<file path=ppt/slides/slide5.xml><?xml version="1.0" encoding="utf-8"?>
 <p:sld xmlns:a="http://schemas.openxmlformats.org/drawingml/2006/main" xmlns:r="http://schemas.openxmlformats.org/officeDocument/2006/relationships" xmlns:p="http://schemas.openxmlformats.org/presentationml/2006/main">
   <p:cSld>
     <p:spTree>
@@ -15308,7 +11976,7 @@
 </p:sld>
 </file>
 
-<file path=ppt/slides/slide9.xml><?xml version="1.0" encoding="utf-8"?>
+<file path=ppt/slides/slide6.xml><?xml version="1.0" encoding="utf-8"?>
 <p:sld xmlns:a="http://schemas.openxmlformats.org/drawingml/2006/main" xmlns:r="http://schemas.openxmlformats.org/officeDocument/2006/relationships" xmlns:p="http://schemas.openxmlformats.org/presentationml/2006/main">
   <p:cSld>
     <p:spTree>
@@ -15405,6 +12073,808 @@
     <p:extLst>
       <p:ext uri="{BB962C8B-B14F-4D97-AF65-F5344CB8AC3E}">
         <p14:creationId xmlns:p14="http://schemas.microsoft.com/office/powerpoint/2010/main" val="3836818623"/>
+      </p:ext>
+    </p:extLst>
+  </p:cSld>
+  <p:clrMapOvr>
+    <a:masterClrMapping/>
+  </p:clrMapOvr>
+  <p:transition spd="slow"/>
+</p:sld>
+</file>
+
+<file path=ppt/slides/slide7.xml><?xml version="1.0" encoding="utf-8"?>
+<p:sld xmlns:a="http://schemas.openxmlformats.org/drawingml/2006/main" xmlns:r="http://schemas.openxmlformats.org/officeDocument/2006/relationships" xmlns:p="http://schemas.openxmlformats.org/presentationml/2006/main">
+  <p:cSld>
+    <p:spTree>
+      <p:nvGrpSpPr>
+        <p:cNvPr id="1" name=""/>
+        <p:cNvGrpSpPr/>
+        <p:nvPr/>
+      </p:nvGrpSpPr>
+      <p:grpSpPr>
+        <a:xfrm>
+          <a:off x="0" y="0"/>
+          <a:ext cx="0" cy="0"/>
+          <a:chOff x="0" y="0"/>
+          <a:chExt cx="0" cy="0"/>
+        </a:xfrm>
+      </p:grpSpPr>
+      <p:sp>
+        <p:nvSpPr>
+          <p:cNvPr id="4" name="Title 3">
+            <a:extLst>
+              <a:ext uri="{FF2B5EF4-FFF2-40B4-BE49-F238E27FC236}">
+                <a16:creationId xmlns:a16="http://schemas.microsoft.com/office/drawing/2014/main" id="{4AB3BC83-C526-45D4-A5F6-67626B640A27}"/>
+              </a:ext>
+            </a:extLst>
+          </p:cNvPr>
+          <p:cNvSpPr>
+            <a:spLocks noGrp="1"/>
+          </p:cNvSpPr>
+          <p:nvPr>
+            <p:ph type="title"/>
+          </p:nvPr>
+        </p:nvSpPr>
+        <p:spPr/>
+        <p:txBody>
+          <a:bodyPr/>
+          <a:lstStyle/>
+          <a:p>
+            <a:r>
+              <a:rPr lang="de-DE" dirty="0"/>
+              <a:t>Umfragen: Die Häufigste Methode </a:t>
+            </a:r>
+          </a:p>
+        </p:txBody>
+      </p:sp>
+      <p:pic>
+        <p:nvPicPr>
+          <p:cNvPr id="8" name="Content Placeholder 7">
+            <a:extLst>
+              <a:ext uri="{FF2B5EF4-FFF2-40B4-BE49-F238E27FC236}">
+                <a16:creationId xmlns:a16="http://schemas.microsoft.com/office/drawing/2014/main" id="{C98FD3D6-DB0B-4186-B4FD-B334F914DAFA}"/>
+              </a:ext>
+            </a:extLst>
+          </p:cNvPr>
+          <p:cNvPicPr>
+            <a:picLocks noGrp="1" noChangeAspect="1"/>
+          </p:cNvPicPr>
+          <p:nvPr>
+            <p:ph sz="quarter" idx="11"/>
+          </p:nvPr>
+        </p:nvPicPr>
+        <p:blipFill>
+          <a:blip r:embed="rId2"/>
+          <a:stretch>
+            <a:fillRect/>
+          </a:stretch>
+        </p:blipFill>
+        <p:spPr>
+          <a:xfrm>
+            <a:off x="4780344" y="899295"/>
+            <a:ext cx="4128706" cy="3725249"/>
+          </a:xfrm>
+        </p:spPr>
+      </p:pic>
+      <p:sp>
+        <p:nvSpPr>
+          <p:cNvPr id="6" name="Content Placeholder 5">
+            <a:extLst>
+              <a:ext uri="{FF2B5EF4-FFF2-40B4-BE49-F238E27FC236}">
+                <a16:creationId xmlns:a16="http://schemas.microsoft.com/office/drawing/2014/main" id="{A58A253E-8DFB-44A1-8EDA-8D1EE0A03E9E}"/>
+              </a:ext>
+            </a:extLst>
+          </p:cNvPr>
+          <p:cNvSpPr>
+            <a:spLocks noGrp="1"/>
+          </p:cNvSpPr>
+          <p:nvPr>
+            <p:ph sz="quarter" idx="12"/>
+          </p:nvPr>
+        </p:nvSpPr>
+        <p:spPr>
+          <a:xfrm>
+            <a:off x="234951" y="736599"/>
+            <a:ext cx="4719014" cy="4238625"/>
+          </a:xfrm>
+        </p:spPr>
+        <p:txBody>
+          <a:bodyPr/>
+          <a:lstStyle/>
+          <a:p>
+            <a:pPr marL="342900" indent="-342900">
+              <a:buFont typeface="Arial" panose="020B0604020202020204" pitchFamily="34" charset="0"/>
+              <a:buChar char="•"/>
+            </a:pPr>
+            <a:r>
+              <a:rPr lang="de-DE" dirty="0"/>
+              <a:t>Inhalt</a:t>
+            </a:r>
+          </a:p>
+          <a:p>
+            <a:pPr marL="698500" lvl="1" indent="-342900"/>
+            <a:r>
+              <a:rPr lang="de-DE" sz="1800" dirty="0"/>
+              <a:t>Klar definierte Fragen + quantifizierbare Antwortkategorien </a:t>
+            </a:r>
+          </a:p>
+          <a:p>
+            <a:pPr marL="698500" lvl="1" indent="-342900"/>
+            <a:r>
+              <a:rPr lang="de-DE" sz="1800" dirty="0"/>
+              <a:t>Oft: standardisierte Fragen / „Items“</a:t>
+            </a:r>
+            <a:r>
+              <a:rPr lang="de-DE" dirty="0"/>
+              <a:t> </a:t>
+            </a:r>
+          </a:p>
+          <a:p>
+            <a:pPr marL="342900" indent="-342900">
+              <a:buFont typeface="Arial" panose="020B0604020202020204" pitchFamily="34" charset="0"/>
+              <a:buChar char="•"/>
+            </a:pPr>
+            <a:r>
+              <a:rPr lang="de-DE" dirty="0"/>
+              <a:t>Auswahl der Probanden </a:t>
+            </a:r>
+          </a:p>
+          <a:p>
+            <a:pPr marL="698500" lvl="1" indent="-342900"/>
+            <a:r>
+              <a:rPr lang="de-DE" sz="1800" dirty="0"/>
+              <a:t>Ideal: „</a:t>
+            </a:r>
+            <a:r>
+              <a:rPr lang="de-DE" sz="1800" dirty="0" err="1"/>
+              <a:t>randomized</a:t>
+            </a:r>
+            <a:r>
+              <a:rPr lang="de-DE" sz="1800" dirty="0"/>
+              <a:t> </a:t>
+            </a:r>
+            <a:r>
+              <a:rPr lang="de-DE" sz="1800" dirty="0" err="1"/>
+              <a:t>sampling</a:t>
+            </a:r>
+            <a:r>
+              <a:rPr lang="de-DE" sz="1800" dirty="0"/>
+              <a:t>“ + Haus-zu-Haus Befragung / Telefon</a:t>
+            </a:r>
+          </a:p>
+          <a:p>
+            <a:pPr marL="698500" lvl="1" indent="-342900"/>
+            <a:r>
+              <a:rPr lang="de-DE" sz="1800" dirty="0"/>
+              <a:t>Häufig: gewichtete </a:t>
+            </a:r>
+            <a:r>
+              <a:rPr lang="de-DE" sz="1800" dirty="0" err="1"/>
+              <a:t>Panele</a:t>
+            </a:r>
+            <a:r>
+              <a:rPr lang="de-DE" sz="1800" dirty="0"/>
+              <a:t> </a:t>
+            </a:r>
+          </a:p>
+          <a:p>
+            <a:pPr marL="698500" lvl="1" indent="-342900"/>
+            <a:r>
+              <a:rPr lang="de-DE" sz="1800" dirty="0"/>
+              <a:t>Gezieltere Auswahl möglich</a:t>
+            </a:r>
+            <a:endParaRPr lang="de-DE" dirty="0"/>
+          </a:p>
+          <a:p>
+            <a:pPr marL="342900" indent="-342900">
+              <a:buFont typeface="Arial" panose="020B0604020202020204" pitchFamily="34" charset="0"/>
+              <a:buChar char="•"/>
+            </a:pPr>
+            <a:r>
+              <a:rPr lang="de-DE" dirty="0"/>
+              <a:t>Methoden:</a:t>
+            </a:r>
+          </a:p>
+          <a:p>
+            <a:pPr marL="698500" lvl="1" indent="-342900"/>
+            <a:r>
+              <a:rPr lang="de-DE" sz="1800" dirty="0"/>
+              <a:t>Regression (sehr weites Feld) </a:t>
+            </a:r>
+          </a:p>
+          <a:p>
+            <a:pPr marL="698500" lvl="1" indent="-342900"/>
+            <a:r>
+              <a:rPr lang="de-DE" sz="1800" dirty="0"/>
+              <a:t>Deskriptive Analysen </a:t>
+            </a:r>
+          </a:p>
+          <a:p>
+            <a:pPr marL="698500" lvl="1" indent="-342900"/>
+            <a:endParaRPr lang="de-DE" dirty="0"/>
+          </a:p>
+          <a:p>
+            <a:pPr marL="698500" lvl="1" indent="-342900"/>
+            <a:endParaRPr lang="de-DE" dirty="0"/>
+          </a:p>
+        </p:txBody>
+      </p:sp>
+    </p:spTree>
+    <p:extLst>
+      <p:ext uri="{BB962C8B-B14F-4D97-AF65-F5344CB8AC3E}">
+        <p14:creationId xmlns:p14="http://schemas.microsoft.com/office/powerpoint/2010/main" val="180312415"/>
+      </p:ext>
+    </p:extLst>
+  </p:cSld>
+  <p:clrMapOvr>
+    <a:masterClrMapping/>
+  </p:clrMapOvr>
+  <p:transition spd="slow"/>
+</p:sld>
+</file>
+
+<file path=ppt/slides/slide8.xml><?xml version="1.0" encoding="utf-8"?>
+<p:sld xmlns:a="http://schemas.openxmlformats.org/drawingml/2006/main" xmlns:r="http://schemas.openxmlformats.org/officeDocument/2006/relationships" xmlns:p="http://schemas.openxmlformats.org/presentationml/2006/main">
+  <p:cSld>
+    <p:spTree>
+      <p:nvGrpSpPr>
+        <p:cNvPr id="1" name=""/>
+        <p:cNvGrpSpPr/>
+        <p:nvPr/>
+      </p:nvGrpSpPr>
+      <p:grpSpPr>
+        <a:xfrm>
+          <a:off x="0" y="0"/>
+          <a:ext cx="0" cy="0"/>
+          <a:chOff x="0" y="0"/>
+          <a:chExt cx="0" cy="0"/>
+        </a:xfrm>
+      </p:grpSpPr>
+      <p:sp>
+        <p:nvSpPr>
+          <p:cNvPr id="4" name="Title 3">
+            <a:extLst>
+              <a:ext uri="{FF2B5EF4-FFF2-40B4-BE49-F238E27FC236}">
+                <a16:creationId xmlns:a16="http://schemas.microsoft.com/office/drawing/2014/main" id="{4AB3BC83-C526-45D4-A5F6-67626B640A27}"/>
+              </a:ext>
+            </a:extLst>
+          </p:cNvPr>
+          <p:cNvSpPr>
+            <a:spLocks noGrp="1"/>
+          </p:cNvSpPr>
+          <p:nvPr>
+            <p:ph type="title"/>
+          </p:nvPr>
+        </p:nvSpPr>
+        <p:spPr/>
+        <p:txBody>
+          <a:bodyPr/>
+          <a:lstStyle/>
+          <a:p>
+            <a:r>
+              <a:rPr lang="de-DE" dirty="0"/>
+              <a:t>Umfragen: Beispiel</a:t>
+            </a:r>
+          </a:p>
+        </p:txBody>
+      </p:sp>
+      <p:sp>
+        <p:nvSpPr>
+          <p:cNvPr id="6" name="Content Placeholder 5">
+            <a:extLst>
+              <a:ext uri="{FF2B5EF4-FFF2-40B4-BE49-F238E27FC236}">
+                <a16:creationId xmlns:a16="http://schemas.microsoft.com/office/drawing/2014/main" id="{A58A253E-8DFB-44A1-8EDA-8D1EE0A03E9E}"/>
+              </a:ext>
+            </a:extLst>
+          </p:cNvPr>
+          <p:cNvSpPr>
+            <a:spLocks noGrp="1"/>
+          </p:cNvSpPr>
+          <p:nvPr>
+            <p:ph sz="quarter" idx="12"/>
+          </p:nvPr>
+        </p:nvSpPr>
+        <p:spPr>
+          <a:xfrm>
+            <a:off x="234950" y="736599"/>
+            <a:ext cx="8811317" cy="4128133"/>
+          </a:xfrm>
+        </p:spPr>
+        <p:txBody>
+          <a:bodyPr/>
+          <a:lstStyle/>
+          <a:p>
+            <a:r>
+              <a:rPr lang="en-US" sz="1200" b="0" i="0" dirty="0">
+                <a:solidFill>
+                  <a:srgbClr val="1C1D1E"/>
+                </a:solidFill>
+                <a:effectLst/>
+                <a:latin typeface="+mj-lt"/>
+              </a:rPr>
+              <a:t>Mayer, S. J., </a:t>
+            </a:r>
+            <a:r>
+              <a:rPr lang="en-US" sz="1200" b="0" i="0" dirty="0" err="1">
+                <a:solidFill>
+                  <a:srgbClr val="1C1D1E"/>
+                </a:solidFill>
+                <a:effectLst/>
+                <a:latin typeface="+mj-lt"/>
+              </a:rPr>
+              <a:t>Berning</a:t>
+            </a:r>
+            <a:r>
+              <a:rPr lang="en-US" sz="1200" b="0" i="0" dirty="0">
+                <a:solidFill>
+                  <a:srgbClr val="1C1D1E"/>
+                </a:solidFill>
+                <a:effectLst/>
+                <a:latin typeface="+mj-lt"/>
+              </a:rPr>
+              <a:t>, C. C., and Johann, D. (2020) The Two Dimensions of Narcissistic Personality and Support for the Radical Right: The Role of Right-wing Authoritarianism, Social Dominance Orientation and Anti-immigrant Sentiment. </a:t>
+            </a:r>
+            <a:r>
+              <a:rPr lang="en-US" sz="1200" b="0" i="1" dirty="0">
+                <a:solidFill>
+                  <a:srgbClr val="1C1D1E"/>
+                </a:solidFill>
+                <a:effectLst/>
+                <a:latin typeface="+mj-lt"/>
+              </a:rPr>
+              <a:t>Eur. J. Pers.</a:t>
+            </a:r>
+            <a:r>
+              <a:rPr lang="en-US" sz="1200" b="0" i="0" dirty="0">
+                <a:solidFill>
+                  <a:srgbClr val="1C1D1E"/>
+                </a:solidFill>
+                <a:effectLst/>
+                <a:latin typeface="+mj-lt"/>
+              </a:rPr>
+              <a:t>, 34: 60– 76. </a:t>
+            </a:r>
+            <a:r>
+              <a:rPr lang="en-US" sz="1200" b="0" i="0" u="none" strike="noStrike" dirty="0">
+                <a:solidFill>
+                  <a:srgbClr val="005274"/>
+                </a:solidFill>
+                <a:effectLst/>
+                <a:latin typeface="+mj-lt"/>
+                <a:hlinkClick r:id="rId2"/>
+              </a:rPr>
+              <a:t>https://doi.org/10.1002/per.2228</a:t>
+            </a:r>
+            <a:r>
+              <a:rPr lang="en-US" sz="1200" b="0" i="0" dirty="0">
+                <a:solidFill>
+                  <a:srgbClr val="1C1D1E"/>
+                </a:solidFill>
+                <a:effectLst/>
+                <a:latin typeface="+mj-lt"/>
+              </a:rPr>
+              <a:t>.</a:t>
+            </a:r>
+            <a:endParaRPr lang="en-US" sz="1200" b="0" dirty="0">
+              <a:solidFill>
+                <a:srgbClr val="2C72B7"/>
+              </a:solidFill>
+              <a:latin typeface="+mj-lt"/>
+            </a:endParaRPr>
+          </a:p>
+          <a:p>
+            <a:pPr marL="342900" indent="-342900">
+              <a:buFont typeface="Arial" panose="020B0604020202020204" pitchFamily="34" charset="0"/>
+              <a:buChar char="•"/>
+            </a:pPr>
+            <a:r>
+              <a:rPr lang="de-DE" sz="2000" dirty="0"/>
+              <a:t>Frage: </a:t>
+            </a:r>
+            <a:r>
+              <a:rPr lang="de-DE" sz="2000" b="0" dirty="0"/>
+              <a:t> Welchen Zusammenhang gibt es zwischen Narzissmus und Unterstützung von Rechtspopulistischen Parteien? </a:t>
+            </a:r>
+          </a:p>
+          <a:p>
+            <a:pPr marL="342900" indent="-342900">
+              <a:buFont typeface="Arial" panose="020B0604020202020204" pitchFamily="34" charset="0"/>
+              <a:buChar char="•"/>
+            </a:pPr>
+            <a:r>
+              <a:rPr lang="de-DE" sz="2000" dirty="0"/>
+              <a:t>Methode: </a:t>
+            </a:r>
+            <a:r>
+              <a:rPr lang="de-DE" sz="2000" b="0" dirty="0"/>
+              <a:t>Regressionsanalyse von Umfragedaten, Strukturgleichungsmodelle </a:t>
+            </a:r>
+          </a:p>
+          <a:p>
+            <a:pPr marL="342900" indent="-342900">
+              <a:buFont typeface="Arial" panose="020B0604020202020204" pitchFamily="34" charset="0"/>
+              <a:buChar char="•"/>
+            </a:pPr>
+            <a:r>
+              <a:rPr lang="de-DE" sz="2000" dirty="0"/>
+              <a:t>Ergebnis:  </a:t>
+            </a:r>
+          </a:p>
+          <a:p>
+            <a:pPr marL="698500" lvl="1" indent="-342900"/>
+            <a:r>
+              <a:rPr lang="de-DE" sz="1600" dirty="0"/>
+              <a:t>Kein direkter Zusammenhang </a:t>
+            </a:r>
+          </a:p>
+          <a:p>
+            <a:pPr marL="698500" lvl="1" indent="-342900"/>
+            <a:r>
+              <a:rPr lang="de-DE" sz="1600" dirty="0"/>
+              <a:t>Aber Indirekte Effekte </a:t>
+            </a:r>
+          </a:p>
+          <a:p>
+            <a:pPr marL="1066800" lvl="2" indent="-342900"/>
+            <a:r>
+              <a:rPr lang="de-DE" sz="1400" dirty="0"/>
+              <a:t>durch AIS  (Anti-Immigrant </a:t>
+            </a:r>
+            <a:r>
+              <a:rPr lang="de-DE" sz="1400" dirty="0" err="1"/>
+              <a:t>Sent</a:t>
+            </a:r>
+            <a:r>
+              <a:rPr lang="de-DE" sz="1400" dirty="0"/>
+              <a:t>.)</a:t>
+            </a:r>
+          </a:p>
+          <a:p>
+            <a:pPr marL="1066800" lvl="2" indent="-342900"/>
+            <a:r>
+              <a:rPr lang="de-DE" sz="1400" dirty="0"/>
+              <a:t>Durch RWA (</a:t>
+            </a:r>
+            <a:r>
+              <a:rPr lang="de-DE" sz="1400" dirty="0" err="1"/>
+              <a:t>Right</a:t>
+            </a:r>
+            <a:r>
+              <a:rPr lang="de-DE" sz="1400" dirty="0"/>
+              <a:t>-Wing </a:t>
+            </a:r>
+            <a:r>
+              <a:rPr lang="de-DE" sz="1400" dirty="0" err="1"/>
+              <a:t>Auth</a:t>
+            </a:r>
+            <a:r>
+              <a:rPr lang="de-DE" sz="1400" dirty="0"/>
+              <a:t>)</a:t>
+            </a:r>
+          </a:p>
+        </p:txBody>
+      </p:sp>
+      <p:pic>
+        <p:nvPicPr>
+          <p:cNvPr id="4098" name="Picture 2" descr="Details are in the caption following the image">
+            <a:extLst>
+              <a:ext uri="{FF2B5EF4-FFF2-40B4-BE49-F238E27FC236}">
+                <a16:creationId xmlns:a16="http://schemas.microsoft.com/office/drawing/2014/main" id="{A822E33D-5ED2-4A87-8DA6-A0796CCDA6FD}"/>
+              </a:ext>
+            </a:extLst>
+          </p:cNvPr>
+          <p:cNvPicPr>
+            <a:picLocks noGrp="1" noChangeAspect="1" noChangeArrowheads="1"/>
+          </p:cNvPicPr>
+          <p:nvPr>
+            <p:ph sz="quarter" idx="11"/>
+          </p:nvPr>
+        </p:nvPicPr>
+        <p:blipFill>
+          <a:blip r:embed="rId3">
+            <a:extLst>
+              <a:ext uri="{28A0092B-C50C-407E-A947-70E740481C1C}">
+                <a14:useLocalDpi xmlns:a14="http://schemas.microsoft.com/office/drawing/2010/main" val="0"/>
+              </a:ext>
+            </a:extLst>
+          </a:blip>
+          <a:srcRect/>
+          <a:stretch>
+            <a:fillRect/>
+          </a:stretch>
+        </p:blipFill>
+        <p:spPr bwMode="auto">
+          <a:xfrm>
+            <a:off x="4121453" y="3064212"/>
+            <a:ext cx="4924814" cy="1800519"/>
+          </a:xfrm>
+          <a:prstGeom prst="rect">
+            <a:avLst/>
+          </a:prstGeom>
+          <a:noFill/>
+          <a:extLst>
+            <a:ext uri="{909E8E84-426E-40DD-AFC4-6F175D3DCCD1}">
+              <a14:hiddenFill xmlns:a14="http://schemas.microsoft.com/office/drawing/2010/main">
+                <a:solidFill>
+                  <a:srgbClr val="FFFFFF"/>
+                </a:solidFill>
+              </a14:hiddenFill>
+            </a:ext>
+          </a:extLst>
+        </p:spPr>
+      </p:pic>
+    </p:spTree>
+    <p:extLst>
+      <p:ext uri="{BB962C8B-B14F-4D97-AF65-F5344CB8AC3E}">
+        <p14:creationId xmlns:p14="http://schemas.microsoft.com/office/powerpoint/2010/main" val="167197884"/>
+      </p:ext>
+    </p:extLst>
+  </p:cSld>
+  <p:clrMapOvr>
+    <a:masterClrMapping/>
+  </p:clrMapOvr>
+  <p:transition spd="slow"/>
+</p:sld>
+</file>
+
+<file path=ppt/slides/slide9.xml><?xml version="1.0" encoding="utf-8"?>
+<p:sld xmlns:a="http://schemas.openxmlformats.org/drawingml/2006/main" xmlns:r="http://schemas.openxmlformats.org/officeDocument/2006/relationships" xmlns:p="http://schemas.openxmlformats.org/presentationml/2006/main">
+  <p:cSld>
+    <p:spTree>
+      <p:nvGrpSpPr>
+        <p:cNvPr id="1" name=""/>
+        <p:cNvGrpSpPr/>
+        <p:nvPr/>
+      </p:nvGrpSpPr>
+      <p:grpSpPr>
+        <a:xfrm>
+          <a:off x="0" y="0"/>
+          <a:ext cx="0" cy="0"/>
+          <a:chOff x="0" y="0"/>
+          <a:chExt cx="0" cy="0"/>
+        </a:xfrm>
+      </p:grpSpPr>
+      <p:pic>
+        <p:nvPicPr>
+          <p:cNvPr id="1030" name="Picture 6" descr="Studying Public Opinion Using Survey Experiments - SAGE Research Methods">
+            <a:extLst>
+              <a:ext uri="{FF2B5EF4-FFF2-40B4-BE49-F238E27FC236}">
+                <a16:creationId xmlns:a16="http://schemas.microsoft.com/office/drawing/2014/main" id="{92579C0B-39B4-4F78-99B3-EDE61AC4B0C3}"/>
+              </a:ext>
+            </a:extLst>
+          </p:cNvPr>
+          <p:cNvPicPr>
+            <a:picLocks noChangeAspect="1" noChangeArrowheads="1"/>
+          </p:cNvPicPr>
+          <p:nvPr/>
+        </p:nvPicPr>
+        <p:blipFill>
+          <a:blip r:embed="rId2">
+            <a:extLst>
+              <a:ext uri="{28A0092B-C50C-407E-A947-70E740481C1C}">
+                <a14:useLocalDpi xmlns:a14="http://schemas.microsoft.com/office/drawing/2010/main" val="0"/>
+              </a:ext>
+            </a:extLst>
+          </a:blip>
+          <a:srcRect/>
+          <a:stretch>
+            <a:fillRect/>
+          </a:stretch>
+        </p:blipFill>
+        <p:spPr bwMode="auto">
+          <a:xfrm>
+            <a:off x="5786830" y="2793042"/>
+            <a:ext cx="3011197" cy="2102193"/>
+          </a:xfrm>
+          <a:prstGeom prst="rect">
+            <a:avLst/>
+          </a:prstGeom>
+          <a:noFill/>
+          <a:extLst>
+            <a:ext uri="{909E8E84-426E-40DD-AFC4-6F175D3DCCD1}">
+              <a14:hiddenFill xmlns:a14="http://schemas.microsoft.com/office/drawing/2010/main">
+                <a:solidFill>
+                  <a:srgbClr val="FFFFFF"/>
+                </a:solidFill>
+              </a14:hiddenFill>
+            </a:ext>
+          </a:extLst>
+        </p:spPr>
+      </p:pic>
+      <p:sp>
+        <p:nvSpPr>
+          <p:cNvPr id="4" name="Title 3">
+            <a:extLst>
+              <a:ext uri="{FF2B5EF4-FFF2-40B4-BE49-F238E27FC236}">
+                <a16:creationId xmlns:a16="http://schemas.microsoft.com/office/drawing/2014/main" id="{4AB3BC83-C526-45D4-A5F6-67626B640A27}"/>
+              </a:ext>
+            </a:extLst>
+          </p:cNvPr>
+          <p:cNvSpPr>
+            <a:spLocks noGrp="1"/>
+          </p:cNvSpPr>
+          <p:nvPr>
+            <p:ph type="title"/>
+          </p:nvPr>
+        </p:nvSpPr>
+        <p:spPr/>
+        <p:txBody>
+          <a:bodyPr/>
+          <a:lstStyle/>
+          <a:p>
+            <a:r>
+              <a:rPr lang="de-DE" dirty="0"/>
+              <a:t>Experimente: Immer Wichtiger</a:t>
+            </a:r>
+          </a:p>
+        </p:txBody>
+      </p:sp>
+      <p:sp>
+        <p:nvSpPr>
+          <p:cNvPr id="6" name="Content Placeholder 5">
+            <a:extLst>
+              <a:ext uri="{FF2B5EF4-FFF2-40B4-BE49-F238E27FC236}">
+                <a16:creationId xmlns:a16="http://schemas.microsoft.com/office/drawing/2014/main" id="{A58A253E-8DFB-44A1-8EDA-8D1EE0A03E9E}"/>
+              </a:ext>
+            </a:extLst>
+          </p:cNvPr>
+          <p:cNvSpPr>
+            <a:spLocks noGrp="1"/>
+          </p:cNvSpPr>
+          <p:nvPr>
+            <p:ph sz="quarter" idx="12"/>
+          </p:nvPr>
+        </p:nvSpPr>
+        <p:spPr>
+          <a:xfrm>
+            <a:off x="234951" y="736599"/>
+            <a:ext cx="4719014" cy="4238625"/>
+          </a:xfrm>
+        </p:spPr>
+        <p:txBody>
+          <a:bodyPr/>
+          <a:lstStyle/>
+          <a:p>
+            <a:pPr marL="342900" indent="-342900">
+              <a:buFont typeface="Arial" panose="020B0604020202020204" pitchFamily="34" charset="0"/>
+              <a:buChar char="•"/>
+            </a:pPr>
+            <a:r>
+              <a:rPr lang="de-DE" dirty="0"/>
+              <a:t>Formen</a:t>
+            </a:r>
+          </a:p>
+          <a:p>
+            <a:pPr marL="698500" lvl="1" indent="-342900"/>
+            <a:r>
+              <a:rPr lang="de-DE" sz="1800" dirty="0"/>
+              <a:t>Lab-Experiment: Im „Labor“, oft an der Uni</a:t>
+            </a:r>
+          </a:p>
+          <a:p>
+            <a:pPr marL="698500" lvl="1" indent="-342900"/>
+            <a:r>
+              <a:rPr lang="de-DE" sz="1800" dirty="0"/>
+              <a:t>Survey Experiment: Eingebettet in eine Umfrage </a:t>
+            </a:r>
+          </a:p>
+          <a:p>
+            <a:pPr marL="698500" lvl="1" indent="-342900"/>
+            <a:r>
+              <a:rPr lang="de-DE" sz="1800" dirty="0"/>
+              <a:t>Field Experiment: Ein Experiment im „Feld“</a:t>
+            </a:r>
+            <a:r>
+              <a:rPr lang="de-DE" sz="1800" dirty="0">
+                <a:sym typeface="Wingdings" panose="05000000000000000000" pitchFamily="2" charset="2"/>
+              </a:rPr>
+              <a:t> In der Welt</a:t>
+            </a:r>
+            <a:endParaRPr lang="de-DE" dirty="0"/>
+          </a:p>
+          <a:p>
+            <a:pPr marL="342900" indent="-342900">
+              <a:buFont typeface="Arial" panose="020B0604020202020204" pitchFamily="34" charset="0"/>
+              <a:buChar char="•"/>
+            </a:pPr>
+            <a:r>
+              <a:rPr lang="de-DE" dirty="0"/>
+              <a:t>Methoden:</a:t>
+            </a:r>
+          </a:p>
+          <a:p>
+            <a:pPr marL="698500" lvl="1" indent="-342900"/>
+            <a:r>
+              <a:rPr lang="de-DE" sz="1800" dirty="0"/>
+              <a:t>Sehr wichtig: Zufällige Zuteilung / „</a:t>
+            </a:r>
+            <a:r>
+              <a:rPr lang="de-DE" sz="1800" dirty="0" err="1"/>
+              <a:t>Randomization</a:t>
+            </a:r>
+            <a:r>
+              <a:rPr lang="de-DE" sz="1800" dirty="0"/>
+              <a:t>“  </a:t>
+            </a:r>
+            <a:r>
+              <a:rPr lang="de-DE" sz="1800" dirty="0">
+                <a:sym typeface="Wingdings" panose="05000000000000000000" pitchFamily="2" charset="2"/>
+              </a:rPr>
+              <a:t> Kausalität</a:t>
+            </a:r>
+            <a:endParaRPr lang="de-DE" sz="1800" dirty="0"/>
+          </a:p>
+          <a:p>
+            <a:pPr marL="698500" lvl="1" indent="-342900"/>
+            <a:r>
+              <a:rPr lang="de-DE" sz="1800" dirty="0"/>
+              <a:t>Deskriptive Analysen / sehr spezifische Messungen </a:t>
+            </a:r>
+          </a:p>
+          <a:p>
+            <a:pPr marL="698500" lvl="1" indent="-342900"/>
+            <a:endParaRPr lang="de-DE" dirty="0"/>
+          </a:p>
+          <a:p>
+            <a:pPr marL="698500" lvl="1" indent="-342900"/>
+            <a:endParaRPr lang="de-DE" dirty="0"/>
+          </a:p>
+        </p:txBody>
+      </p:sp>
+      <p:pic>
+        <p:nvPicPr>
+          <p:cNvPr id="1028" name="Picture 4" descr="Combining EEG and eye tracking: a workflow for your lab experiment">
+            <a:extLst>
+              <a:ext uri="{FF2B5EF4-FFF2-40B4-BE49-F238E27FC236}">
+                <a16:creationId xmlns:a16="http://schemas.microsoft.com/office/drawing/2014/main" id="{DD2B1E5A-5DA4-42A7-9E84-1C357FE17DD0}"/>
+              </a:ext>
+            </a:extLst>
+          </p:cNvPr>
+          <p:cNvPicPr>
+            <a:picLocks noGrp="1" noChangeAspect="1" noChangeArrowheads="1"/>
+          </p:cNvPicPr>
+          <p:nvPr>
+            <p:ph sz="quarter" idx="11"/>
+          </p:nvPr>
+        </p:nvPicPr>
+        <p:blipFill>
+          <a:blip r:embed="rId3">
+            <a:extLst>
+              <a:ext uri="{28A0092B-C50C-407E-A947-70E740481C1C}">
+                <a14:useLocalDpi xmlns:a14="http://schemas.microsoft.com/office/drawing/2010/main" val="0"/>
+              </a:ext>
+            </a:extLst>
+          </a:blip>
+          <a:srcRect/>
+          <a:stretch>
+            <a:fillRect/>
+          </a:stretch>
+        </p:blipFill>
+        <p:spPr bwMode="auto">
+          <a:xfrm>
+            <a:off x="5564790" y="736599"/>
+            <a:ext cx="3233237" cy="1949451"/>
+          </a:xfrm>
+          <a:prstGeom prst="rect">
+            <a:avLst/>
+          </a:prstGeom>
+          <a:noFill/>
+          <a:extLst>
+            <a:ext uri="{909E8E84-426E-40DD-AFC4-6F175D3DCCD1}">
+              <a14:hiddenFill xmlns:a14="http://schemas.microsoft.com/office/drawing/2010/main">
+                <a:solidFill>
+                  <a:srgbClr val="FFFFFF"/>
+                </a:solidFill>
+              </a14:hiddenFill>
+            </a:ext>
+          </a:extLst>
+        </p:spPr>
+      </p:pic>
+    </p:spTree>
+    <p:extLst>
+      <p:ext uri="{BB962C8B-B14F-4D97-AF65-F5344CB8AC3E}">
+        <p14:creationId xmlns:p14="http://schemas.microsoft.com/office/powerpoint/2010/main" val="2752675133"/>
       </p:ext>
     </p:extLst>
   </p:cSld>

--- a/2_Slides_Literature/2_Basics of Political Psychology/2-Methoden und Theorien der politischen Psychologie.pptx
+++ b/2_Slides_Literature/2_Basics of Political Psychology/2-Methoden und Theorien der politischen Psychologie.pptx
@@ -196,7 +196,7 @@
 <file path=ppt/revisionInfo.xml><?xml version="1.0" encoding="utf-8"?>
 <p1510:revInfo xmlns:a="http://schemas.openxmlformats.org/drawingml/2006/main" xmlns:r="http://schemas.openxmlformats.org/officeDocument/2006/relationships" xmlns:p1510="http://schemas.microsoft.com/office/powerpoint/2015/10/main">
   <p1510:revLst>
-    <p1510:client id="{E94AFAF3-9327-44B5-A633-24733238964D}" v="93" dt="2023-04-24T08:42:37.625"/>
+    <p1510:client id="{E94AFAF3-9327-44B5-A633-24733238964D}" v="105" dt="2023-05-07T11:25:00.560"/>
   </p1510:revLst>
 </p1510:revInfo>
 </file>
@@ -4931,19 +4931,19 @@
   </pc:docChgLst>
   <pc:docChgLst>
     <pc:chgData name="C C" userId="58c016da926720ee" providerId="LiveId" clId="{E94AFAF3-9327-44B5-A633-24733238964D}"/>
-    <pc:docChg chg="custSel addSld delSld modSld sldOrd">
-      <pc:chgData name="C C" userId="58c016da926720ee" providerId="LiveId" clId="{E94AFAF3-9327-44B5-A633-24733238964D}" dt="2023-04-24T09:32:02.667" v="1368" actId="20577"/>
+    <pc:docChg chg="undo custSel addSld delSld modSld sldOrd">
+      <pc:chgData name="C C" userId="58c016da926720ee" providerId="LiveId" clId="{E94AFAF3-9327-44B5-A633-24733238964D}" dt="2023-05-07T11:28:22.412" v="2350" actId="47"/>
       <pc:docMkLst>
         <pc:docMk/>
       </pc:docMkLst>
       <pc:sldChg chg="modSp mod">
-        <pc:chgData name="C C" userId="58c016da926720ee" providerId="LiveId" clId="{E94AFAF3-9327-44B5-A633-24733238964D}" dt="2023-04-24T08:42:10.455" v="597" actId="20577"/>
+        <pc:chgData name="C C" userId="58c016da926720ee" providerId="LiveId" clId="{E94AFAF3-9327-44B5-A633-24733238964D}" dt="2023-05-07T11:27:42.117" v="2348" actId="20577"/>
         <pc:sldMkLst>
           <pc:docMk/>
           <pc:sldMk cId="3533300035" sldId="257"/>
         </pc:sldMkLst>
         <pc:spChg chg="mod">
-          <ac:chgData name="C C" userId="58c016da926720ee" providerId="LiveId" clId="{E94AFAF3-9327-44B5-A633-24733238964D}" dt="2023-04-24T08:42:10.455" v="597" actId="20577"/>
+          <ac:chgData name="C C" userId="58c016da926720ee" providerId="LiveId" clId="{E94AFAF3-9327-44B5-A633-24733238964D}" dt="2023-05-07T11:27:42.117" v="2348" actId="20577"/>
           <ac:spMkLst>
             <pc:docMk/>
             <pc:sldMk cId="3533300035" sldId="257"/>
@@ -5147,7 +5147,7 @@
         </pc:picChg>
       </pc:sldChg>
       <pc:sldChg chg="addSp modSp add mod">
-        <pc:chgData name="C C" userId="58c016da926720ee" providerId="LiveId" clId="{E94AFAF3-9327-44B5-A633-24733238964D}" dt="2023-04-14T07:49:45.372" v="540" actId="1076"/>
+        <pc:chgData name="C C" userId="58c016da926720ee" providerId="LiveId" clId="{E94AFAF3-9327-44B5-A633-24733238964D}" dt="2023-05-07T10:03:15.182" v="1942" actId="20577"/>
         <pc:sldMkLst>
           <pc:docMk/>
           <pc:sldMk cId="3891049118" sldId="285"/>
@@ -5161,7 +5161,7 @@
           </ac:spMkLst>
         </pc:spChg>
         <pc:spChg chg="mod">
-          <ac:chgData name="C C" userId="58c016da926720ee" providerId="LiveId" clId="{E94AFAF3-9327-44B5-A633-24733238964D}" dt="2023-04-14T07:49:38.552" v="537" actId="14100"/>
+          <ac:chgData name="C C" userId="58c016da926720ee" providerId="LiveId" clId="{E94AFAF3-9327-44B5-A633-24733238964D}" dt="2023-05-07T10:03:15.182" v="1942" actId="20577"/>
           <ac:spMkLst>
             <pc:docMk/>
             <pc:sldMk cId="3891049118" sldId="285"/>
@@ -5238,6 +5238,247 @@
             <ac:spMk id="5" creationId="{A4978C0C-9E79-AB06-2931-5C75E13C11CB}"/>
           </ac:spMkLst>
         </pc:spChg>
+      </pc:sldChg>
+      <pc:sldChg chg="modSp new del mod">
+        <pc:chgData name="C C" userId="58c016da926720ee" providerId="LiveId" clId="{E94AFAF3-9327-44B5-A633-24733238964D}" dt="2023-05-07T11:28:22.412" v="2350" actId="47"/>
+        <pc:sldMkLst>
+          <pc:docMk/>
+          <pc:sldMk cId="807176589" sldId="288"/>
+        </pc:sldMkLst>
+        <pc:spChg chg="mod">
+          <ac:chgData name="C C" userId="58c016da926720ee" providerId="LiveId" clId="{E94AFAF3-9327-44B5-A633-24733238964D}" dt="2023-05-07T09:58:24.622" v="1401" actId="5793"/>
+          <ac:spMkLst>
+            <pc:docMk/>
+            <pc:sldMk cId="807176589" sldId="288"/>
+            <ac:spMk id="2" creationId="{218A90DB-9461-F6EB-B8AA-F32C79619B0E}"/>
+          </ac:spMkLst>
+        </pc:spChg>
+      </pc:sldChg>
+      <pc:sldChg chg="modSp add del mod">
+        <pc:chgData name="C C" userId="58c016da926720ee" providerId="LiveId" clId="{E94AFAF3-9327-44B5-A633-24733238964D}" dt="2023-05-07T10:00:00.504" v="1528" actId="47"/>
+        <pc:sldMkLst>
+          <pc:docMk/>
+          <pc:sldMk cId="3787351508" sldId="289"/>
+        </pc:sldMkLst>
+        <pc:spChg chg="mod">
+          <ac:chgData name="C C" userId="58c016da926720ee" providerId="LiveId" clId="{E94AFAF3-9327-44B5-A633-24733238964D}" dt="2023-05-07T09:58:55.061" v="1424" actId="20577"/>
+          <ac:spMkLst>
+            <pc:docMk/>
+            <pc:sldMk cId="3787351508" sldId="289"/>
+            <ac:spMk id="7" creationId="{20C1611D-16DD-48E3-8356-718FF42382B4}"/>
+          </ac:spMkLst>
+        </pc:spChg>
+      </pc:sldChg>
+      <pc:sldChg chg="addSp delSp modSp add del mod">
+        <pc:chgData name="C C" userId="58c016da926720ee" providerId="LiveId" clId="{E94AFAF3-9327-44B5-A633-24733238964D}" dt="2023-05-07T11:28:19.514" v="2349" actId="2696"/>
+        <pc:sldMkLst>
+          <pc:docMk/>
+          <pc:sldMk cId="1603072243" sldId="290"/>
+        </pc:sldMkLst>
+        <pc:spChg chg="mod">
+          <ac:chgData name="C C" userId="58c016da926720ee" providerId="LiveId" clId="{E94AFAF3-9327-44B5-A633-24733238964D}" dt="2023-05-07T10:03:47.886" v="1960" actId="5793"/>
+          <ac:spMkLst>
+            <pc:docMk/>
+            <pc:sldMk cId="1603072243" sldId="290"/>
+            <ac:spMk id="7" creationId="{20C1611D-16DD-48E3-8356-718FF42382B4}"/>
+          </ac:spMkLst>
+        </pc:spChg>
+        <pc:graphicFrameChg chg="add mod modGraphic">
+          <ac:chgData name="C C" userId="58c016da926720ee" providerId="LiveId" clId="{E94AFAF3-9327-44B5-A633-24733238964D}" dt="2023-05-07T10:04:40.111" v="1978" actId="1076"/>
+          <ac:graphicFrameMkLst>
+            <pc:docMk/>
+            <pc:sldMk cId="1603072243" sldId="290"/>
+            <ac:graphicFrameMk id="2" creationId="{C2E1D3A7-D286-B96E-CBBD-F0DA108BC2DE}"/>
+          </ac:graphicFrameMkLst>
+        </pc:graphicFrameChg>
+        <pc:picChg chg="del">
+          <ac:chgData name="C C" userId="58c016da926720ee" providerId="LiveId" clId="{E94AFAF3-9327-44B5-A633-24733238964D}" dt="2023-05-07T10:00:58.214" v="1686" actId="478"/>
+          <ac:picMkLst>
+            <pc:docMk/>
+            <pc:sldMk cId="1603072243" sldId="290"/>
+            <ac:picMk id="1026" creationId="{F4E3C064-B307-C2D8-3435-810E5F638D73}"/>
+          </ac:picMkLst>
+        </pc:picChg>
+      </pc:sldChg>
+      <pc:sldChg chg="addSp delSp modSp add del mod">
+        <pc:chgData name="C C" userId="58c016da926720ee" providerId="LiveId" clId="{E94AFAF3-9327-44B5-A633-24733238964D}" dt="2023-05-07T11:28:19.514" v="2349" actId="2696"/>
+        <pc:sldMkLst>
+          <pc:docMk/>
+          <pc:sldMk cId="649098460" sldId="291"/>
+        </pc:sldMkLst>
+        <pc:spChg chg="add mod">
+          <ac:chgData name="C C" userId="58c016da926720ee" providerId="LiveId" clId="{E94AFAF3-9327-44B5-A633-24733238964D}" dt="2023-05-07T10:08:18.461" v="2153" actId="20577"/>
+          <ac:spMkLst>
+            <pc:docMk/>
+            <pc:sldMk cId="649098460" sldId="291"/>
+            <ac:spMk id="4" creationId="{256ED552-A6EC-6B9B-EE9B-EEE775AFFB7E}"/>
+          </ac:spMkLst>
+        </pc:spChg>
+        <pc:spChg chg="mod">
+          <ac:chgData name="C C" userId="58c016da926720ee" providerId="LiveId" clId="{E94AFAF3-9327-44B5-A633-24733238964D}" dt="2023-05-07T10:05:02.801" v="1997" actId="20577"/>
+          <ac:spMkLst>
+            <pc:docMk/>
+            <pc:sldMk cId="649098460" sldId="291"/>
+            <ac:spMk id="5" creationId="{385008BE-1668-4B22-A439-090A62E70F9B}"/>
+          </ac:spMkLst>
+        </pc:spChg>
+        <pc:spChg chg="del">
+          <ac:chgData name="C C" userId="58c016da926720ee" providerId="LiveId" clId="{E94AFAF3-9327-44B5-A633-24733238964D}" dt="2023-05-07T10:05:06.639" v="1999" actId="478"/>
+          <ac:spMkLst>
+            <pc:docMk/>
+            <pc:sldMk cId="649098460" sldId="291"/>
+            <ac:spMk id="7" creationId="{20C1611D-16DD-48E3-8356-718FF42382B4}"/>
+          </ac:spMkLst>
+        </pc:spChg>
+        <pc:graphicFrameChg chg="del">
+          <ac:chgData name="C C" userId="58c016da926720ee" providerId="LiveId" clId="{E94AFAF3-9327-44B5-A633-24733238964D}" dt="2023-05-07T10:05:04.850" v="1998" actId="478"/>
+          <ac:graphicFrameMkLst>
+            <pc:docMk/>
+            <pc:sldMk cId="649098460" sldId="291"/>
+            <ac:graphicFrameMk id="2" creationId="{C2E1D3A7-D286-B96E-CBBD-F0DA108BC2DE}"/>
+          </ac:graphicFrameMkLst>
+        </pc:graphicFrameChg>
+        <pc:picChg chg="add mod">
+          <ac:chgData name="C C" userId="58c016da926720ee" providerId="LiveId" clId="{E94AFAF3-9327-44B5-A633-24733238964D}" dt="2023-05-07T10:08:30.447" v="2158" actId="1076"/>
+          <ac:picMkLst>
+            <pc:docMk/>
+            <pc:sldMk cId="649098460" sldId="291"/>
+            <ac:picMk id="8" creationId="{9BAABC31-C586-AEF6-1BCC-1B22B102C252}"/>
+          </ac:picMkLst>
+        </pc:picChg>
+      </pc:sldChg>
+      <pc:sldChg chg="addSp delSp modSp new del mod ord chgLayout">
+        <pc:chgData name="C C" userId="58c016da926720ee" providerId="LiveId" clId="{E94AFAF3-9327-44B5-A633-24733238964D}" dt="2023-05-07T11:28:19.514" v="2349" actId="2696"/>
+        <pc:sldMkLst>
+          <pc:docMk/>
+          <pc:sldMk cId="2388862875" sldId="292"/>
+        </pc:sldMkLst>
+        <pc:spChg chg="del">
+          <ac:chgData name="C C" userId="58c016da926720ee" providerId="LiveId" clId="{E94AFAF3-9327-44B5-A633-24733238964D}" dt="2023-05-07T11:17:40.063" v="2160" actId="700"/>
+          <ac:spMkLst>
+            <pc:docMk/>
+            <pc:sldMk cId="2388862875" sldId="292"/>
+            <ac:spMk id="2" creationId="{0F8DE9A4-E9B5-B682-E960-52232B337EB2}"/>
+          </ac:spMkLst>
+        </pc:spChg>
+        <pc:spChg chg="del">
+          <ac:chgData name="C C" userId="58c016da926720ee" providerId="LiveId" clId="{E94AFAF3-9327-44B5-A633-24733238964D}" dt="2023-05-07T11:17:40.063" v="2160" actId="700"/>
+          <ac:spMkLst>
+            <pc:docMk/>
+            <pc:sldMk cId="2388862875" sldId="292"/>
+            <ac:spMk id="3" creationId="{1FF2FF08-0C55-DE06-E79A-E4B79C95148D}"/>
+          </ac:spMkLst>
+        </pc:spChg>
+        <pc:spChg chg="add mod ord">
+          <ac:chgData name="C C" userId="58c016da926720ee" providerId="LiveId" clId="{E94AFAF3-9327-44B5-A633-24733238964D}" dt="2023-05-07T11:24:02.940" v="2322" actId="20577"/>
+          <ac:spMkLst>
+            <pc:docMk/>
+            <pc:sldMk cId="2388862875" sldId="292"/>
+            <ac:spMk id="4" creationId="{98E49AF9-9A41-16ED-6449-F06F2A3865D1}"/>
+          </ac:spMkLst>
+        </pc:spChg>
+        <pc:spChg chg="add mod ord">
+          <ac:chgData name="C C" userId="58c016da926720ee" providerId="LiveId" clId="{E94AFAF3-9327-44B5-A633-24733238964D}" dt="2023-05-07T11:20:00.685" v="2239" actId="6549"/>
+          <ac:spMkLst>
+            <pc:docMk/>
+            <pc:sldMk cId="2388862875" sldId="292"/>
+            <ac:spMk id="5" creationId="{0262BD89-84B9-1ECD-28D3-325690214CF8}"/>
+          </ac:spMkLst>
+        </pc:spChg>
+      </pc:sldChg>
+      <pc:sldChg chg="addSp modSp new del mod">
+        <pc:chgData name="C C" userId="58c016da926720ee" providerId="LiveId" clId="{E94AFAF3-9327-44B5-A633-24733238964D}" dt="2023-05-07T11:28:19.514" v="2349" actId="2696"/>
+        <pc:sldMkLst>
+          <pc:docMk/>
+          <pc:sldMk cId="1927398817" sldId="293"/>
+        </pc:sldMkLst>
+        <pc:spChg chg="mod">
+          <ac:chgData name="C C" userId="58c016da926720ee" providerId="LiveId" clId="{E94AFAF3-9327-44B5-A633-24733238964D}" dt="2023-05-07T11:23:56.359" v="2313" actId="20577"/>
+          <ac:spMkLst>
+            <pc:docMk/>
+            <pc:sldMk cId="1927398817" sldId="293"/>
+            <ac:spMk id="2" creationId="{547A091F-BF85-763A-5A90-D0EF6D95BC17}"/>
+          </ac:spMkLst>
+        </pc:spChg>
+        <pc:spChg chg="mod">
+          <ac:chgData name="C C" userId="58c016da926720ee" providerId="LiveId" clId="{E94AFAF3-9327-44B5-A633-24733238964D}" dt="2023-05-07T11:23:32.319" v="2262" actId="404"/>
+          <ac:spMkLst>
+            <pc:docMk/>
+            <pc:sldMk cId="1927398817" sldId="293"/>
+            <ac:spMk id="3" creationId="{32D0AD76-6D1D-376F-8CB0-1F03A91F9776}"/>
+          </ac:spMkLst>
+        </pc:spChg>
+        <pc:spChg chg="add mod">
+          <ac:chgData name="C C" userId="58c016da926720ee" providerId="LiveId" clId="{E94AFAF3-9327-44B5-A633-24733238964D}" dt="2023-05-07T11:24:57.612" v="2329" actId="2711"/>
+          <ac:spMkLst>
+            <pc:docMk/>
+            <pc:sldMk cId="1927398817" sldId="293"/>
+            <ac:spMk id="5" creationId="{3AEA419E-C708-F780-83F6-70727B5C2BE5}"/>
+          </ac:spMkLst>
+        </pc:spChg>
+      </pc:sldChg>
+      <pc:sldChg chg="addSp delSp modSp add del mod modClrScheme chgLayout">
+        <pc:chgData name="C C" userId="58c016da926720ee" providerId="LiveId" clId="{E94AFAF3-9327-44B5-A633-24733238964D}" dt="2023-05-07T11:28:19.514" v="2349" actId="2696"/>
+        <pc:sldMkLst>
+          <pc:docMk/>
+          <pc:sldMk cId="2883343886" sldId="294"/>
+        </pc:sldMkLst>
+        <pc:spChg chg="mod ord">
+          <ac:chgData name="C C" userId="58c016da926720ee" providerId="LiveId" clId="{E94AFAF3-9327-44B5-A633-24733238964D}" dt="2023-05-07T11:26:53.717" v="2335" actId="700"/>
+          <ac:spMkLst>
+            <pc:docMk/>
+            <pc:sldMk cId="2883343886" sldId="294"/>
+            <ac:spMk id="2" creationId="{547A091F-BF85-763A-5A90-D0EF6D95BC17}"/>
+          </ac:spMkLst>
+        </pc:spChg>
+        <pc:spChg chg="del">
+          <ac:chgData name="C C" userId="58c016da926720ee" providerId="LiveId" clId="{E94AFAF3-9327-44B5-A633-24733238964D}" dt="2023-05-07T11:25:04.206" v="2332" actId="478"/>
+          <ac:spMkLst>
+            <pc:docMk/>
+            <pc:sldMk cId="2883343886" sldId="294"/>
+            <ac:spMk id="3" creationId="{32D0AD76-6D1D-376F-8CB0-1F03A91F9776}"/>
+          </ac:spMkLst>
+        </pc:spChg>
+        <pc:spChg chg="del">
+          <ac:chgData name="C C" userId="58c016da926720ee" providerId="LiveId" clId="{E94AFAF3-9327-44B5-A633-24733238964D}" dt="2023-05-07T11:25:02.589" v="2331" actId="478"/>
+          <ac:spMkLst>
+            <pc:docMk/>
+            <pc:sldMk cId="2883343886" sldId="294"/>
+            <ac:spMk id="5" creationId="{3AEA419E-C708-F780-83F6-70727B5C2BE5}"/>
+          </ac:spMkLst>
+        </pc:spChg>
+        <pc:spChg chg="add del mod">
+          <ac:chgData name="C C" userId="58c016da926720ee" providerId="LiveId" clId="{E94AFAF3-9327-44B5-A633-24733238964D}" dt="2023-05-07T11:26:10.466" v="2333" actId="22"/>
+          <ac:spMkLst>
+            <pc:docMk/>
+            <pc:sldMk cId="2883343886" sldId="294"/>
+            <ac:spMk id="6" creationId="{87ACBE2A-56EC-A825-4F6F-CC0BC2AB19D0}"/>
+          </ac:spMkLst>
+        </pc:spChg>
+        <pc:spChg chg="add del mod ord">
+          <ac:chgData name="C C" userId="58c016da926720ee" providerId="LiveId" clId="{E94AFAF3-9327-44B5-A633-24733238964D}" dt="2023-05-07T11:26:55.026" v="2336" actId="22"/>
+          <ac:spMkLst>
+            <pc:docMk/>
+            <pc:sldMk cId="2883343886" sldId="294"/>
+            <ac:spMk id="9" creationId="{B3EFB240-AF0F-8F85-225C-0ACF3B09796B}"/>
+          </ac:spMkLst>
+        </pc:spChg>
+        <pc:picChg chg="add mod ord">
+          <ac:chgData name="C C" userId="58c016da926720ee" providerId="LiveId" clId="{E94AFAF3-9327-44B5-A633-24733238964D}" dt="2023-05-07T11:26:53.717" v="2335" actId="700"/>
+          <ac:picMkLst>
+            <pc:docMk/>
+            <pc:sldMk cId="2883343886" sldId="294"/>
+            <ac:picMk id="8" creationId="{F27ADDB3-BC7E-8EDF-6B6A-C34405036133}"/>
+          </ac:picMkLst>
+        </pc:picChg>
+        <pc:picChg chg="add mod ord">
+          <ac:chgData name="C C" userId="58c016da926720ee" providerId="LiveId" clId="{E94AFAF3-9327-44B5-A633-24733238964D}" dt="2023-05-07T11:26:55.026" v="2336" actId="22"/>
+          <ac:picMkLst>
+            <pc:docMk/>
+            <pc:sldMk cId="2883343886" sldId="294"/>
+            <ac:picMk id="11" creationId="{713181BC-8BA3-E4A3-025E-6DB2D3D2E396}"/>
+          </ac:picMkLst>
+        </pc:picChg>
       </pc:sldChg>
       <pc:sldChg chg="add del">
         <pc:chgData name="C C" userId="58c016da926720ee" providerId="LiveId" clId="{E94AFAF3-9327-44B5-A633-24733238964D}" dt="2023-04-24T08:40:26.790" v="543" actId="47"/>
@@ -10970,7 +11211,7 @@
             </a:pPr>
             <a:r>
               <a:rPr lang="de-DE" dirty="0"/>
-              <a:t>Erhebungszeitraum</a:t>
+              <a:t>Erhebungszeitraum &amp; Länder</a:t>
             </a:r>
           </a:p>
           <a:p>
@@ -11001,35 +11242,14 @@
             </a:pPr>
             <a:r>
               <a:rPr lang="de-DE" dirty="0"/>
-              <a:t>Konzepte im Fragebogen</a:t>
+              <a:t>&gt;30 Länder im Datensatz</a:t>
             </a:r>
           </a:p>
           <a:p>
             <a:pPr marL="698500" lvl="1" indent="-342900"/>
             <a:r>
-              <a:rPr lang="de-DE" sz="1800" dirty="0"/>
-              <a:t>Sozialpolitische &amp; Politikwissenschaftliche Standarditems</a:t>
-            </a:r>
-          </a:p>
-          <a:p>
-            <a:pPr marL="698500" lvl="1" indent="-342900"/>
-            <a:r>
-              <a:rPr lang="de-DE" sz="1800" dirty="0"/>
-              <a:t>Werte, Ideologie und Parteienaffinität </a:t>
-            </a:r>
-          </a:p>
-          <a:p>
-            <a:pPr marL="698500" lvl="1" indent="-342900"/>
-            <a:r>
-              <a:rPr lang="de-DE" sz="1800" dirty="0"/>
-              <a:t>Gruppenzugehörigkeit und Gruppenwahrnehmungen </a:t>
-            </a:r>
-          </a:p>
-          <a:p>
-            <a:pPr marL="698500" lvl="1" indent="-342900"/>
-            <a:r>
-              <a:rPr lang="de-DE" sz="1800" dirty="0"/>
-              <a:t>Rotierende Wellen zu unterschiedlichen Themen </a:t>
+              <a:rPr lang="de-DE" dirty="0"/>
+              <a:t>Möglichkeit von Mehrebenenmodellen / Kontextanalysen </a:t>
             </a:r>
           </a:p>
           <a:p>
@@ -11039,7 +11259,21 @@
             </a:pPr>
             <a:r>
               <a:rPr lang="de-DE" dirty="0"/>
-              <a:t>Stratifiziertes Random Sample,  Querschnittsdaten</a:t>
+              <a:t>Variablen im Datensatz</a:t>
+            </a:r>
+          </a:p>
+          <a:p>
+            <a:pPr marL="698500" lvl="1" indent="-342900"/>
+            <a:r>
+              <a:rPr lang="de-DE" dirty="0"/>
+              <a:t>Standardvariablen </a:t>
+            </a:r>
+          </a:p>
+          <a:p>
+            <a:pPr marL="698500" lvl="1" indent="-342900"/>
+            <a:r>
+              <a:rPr lang="de-DE" dirty="0"/>
+              <a:t>Rotierende Module zu spezifischen Themen </a:t>
             </a:r>
           </a:p>
           <a:p>
@@ -11049,8 +11283,25 @@
             </a:pPr>
             <a:r>
               <a:rPr lang="de-DE" dirty="0"/>
-              <a:t>Sehr hohe Datenqualität </a:t>
-            </a:r>
+              <a:t>Stratifiziertes Random Sample,  Querschnittsdaten</a:t>
+            </a:r>
+          </a:p>
+          <a:p>
+            <a:pPr marL="342900" indent="-342900">
+              <a:buFont typeface="Arial" panose="020B0604020202020204" pitchFamily="34" charset="0"/>
+              <a:buChar char="•"/>
+            </a:pPr>
+            <a:r>
+              <a:rPr lang="de-DE" dirty="0"/>
+              <a:t>Sehr hohe Datenqualität  </a:t>
+            </a:r>
+          </a:p>
+          <a:p>
+            <a:pPr marL="342900" indent="-342900">
+              <a:buFont typeface="Arial" panose="020B0604020202020204" pitchFamily="34" charset="0"/>
+              <a:buChar char="•"/>
+            </a:pPr>
+            <a:endParaRPr lang="de-DE" dirty="0"/>
           </a:p>
           <a:p>
             <a:pPr marL="698500" lvl="1" indent="-342900"/>
@@ -11284,20 +11535,24 @@
           <a:bodyPr anchor="ctr"/>
           <a:lstStyle/>
           <a:p>
-            <a:pPr marL="457200" indent="-457200">
-              <a:buFont typeface="Arial" panose="020B0604020202020204" pitchFamily="34" charset="0"/>
-              <a:buChar char="•"/>
+            <a:pPr marL="514350" indent="-514350">
+              <a:buFont typeface="+mj-lt"/>
+              <a:buAutoNum type="arabicPeriod"/>
             </a:pPr>
             <a:r>
+              <a:rPr lang="de-DE"/>
+              <a:t>Methoden </a:t>
+            </a:r>
+            <a:r>
               <a:rPr lang="de-DE" dirty="0"/>
-              <a:t>1 - Methoden der politischen Psychologie </a:t>
+              <a:t>der politischen Psychologie </a:t>
             </a:r>
             <a:endParaRPr lang="de-DE" noProof="0" dirty="0"/>
           </a:p>
           <a:p>
-            <a:pPr marL="457200" indent="-457200">
-              <a:buFont typeface="Arial" panose="020B0604020202020204" pitchFamily="34" charset="0"/>
-              <a:buChar char="•"/>
+            <a:pPr marL="514350" indent="-514350">
+              <a:buFont typeface="+mj-lt"/>
+              <a:buAutoNum type="arabicPeriod"/>
             </a:pPr>
             <a:r>
               <a:rPr lang="de-DE" dirty="0"/>
@@ -11309,14 +11564,20 @@
             </a:r>
           </a:p>
           <a:p>
-            <a:pPr marL="812800" lvl="1" indent="-457200"/>
+            <a:pPr marL="812800" lvl="1" indent="-457200">
+              <a:buFont typeface="+mj-lt"/>
+              <a:buAutoNum type="arabicPeriod"/>
+            </a:pPr>
             <a:r>
               <a:rPr lang="de-DE" noProof="0" dirty="0"/>
               <a:t>BUA-AAR </a:t>
             </a:r>
           </a:p>
           <a:p>
-            <a:pPr marL="812800" lvl="1" indent="-457200"/>
+            <a:pPr marL="812800" lvl="1" indent="-457200">
+              <a:buFont typeface="+mj-lt"/>
+              <a:buAutoNum type="arabicPeriod"/>
+            </a:pPr>
             <a:r>
               <a:rPr lang="de-DE" dirty="0"/>
               <a:t>European </a:t>
@@ -11329,20 +11590,22 @@
               <a:rPr lang="de-DE" dirty="0"/>
               <a:t> Survey </a:t>
             </a:r>
+          </a:p>
+          <a:p>
+            <a:pPr marL="514350" indent="-514350">
+              <a:buFont typeface="+mj-lt"/>
+              <a:buAutoNum type="arabicPeriod"/>
+            </a:pPr>
             <a:endParaRPr lang="de-DE" noProof="0" dirty="0"/>
           </a:p>
           <a:p>
-            <a:pPr marL="457200" indent="-457200">
-              <a:buFont typeface="Arial" panose="020B0604020202020204" pitchFamily="34" charset="0"/>
-              <a:buChar char="•"/>
+            <a:pPr marL="514350" indent="-514350">
+              <a:buFont typeface="+mj-lt"/>
+              <a:buAutoNum type="arabicPeriod"/>
             </a:pPr>
             <a:r>
-              <a:rPr lang="de-DE" dirty="0"/>
-              <a:t>3</a:t>
-            </a:r>
-            <a:r>
               <a:rPr lang="de-DE" noProof="0" dirty="0"/>
-              <a:t> – Sichtung der Daten</a:t>
+              <a:t>– Sichtung der Daten</a:t>
             </a:r>
           </a:p>
           <a:p>
